--- a/닷넷 네트워크 프로그래밍.pptx
+++ b/닷넷 네트워크 프로그래밍.pptx
@@ -50,7 +50,6 @@
     <p:sldId id="324" r:id="rId44"/>
     <p:sldId id="333" r:id="rId45"/>
     <p:sldId id="280" r:id="rId46"/>
-    <p:sldId id="332" r:id="rId47"/>
   </p:sldIdLst>
   <p:sldSz cx="9144000" cy="6858000" type="screen4x3"/>
   <p:notesSz cx="6858000" cy="9144000"/>
@@ -149,6 +148,22 @@
       </a:defRPr>
     </a:lvl9pPr>
   </p:defaultTextStyle>
+  <p:extLst>
+    <p:ext uri="{EFAFB233-063F-42B5-8137-9DF3F51BA10A}">
+      <p15:sldGuideLst xmlns:p15="http://schemas.microsoft.com/office/powerpoint/2012/main">
+        <p15:guide id="1" orient="horz" pos="2160">
+          <p15:clr>
+            <a:srgbClr val="A4A3A4"/>
+          </p15:clr>
+        </p15:guide>
+        <p15:guide id="2" pos="2880">
+          <p15:clr>
+            <a:srgbClr val="A4A3A4"/>
+          </p15:clr>
+        </p15:guide>
+      </p15:sldGuideLst>
+    </p:ext>
+  </p:extLst>
 </p:presentation>
 </file>
 
@@ -190,10 +205,9 @@
           <a:lstStyle/>
           <a:p>
             <a:r>
-              <a:rPr lang="ko-KR" altLang="en-US" smtClean="0"/>
+              <a:rPr lang="ko-KR" altLang="en-US"/>
               <a:t>마스터 제목 스타일 편집</a:t>
             </a:r>
-            <a:endParaRPr lang="ko-KR" altLang="en-US"/>
           </a:p>
         </p:txBody>
       </p:sp>
@@ -309,10 +323,9 @@
           </a:lstStyle>
           <a:p>
             <a:r>
-              <a:rPr lang="ko-KR" altLang="en-US" smtClean="0"/>
+              <a:rPr lang="ko-KR" altLang="en-US"/>
               <a:t>마스터 부제목 스타일 편집</a:t>
             </a:r>
-            <a:endParaRPr lang="ko-KR" altLang="en-US"/>
           </a:p>
         </p:txBody>
       </p:sp>
@@ -333,7 +346,7 @@
           <a:p>
             <a:fld id="{F0837FED-D14C-4621-8916-208C239035C5}" type="datetimeFigureOut">
               <a:rPr lang="ko-KR" altLang="en-US" smtClean="0"/>
-              <a:t>2014-07-18</a:t>
+              <a:t>2020-09-17</a:t>
             </a:fld>
             <a:endParaRPr lang="ko-KR" altLang="en-US"/>
           </a:p>
@@ -427,10 +440,9 @@
           <a:lstStyle/>
           <a:p>
             <a:r>
-              <a:rPr lang="ko-KR" altLang="en-US" smtClean="0"/>
+              <a:rPr lang="ko-KR" altLang="en-US"/>
               <a:t>마스터 제목 스타일 편집</a:t>
             </a:r>
-            <a:endParaRPr lang="ko-KR" altLang="en-US"/>
           </a:p>
         </p:txBody>
       </p:sp>
@@ -451,38 +463,37 @@
           <a:p>
             <a:pPr lvl="0"/>
             <a:r>
-              <a:rPr lang="ko-KR" altLang="en-US" smtClean="0"/>
+              <a:rPr lang="ko-KR" altLang="en-US"/>
               <a:t>마스터 텍스트 스타일을 편집합니다</a:t>
             </a:r>
           </a:p>
           <a:p>
             <a:pPr lvl="1"/>
             <a:r>
-              <a:rPr lang="ko-KR" altLang="en-US" smtClean="0"/>
+              <a:rPr lang="ko-KR" altLang="en-US"/>
               <a:t>둘째 수준</a:t>
             </a:r>
           </a:p>
           <a:p>
             <a:pPr lvl="2"/>
             <a:r>
-              <a:rPr lang="ko-KR" altLang="en-US" smtClean="0"/>
+              <a:rPr lang="ko-KR" altLang="en-US"/>
               <a:t>셋째 수준</a:t>
             </a:r>
           </a:p>
           <a:p>
             <a:pPr lvl="3"/>
             <a:r>
-              <a:rPr lang="ko-KR" altLang="en-US" smtClean="0"/>
+              <a:rPr lang="ko-KR" altLang="en-US"/>
               <a:t>넷째 수준</a:t>
             </a:r>
           </a:p>
           <a:p>
             <a:pPr lvl="4"/>
             <a:r>
-              <a:rPr lang="ko-KR" altLang="en-US" smtClean="0"/>
+              <a:rPr lang="ko-KR" altLang="en-US"/>
               <a:t>다섯째 수준</a:t>
             </a:r>
-            <a:endParaRPr lang="ko-KR" altLang="en-US"/>
           </a:p>
         </p:txBody>
       </p:sp>
@@ -503,7 +514,7 @@
           <a:p>
             <a:fld id="{F0837FED-D14C-4621-8916-208C239035C5}" type="datetimeFigureOut">
               <a:rPr lang="ko-KR" altLang="en-US" smtClean="0"/>
-              <a:t>2014-07-18</a:t>
+              <a:t>2020-09-17</a:t>
             </a:fld>
             <a:endParaRPr lang="ko-KR" altLang="en-US"/>
           </a:p>
@@ -602,10 +613,9 @@
           <a:lstStyle/>
           <a:p>
             <a:r>
-              <a:rPr lang="ko-KR" altLang="en-US" smtClean="0"/>
+              <a:rPr lang="ko-KR" altLang="en-US"/>
               <a:t>마스터 제목 스타일 편집</a:t>
             </a:r>
-            <a:endParaRPr lang="ko-KR" altLang="en-US"/>
           </a:p>
         </p:txBody>
       </p:sp>
@@ -631,38 +641,37 @@
           <a:p>
             <a:pPr lvl="0"/>
             <a:r>
-              <a:rPr lang="ko-KR" altLang="en-US" smtClean="0"/>
+              <a:rPr lang="ko-KR" altLang="en-US"/>
               <a:t>마스터 텍스트 스타일을 편집합니다</a:t>
             </a:r>
           </a:p>
           <a:p>
             <a:pPr lvl="1"/>
             <a:r>
-              <a:rPr lang="ko-KR" altLang="en-US" smtClean="0"/>
+              <a:rPr lang="ko-KR" altLang="en-US"/>
               <a:t>둘째 수준</a:t>
             </a:r>
           </a:p>
           <a:p>
             <a:pPr lvl="2"/>
             <a:r>
-              <a:rPr lang="ko-KR" altLang="en-US" smtClean="0"/>
+              <a:rPr lang="ko-KR" altLang="en-US"/>
               <a:t>셋째 수준</a:t>
             </a:r>
           </a:p>
           <a:p>
             <a:pPr lvl="3"/>
             <a:r>
-              <a:rPr lang="ko-KR" altLang="en-US" smtClean="0"/>
+              <a:rPr lang="ko-KR" altLang="en-US"/>
               <a:t>넷째 수준</a:t>
             </a:r>
           </a:p>
           <a:p>
             <a:pPr lvl="4"/>
             <a:r>
-              <a:rPr lang="ko-KR" altLang="en-US" smtClean="0"/>
+              <a:rPr lang="ko-KR" altLang="en-US"/>
               <a:t>다섯째 수준</a:t>
             </a:r>
-            <a:endParaRPr lang="ko-KR" altLang="en-US"/>
           </a:p>
         </p:txBody>
       </p:sp>
@@ -683,7 +692,7 @@
           <a:p>
             <a:fld id="{F0837FED-D14C-4621-8916-208C239035C5}" type="datetimeFigureOut">
               <a:rPr lang="ko-KR" altLang="en-US" smtClean="0"/>
-              <a:t>2014-07-18</a:t>
+              <a:t>2020-09-17</a:t>
             </a:fld>
             <a:endParaRPr lang="ko-KR" altLang="en-US"/>
           </a:p>
@@ -777,10 +786,9 @@
           <a:lstStyle/>
           <a:p>
             <a:r>
-              <a:rPr lang="ko-KR" altLang="en-US" smtClean="0"/>
+              <a:rPr lang="ko-KR" altLang="en-US"/>
               <a:t>마스터 제목 스타일 편집</a:t>
             </a:r>
-            <a:endParaRPr lang="ko-KR" altLang="en-US"/>
           </a:p>
         </p:txBody>
       </p:sp>
@@ -801,38 +809,37 @@
           <a:p>
             <a:pPr lvl="0"/>
             <a:r>
-              <a:rPr lang="ko-KR" altLang="en-US" smtClean="0"/>
+              <a:rPr lang="ko-KR" altLang="en-US"/>
               <a:t>마스터 텍스트 스타일을 편집합니다</a:t>
             </a:r>
           </a:p>
           <a:p>
             <a:pPr lvl="1"/>
             <a:r>
-              <a:rPr lang="ko-KR" altLang="en-US" smtClean="0"/>
+              <a:rPr lang="ko-KR" altLang="en-US"/>
               <a:t>둘째 수준</a:t>
             </a:r>
           </a:p>
           <a:p>
             <a:pPr lvl="2"/>
             <a:r>
-              <a:rPr lang="ko-KR" altLang="en-US" smtClean="0"/>
+              <a:rPr lang="ko-KR" altLang="en-US"/>
               <a:t>셋째 수준</a:t>
             </a:r>
           </a:p>
           <a:p>
             <a:pPr lvl="3"/>
             <a:r>
-              <a:rPr lang="ko-KR" altLang="en-US" smtClean="0"/>
+              <a:rPr lang="ko-KR" altLang="en-US"/>
               <a:t>넷째 수준</a:t>
             </a:r>
           </a:p>
           <a:p>
             <a:pPr lvl="4"/>
             <a:r>
-              <a:rPr lang="ko-KR" altLang="en-US" smtClean="0"/>
+              <a:rPr lang="ko-KR" altLang="en-US"/>
               <a:t>다섯째 수준</a:t>
             </a:r>
-            <a:endParaRPr lang="ko-KR" altLang="en-US"/>
           </a:p>
         </p:txBody>
       </p:sp>
@@ -853,7 +860,7 @@
           <a:p>
             <a:fld id="{F0837FED-D14C-4621-8916-208C239035C5}" type="datetimeFigureOut">
               <a:rPr lang="ko-KR" altLang="en-US" smtClean="0"/>
-              <a:t>2014-07-18</a:t>
+              <a:t>2020-09-17</a:t>
             </a:fld>
             <a:endParaRPr lang="ko-KR" altLang="en-US"/>
           </a:p>
@@ -956,10 +963,9 @@
           </a:lstStyle>
           <a:p>
             <a:r>
-              <a:rPr lang="ko-KR" altLang="en-US" smtClean="0"/>
+              <a:rPr lang="ko-KR" altLang="en-US"/>
               <a:t>마스터 제목 스타일 편집</a:t>
             </a:r>
-            <a:endParaRPr lang="ko-KR" altLang="en-US"/>
           </a:p>
         </p:txBody>
       </p:sp>
@@ -1076,7 +1082,7 @@
           <a:p>
             <a:pPr lvl="0"/>
             <a:r>
-              <a:rPr lang="ko-KR" altLang="en-US" smtClean="0"/>
+              <a:rPr lang="ko-KR" altLang="en-US"/>
               <a:t>마스터 텍스트 스타일을 편집합니다</a:t>
             </a:r>
           </a:p>
@@ -1099,7 +1105,7 @@
           <a:p>
             <a:fld id="{F0837FED-D14C-4621-8916-208C239035C5}" type="datetimeFigureOut">
               <a:rPr lang="ko-KR" altLang="en-US" smtClean="0"/>
-              <a:t>2014-07-18</a:t>
+              <a:t>2020-09-17</a:t>
             </a:fld>
             <a:endParaRPr lang="ko-KR" altLang="en-US"/>
           </a:p>
@@ -1193,10 +1199,9 @@
           <a:lstStyle/>
           <a:p>
             <a:r>
-              <a:rPr lang="ko-KR" altLang="en-US" smtClean="0"/>
+              <a:rPr lang="ko-KR" altLang="en-US"/>
               <a:t>마스터 제목 스타일 편집</a:t>
             </a:r>
-            <a:endParaRPr lang="ko-KR" altLang="en-US"/>
           </a:p>
         </p:txBody>
       </p:sp>
@@ -1250,38 +1255,37 @@
           <a:p>
             <a:pPr lvl="0"/>
             <a:r>
-              <a:rPr lang="ko-KR" altLang="en-US" smtClean="0"/>
+              <a:rPr lang="ko-KR" altLang="en-US"/>
               <a:t>마스터 텍스트 스타일을 편집합니다</a:t>
             </a:r>
           </a:p>
           <a:p>
             <a:pPr lvl="1"/>
             <a:r>
-              <a:rPr lang="ko-KR" altLang="en-US" smtClean="0"/>
+              <a:rPr lang="ko-KR" altLang="en-US"/>
               <a:t>둘째 수준</a:t>
             </a:r>
           </a:p>
           <a:p>
             <a:pPr lvl="2"/>
             <a:r>
-              <a:rPr lang="ko-KR" altLang="en-US" smtClean="0"/>
+              <a:rPr lang="ko-KR" altLang="en-US"/>
               <a:t>셋째 수준</a:t>
             </a:r>
           </a:p>
           <a:p>
             <a:pPr lvl="3"/>
             <a:r>
-              <a:rPr lang="ko-KR" altLang="en-US" smtClean="0"/>
+              <a:rPr lang="ko-KR" altLang="en-US"/>
               <a:t>넷째 수준</a:t>
             </a:r>
           </a:p>
           <a:p>
             <a:pPr lvl="4"/>
             <a:r>
-              <a:rPr lang="ko-KR" altLang="en-US" smtClean="0"/>
+              <a:rPr lang="ko-KR" altLang="en-US"/>
               <a:t>다섯째 수준</a:t>
             </a:r>
-            <a:endParaRPr lang="ko-KR" altLang="en-US"/>
           </a:p>
         </p:txBody>
       </p:sp>
@@ -1335,38 +1339,37 @@
           <a:p>
             <a:pPr lvl="0"/>
             <a:r>
-              <a:rPr lang="ko-KR" altLang="en-US" smtClean="0"/>
+              <a:rPr lang="ko-KR" altLang="en-US"/>
               <a:t>마스터 텍스트 스타일을 편집합니다</a:t>
             </a:r>
           </a:p>
           <a:p>
             <a:pPr lvl="1"/>
             <a:r>
-              <a:rPr lang="ko-KR" altLang="en-US" smtClean="0"/>
+              <a:rPr lang="ko-KR" altLang="en-US"/>
               <a:t>둘째 수준</a:t>
             </a:r>
           </a:p>
           <a:p>
             <a:pPr lvl="2"/>
             <a:r>
-              <a:rPr lang="ko-KR" altLang="en-US" smtClean="0"/>
+              <a:rPr lang="ko-KR" altLang="en-US"/>
               <a:t>셋째 수준</a:t>
             </a:r>
           </a:p>
           <a:p>
             <a:pPr lvl="3"/>
             <a:r>
-              <a:rPr lang="ko-KR" altLang="en-US" smtClean="0"/>
+              <a:rPr lang="ko-KR" altLang="en-US"/>
               <a:t>넷째 수준</a:t>
             </a:r>
           </a:p>
           <a:p>
             <a:pPr lvl="4"/>
             <a:r>
-              <a:rPr lang="ko-KR" altLang="en-US" smtClean="0"/>
+              <a:rPr lang="ko-KR" altLang="en-US"/>
               <a:t>다섯째 수준</a:t>
             </a:r>
-            <a:endParaRPr lang="ko-KR" altLang="en-US"/>
           </a:p>
         </p:txBody>
       </p:sp>
@@ -1387,7 +1390,7 @@
           <a:p>
             <a:fld id="{F0837FED-D14C-4621-8916-208C239035C5}" type="datetimeFigureOut">
               <a:rPr lang="ko-KR" altLang="en-US" smtClean="0"/>
-              <a:t>2014-07-18</a:t>
+              <a:t>2020-09-17</a:t>
             </a:fld>
             <a:endParaRPr lang="ko-KR" altLang="en-US"/>
           </a:p>
@@ -1485,10 +1488,9 @@
           </a:lstStyle>
           <a:p>
             <a:r>
-              <a:rPr lang="ko-KR" altLang="en-US" smtClean="0"/>
+              <a:rPr lang="ko-KR" altLang="en-US"/>
               <a:t>마스터 제목 스타일 편집</a:t>
             </a:r>
-            <a:endParaRPr lang="ko-KR" altLang="en-US"/>
           </a:p>
         </p:txBody>
       </p:sp>
@@ -1551,7 +1553,7 @@
           <a:p>
             <a:pPr lvl="0"/>
             <a:r>
-              <a:rPr lang="ko-KR" altLang="en-US" smtClean="0"/>
+              <a:rPr lang="ko-KR" altLang="en-US"/>
               <a:t>마스터 텍스트 스타일을 편집합니다</a:t>
             </a:r>
           </a:p>
@@ -1607,38 +1609,37 @@
           <a:p>
             <a:pPr lvl="0"/>
             <a:r>
-              <a:rPr lang="ko-KR" altLang="en-US" smtClean="0"/>
+              <a:rPr lang="ko-KR" altLang="en-US"/>
               <a:t>마스터 텍스트 스타일을 편집합니다</a:t>
             </a:r>
           </a:p>
           <a:p>
             <a:pPr lvl="1"/>
             <a:r>
-              <a:rPr lang="ko-KR" altLang="en-US" smtClean="0"/>
+              <a:rPr lang="ko-KR" altLang="en-US"/>
               <a:t>둘째 수준</a:t>
             </a:r>
           </a:p>
           <a:p>
             <a:pPr lvl="2"/>
             <a:r>
-              <a:rPr lang="ko-KR" altLang="en-US" smtClean="0"/>
+              <a:rPr lang="ko-KR" altLang="en-US"/>
               <a:t>셋째 수준</a:t>
             </a:r>
           </a:p>
           <a:p>
             <a:pPr lvl="3"/>
             <a:r>
-              <a:rPr lang="ko-KR" altLang="en-US" smtClean="0"/>
+              <a:rPr lang="ko-KR" altLang="en-US"/>
               <a:t>넷째 수준</a:t>
             </a:r>
           </a:p>
           <a:p>
             <a:pPr lvl="4"/>
             <a:r>
-              <a:rPr lang="ko-KR" altLang="en-US" smtClean="0"/>
+              <a:rPr lang="ko-KR" altLang="en-US"/>
               <a:t>다섯째 수준</a:t>
             </a:r>
-            <a:endParaRPr lang="ko-KR" altLang="en-US"/>
           </a:p>
         </p:txBody>
       </p:sp>
@@ -1701,7 +1702,7 @@
           <a:p>
             <a:pPr lvl="0"/>
             <a:r>
-              <a:rPr lang="ko-KR" altLang="en-US" smtClean="0"/>
+              <a:rPr lang="ko-KR" altLang="en-US"/>
               <a:t>마스터 텍스트 스타일을 편집합니다</a:t>
             </a:r>
           </a:p>
@@ -1757,38 +1758,37 @@
           <a:p>
             <a:pPr lvl="0"/>
             <a:r>
-              <a:rPr lang="ko-KR" altLang="en-US" smtClean="0"/>
+              <a:rPr lang="ko-KR" altLang="en-US"/>
               <a:t>마스터 텍스트 스타일을 편집합니다</a:t>
             </a:r>
           </a:p>
           <a:p>
             <a:pPr lvl="1"/>
             <a:r>
-              <a:rPr lang="ko-KR" altLang="en-US" smtClean="0"/>
+              <a:rPr lang="ko-KR" altLang="en-US"/>
               <a:t>둘째 수준</a:t>
             </a:r>
           </a:p>
           <a:p>
             <a:pPr lvl="2"/>
             <a:r>
-              <a:rPr lang="ko-KR" altLang="en-US" smtClean="0"/>
+              <a:rPr lang="ko-KR" altLang="en-US"/>
               <a:t>셋째 수준</a:t>
             </a:r>
           </a:p>
           <a:p>
             <a:pPr lvl="3"/>
             <a:r>
-              <a:rPr lang="ko-KR" altLang="en-US" smtClean="0"/>
+              <a:rPr lang="ko-KR" altLang="en-US"/>
               <a:t>넷째 수준</a:t>
             </a:r>
           </a:p>
           <a:p>
             <a:pPr lvl="4"/>
             <a:r>
-              <a:rPr lang="ko-KR" altLang="en-US" smtClean="0"/>
+              <a:rPr lang="ko-KR" altLang="en-US"/>
               <a:t>다섯째 수준</a:t>
             </a:r>
-            <a:endParaRPr lang="ko-KR" altLang="en-US"/>
           </a:p>
         </p:txBody>
       </p:sp>
@@ -1809,7 +1809,7 @@
           <a:p>
             <a:fld id="{F0837FED-D14C-4621-8916-208C239035C5}" type="datetimeFigureOut">
               <a:rPr lang="ko-KR" altLang="en-US" smtClean="0"/>
-              <a:t>2014-07-18</a:t>
+              <a:t>2020-09-17</a:t>
             </a:fld>
             <a:endParaRPr lang="ko-KR" altLang="en-US"/>
           </a:p>
@@ -1903,10 +1903,9 @@
           <a:lstStyle/>
           <a:p>
             <a:r>
-              <a:rPr lang="ko-KR" altLang="en-US" smtClean="0"/>
+              <a:rPr lang="ko-KR" altLang="en-US"/>
               <a:t>마스터 제목 스타일 편집</a:t>
             </a:r>
-            <a:endParaRPr lang="ko-KR" altLang="en-US"/>
           </a:p>
         </p:txBody>
       </p:sp>
@@ -1927,7 +1926,7 @@
           <a:p>
             <a:fld id="{F0837FED-D14C-4621-8916-208C239035C5}" type="datetimeFigureOut">
               <a:rPr lang="ko-KR" altLang="en-US" smtClean="0"/>
-              <a:t>2014-07-18</a:t>
+              <a:t>2020-09-17</a:t>
             </a:fld>
             <a:endParaRPr lang="ko-KR" altLang="en-US"/>
           </a:p>
@@ -2022,7 +2021,7 @@
           <a:p>
             <a:fld id="{F0837FED-D14C-4621-8916-208C239035C5}" type="datetimeFigureOut">
               <a:rPr lang="ko-KR" altLang="en-US" smtClean="0"/>
-              <a:t>2014-07-18</a:t>
+              <a:t>2020-09-17</a:t>
             </a:fld>
             <a:endParaRPr lang="ko-KR" altLang="en-US"/>
           </a:p>
@@ -2125,10 +2124,9 @@
           </a:lstStyle>
           <a:p>
             <a:r>
-              <a:rPr lang="ko-KR" altLang="en-US" smtClean="0"/>
+              <a:rPr lang="ko-KR" altLang="en-US"/>
               <a:t>마스터 제목 스타일 편집</a:t>
             </a:r>
-            <a:endParaRPr lang="ko-KR" altLang="en-US"/>
           </a:p>
         </p:txBody>
       </p:sp>
@@ -2182,38 +2180,37 @@
           <a:p>
             <a:pPr lvl="0"/>
             <a:r>
-              <a:rPr lang="ko-KR" altLang="en-US" smtClean="0"/>
+              <a:rPr lang="ko-KR" altLang="en-US"/>
               <a:t>마스터 텍스트 스타일을 편집합니다</a:t>
             </a:r>
           </a:p>
           <a:p>
             <a:pPr lvl="1"/>
             <a:r>
-              <a:rPr lang="ko-KR" altLang="en-US" smtClean="0"/>
+              <a:rPr lang="ko-KR" altLang="en-US"/>
               <a:t>둘째 수준</a:t>
             </a:r>
           </a:p>
           <a:p>
             <a:pPr lvl="2"/>
             <a:r>
-              <a:rPr lang="ko-KR" altLang="en-US" smtClean="0"/>
+              <a:rPr lang="ko-KR" altLang="en-US"/>
               <a:t>셋째 수준</a:t>
             </a:r>
           </a:p>
           <a:p>
             <a:pPr lvl="3"/>
             <a:r>
-              <a:rPr lang="ko-KR" altLang="en-US" smtClean="0"/>
+              <a:rPr lang="ko-KR" altLang="en-US"/>
               <a:t>넷째 수준</a:t>
             </a:r>
           </a:p>
           <a:p>
             <a:pPr lvl="4"/>
             <a:r>
-              <a:rPr lang="ko-KR" altLang="en-US" smtClean="0"/>
+              <a:rPr lang="ko-KR" altLang="en-US"/>
               <a:t>다섯째 수준</a:t>
             </a:r>
-            <a:endParaRPr lang="ko-KR" altLang="en-US"/>
           </a:p>
         </p:txBody>
       </p:sp>
@@ -2276,7 +2273,7 @@
           <a:p>
             <a:pPr lvl="0"/>
             <a:r>
-              <a:rPr lang="ko-KR" altLang="en-US" smtClean="0"/>
+              <a:rPr lang="ko-KR" altLang="en-US"/>
               <a:t>마스터 텍스트 스타일을 편집합니다</a:t>
             </a:r>
           </a:p>
@@ -2299,7 +2296,7 @@
           <a:p>
             <a:fld id="{F0837FED-D14C-4621-8916-208C239035C5}" type="datetimeFigureOut">
               <a:rPr lang="ko-KR" altLang="en-US" smtClean="0"/>
-              <a:t>2014-07-18</a:t>
+              <a:t>2020-09-17</a:t>
             </a:fld>
             <a:endParaRPr lang="ko-KR" altLang="en-US"/>
           </a:p>
@@ -2402,10 +2399,9 @@
           </a:lstStyle>
           <a:p>
             <a:r>
-              <a:rPr lang="ko-KR" altLang="en-US" smtClean="0"/>
+              <a:rPr lang="ko-KR" altLang="en-US"/>
               <a:t>마스터 제목 스타일 편집</a:t>
             </a:r>
-            <a:endParaRPr lang="ko-KR" altLang="en-US"/>
           </a:p>
         </p:txBody>
       </p:sp>
@@ -2529,7 +2525,7 @@
           <a:p>
             <a:pPr lvl="0"/>
             <a:r>
-              <a:rPr lang="ko-KR" altLang="en-US" smtClean="0"/>
+              <a:rPr lang="ko-KR" altLang="en-US"/>
               <a:t>마스터 텍스트 스타일을 편집합니다</a:t>
             </a:r>
           </a:p>
@@ -2552,7 +2548,7 @@
           <a:p>
             <a:fld id="{F0837FED-D14C-4621-8916-208C239035C5}" type="datetimeFigureOut">
               <a:rPr lang="ko-KR" altLang="en-US" smtClean="0"/>
-              <a:t>2014-07-18</a:t>
+              <a:t>2020-09-17</a:t>
             </a:fld>
             <a:endParaRPr lang="ko-KR" altLang="en-US"/>
           </a:p>
@@ -2661,10 +2657,9 @@
           <a:lstStyle/>
           <a:p>
             <a:r>
-              <a:rPr lang="ko-KR" altLang="en-US" smtClean="0"/>
+              <a:rPr lang="ko-KR" altLang="en-US"/>
               <a:t>마스터 제목 스타일 편집</a:t>
             </a:r>
-            <a:endParaRPr lang="ko-KR" altLang="en-US"/>
           </a:p>
         </p:txBody>
       </p:sp>
@@ -2695,38 +2690,37 @@
           <a:p>
             <a:pPr lvl="0"/>
             <a:r>
-              <a:rPr lang="ko-KR" altLang="en-US" smtClean="0"/>
+              <a:rPr lang="ko-KR" altLang="en-US"/>
               <a:t>마스터 텍스트 스타일을 편집합니다</a:t>
             </a:r>
           </a:p>
           <a:p>
             <a:pPr lvl="1"/>
             <a:r>
-              <a:rPr lang="ko-KR" altLang="en-US" smtClean="0"/>
+              <a:rPr lang="ko-KR" altLang="en-US"/>
               <a:t>둘째 수준</a:t>
             </a:r>
           </a:p>
           <a:p>
             <a:pPr lvl="2"/>
             <a:r>
-              <a:rPr lang="ko-KR" altLang="en-US" smtClean="0"/>
+              <a:rPr lang="ko-KR" altLang="en-US"/>
               <a:t>셋째 수준</a:t>
             </a:r>
           </a:p>
           <a:p>
             <a:pPr lvl="3"/>
             <a:r>
-              <a:rPr lang="ko-KR" altLang="en-US" smtClean="0"/>
+              <a:rPr lang="ko-KR" altLang="en-US"/>
               <a:t>넷째 수준</a:t>
             </a:r>
           </a:p>
           <a:p>
             <a:pPr lvl="4"/>
             <a:r>
-              <a:rPr lang="ko-KR" altLang="en-US" smtClean="0"/>
+              <a:rPr lang="ko-KR" altLang="en-US"/>
               <a:t>다섯째 수준</a:t>
             </a:r>
-            <a:endParaRPr lang="ko-KR" altLang="en-US"/>
           </a:p>
         </p:txBody>
       </p:sp>
@@ -2765,7 +2759,7 @@
           <a:p>
             <a:fld id="{F0837FED-D14C-4621-8916-208C239035C5}" type="datetimeFigureOut">
               <a:rPr lang="ko-KR" altLang="en-US" smtClean="0"/>
-              <a:t>2014-07-18</a:t>
+              <a:t>2020-09-17</a:t>
             </a:fld>
             <a:endParaRPr lang="ko-KR" altLang="en-US"/>
           </a:p>
@@ -3164,18 +3158,13 @@
           <a:p>
             <a:pPr algn="ctr"/>
             <a:r>
-              <a:rPr lang="en-US" altLang="ko-KR" sz="4800" b="1" smtClean="0"/>
+              <a:rPr lang="en-US" altLang="ko-KR" sz="4800" b="1"/>
               <a:t>.NET </a:t>
             </a:r>
             <a:r>
-              <a:rPr lang="ko-KR" altLang="en-US" sz="4800" b="1" smtClean="0"/>
-              <a:t>네트워크 </a:t>
-            </a:r>
-            <a:r>
-              <a:rPr lang="ko-KR" altLang="en-US" sz="4800" b="1" smtClean="0"/>
-              <a:t>프로그래밍</a:t>
-            </a:r>
-            <a:endParaRPr lang="ko-KR" altLang="en-US" sz="4800" b="1"/>
+              <a:rPr lang="ko-KR" altLang="en-US" sz="4800" b="1"/>
+              <a:t>네트워크 프로그래밍</a:t>
+            </a:r>
           </a:p>
         </p:txBody>
       </p:sp>
@@ -3202,14 +3191,14 @@
           <a:lstStyle/>
           <a:p>
             <a:r>
-              <a:rPr lang="ko-KR" altLang="en-US" smtClean="0"/>
+              <a:rPr lang="ko-KR" altLang="en-US"/>
               <a:t>최흥배</a:t>
             </a:r>
-            <a:endParaRPr lang="en-US" altLang="ko-KR" smtClean="0"/>
-          </a:p>
-          <a:p>
-            <a:r>
-              <a:rPr lang="en-US" altLang="ko-KR" smtClean="0"/>
+            <a:endParaRPr lang="en-US" altLang="ko-KR"/>
+          </a:p>
+          <a:p>
+            <a:r>
+              <a:rPr lang="en-US" altLang="ko-KR"/>
               <a:t>twitter: @jacking75</a:t>
             </a:r>
             <a:endParaRPr lang="ko-KR" altLang="en-US"/>
@@ -3268,27 +3257,27 @@
           <a:lstStyle/>
           <a:p>
             <a:r>
-              <a:rPr lang="ko-KR" altLang="en-US" sz="3200" b="1" smtClean="0"/>
+              <a:rPr lang="ko-KR" altLang="en-US" sz="3200" b="1"/>
               <a:t>간단 </a:t>
             </a:r>
             <a:r>
-              <a:rPr lang="en-US" altLang="ko-KR" sz="3200" b="1" smtClean="0"/>
+              <a:rPr lang="en-US" altLang="ko-KR" sz="3200" b="1"/>
               <a:t>Socket </a:t>
             </a:r>
             <a:r>
-              <a:rPr lang="ko-KR" altLang="en-US" sz="3200" b="1" smtClean="0"/>
+              <a:rPr lang="ko-KR" altLang="en-US" sz="3200" b="1"/>
               <a:t>서버 </a:t>
             </a:r>
             <a:r>
-              <a:rPr lang="en-US" altLang="ko-KR" sz="3200" b="1" smtClean="0"/>
+              <a:rPr lang="en-US" altLang="ko-KR" sz="3200" b="1"/>
               <a:t>(</a:t>
             </a:r>
             <a:r>
-              <a:rPr lang="ko-KR" altLang="en-US" sz="3200" b="1" smtClean="0"/>
+              <a:rPr lang="ko-KR" altLang="en-US" sz="3200" b="1"/>
               <a:t>동기식</a:t>
             </a:r>
             <a:r>
-              <a:rPr lang="en-US" altLang="ko-KR" sz="3200" b="1" smtClean="0"/>
+              <a:rPr lang="en-US" altLang="ko-KR" sz="3200" b="1"/>
               <a:t>)</a:t>
             </a:r>
             <a:endParaRPr lang="ko-KR" altLang="en-US" sz="3200" b="1"/>
@@ -3401,11 +3390,11 @@
           <a:lstStyle/>
           <a:p>
             <a:r>
-              <a:rPr lang="ko-KR" altLang="en-US" smtClean="0"/>
+              <a:rPr lang="ko-KR" altLang="en-US"/>
               <a:t>예제</a:t>
             </a:r>
             <a:r>
-              <a:rPr lang="en-US" altLang="ko-KR" smtClean="0"/>
+              <a:rPr lang="en-US" altLang="ko-KR"/>
               <a:t>: BasicSocketServer</a:t>
             </a:r>
             <a:endParaRPr lang="ko-KR" altLang="en-US"/>
@@ -3464,15 +3453,15 @@
           <a:lstStyle/>
           <a:p>
             <a:r>
-              <a:rPr lang="ko-KR" altLang="en-US" sz="3200" b="1" smtClean="0"/>
+              <a:rPr lang="ko-KR" altLang="en-US" sz="3200" b="1"/>
               <a:t>간단 </a:t>
             </a:r>
             <a:r>
-              <a:rPr lang="en-US" altLang="ko-KR" sz="3200" b="1" smtClean="0"/>
+              <a:rPr lang="en-US" altLang="ko-KR" sz="3200" b="1"/>
               <a:t>Socket </a:t>
             </a:r>
             <a:r>
-              <a:rPr lang="ko-KR" altLang="en-US" sz="3200" b="1" smtClean="0"/>
+              <a:rPr lang="ko-KR" altLang="en-US" sz="3200" b="1"/>
               <a:t>클라이언트 </a:t>
             </a:r>
             <a:r>
@@ -3484,7 +3473,7 @@
               <a:t>동기식</a:t>
             </a:r>
             <a:r>
-              <a:rPr lang="en-US" altLang="ko-KR" sz="3200" b="1" smtClean="0"/>
+              <a:rPr lang="en-US" altLang="ko-KR" sz="3200" b="1"/>
               <a:t>)</a:t>
             </a:r>
             <a:endParaRPr lang="ko-KR" altLang="en-US" sz="3200" b="1"/>
@@ -3543,11 +3532,11 @@
           <a:lstStyle/>
           <a:p>
             <a:r>
-              <a:rPr lang="ko-KR" altLang="en-US" smtClean="0"/>
+              <a:rPr lang="ko-KR" altLang="en-US"/>
               <a:t>예제</a:t>
             </a:r>
             <a:r>
-              <a:rPr lang="en-US" altLang="ko-KR" smtClean="0"/>
+              <a:rPr lang="en-US" altLang="ko-KR"/>
               <a:t>: BasicSocketClient</a:t>
             </a:r>
             <a:endParaRPr lang="ko-KR" altLang="en-US"/>
@@ -3989,18 +3978,17 @@
           <a:lstStyle/>
           <a:p>
             <a:r>
-              <a:rPr lang="ko-KR" altLang="en-US" sz="3200" b="1" smtClean="0"/>
+              <a:rPr lang="ko-KR" altLang="en-US" sz="3200" b="1"/>
               <a:t>이진 데이터 전송 </a:t>
             </a:r>
             <a:r>
-              <a:rPr lang="en-US" altLang="ko-KR" sz="3200" b="1" smtClean="0"/>
+              <a:rPr lang="en-US" altLang="ko-KR" sz="3200" b="1"/>
               <a:t>- </a:t>
             </a:r>
             <a:r>
-              <a:rPr lang="ko-KR" altLang="en-US" sz="3200" b="1" smtClean="0"/>
+              <a:rPr lang="ko-KR" altLang="en-US" sz="3200" b="1"/>
               <a:t>예제 코드</a:t>
             </a:r>
-            <a:endParaRPr lang="ko-KR" altLang="en-US" sz="3200" b="1"/>
           </a:p>
         </p:txBody>
       </p:sp>
@@ -4038,62 +4026,38 @@
           </a:p>
           <a:p>
             <a:r>
-              <a:rPr lang="en-US" altLang="ko-KR" sz="1600" smtClean="0"/>
-              <a:t>    ip </a:t>
-            </a:r>
-            <a:r>
-              <a:rPr lang="en-US" altLang="ko-KR" sz="1600"/>
-              <a:t>= textBox1.Text;</a:t>
-            </a:r>
-          </a:p>
-          <a:p>
-            <a:r>
-              <a:rPr lang="en-US" altLang="ko-KR" sz="1600" smtClean="0"/>
-              <a:t>    port </a:t>
-            </a:r>
-            <a:r>
-              <a:rPr lang="en-US" altLang="ko-KR" sz="1600"/>
-              <a:t>= int.Parse(textBox2.Text);</a:t>
-            </a:r>
-          </a:p>
-          <a:p>
-            <a:r>
-              <a:rPr lang="en-US" altLang="ko-KR" sz="1600" smtClean="0"/>
-              <a:t>    client </a:t>
-            </a:r>
-            <a:r>
-              <a:rPr lang="en-US" altLang="ko-KR" sz="1600"/>
-              <a:t>= new TcpClient(ip, port);</a:t>
-            </a:r>
-          </a:p>
-          <a:p>
-            <a:r>
-              <a:rPr lang="en-US" altLang="ko-KR" sz="1600" smtClean="0"/>
-              <a:t>    stream </a:t>
-            </a:r>
-            <a:r>
-              <a:rPr lang="en-US" altLang="ko-KR" sz="1600"/>
-              <a:t>= client.GetStream();</a:t>
-            </a:r>
-          </a:p>
-          <a:p>
-            <a:r>
-              <a:rPr lang="en-US" altLang="ko-KR" sz="1600" smtClean="0"/>
-              <a:t>    byte</a:t>
-            </a:r>
-            <a:r>
-              <a:rPr lang="en-US" altLang="ko-KR" sz="1600"/>
-              <a:t>[] tmp = ImageToByteArray(image1);</a:t>
-            </a:r>
-          </a:p>
-          <a:p>
-            <a:r>
-              <a:rPr lang="en-US" altLang="ko-KR" sz="1600" smtClean="0"/>
-              <a:t>    stream.Write(tmp</a:t>
-            </a:r>
-            <a:r>
-              <a:rPr lang="en-US" altLang="ko-KR" sz="1600"/>
-              <a:t>, 0, tmp.Length);</a:t>
+              <a:rPr lang="en-US" altLang="ko-KR" sz="1600"/>
+              <a:t>    ip = textBox1.Text;</a:t>
+            </a:r>
+          </a:p>
+          <a:p>
+            <a:r>
+              <a:rPr lang="en-US" altLang="ko-KR" sz="1600"/>
+              <a:t>    port = int.Parse(textBox2.Text);</a:t>
+            </a:r>
+          </a:p>
+          <a:p>
+            <a:r>
+              <a:rPr lang="en-US" altLang="ko-KR" sz="1600"/>
+              <a:t>    client = new TcpClient(ip, port);</a:t>
+            </a:r>
+          </a:p>
+          <a:p>
+            <a:r>
+              <a:rPr lang="en-US" altLang="ko-KR" sz="1600"/>
+              <a:t>    stream = client.GetStream();</a:t>
+            </a:r>
+          </a:p>
+          <a:p>
+            <a:r>
+              <a:rPr lang="en-US" altLang="ko-KR" sz="1600"/>
+              <a:t>    byte[] tmp = ImageToByteArray(image1);</a:t>
+            </a:r>
+          </a:p>
+          <a:p>
+            <a:r>
+              <a:rPr lang="en-US" altLang="ko-KR" sz="1600"/>
+              <a:t>    stream.Write(tmp, 0, tmp.Length);</a:t>
             </a:r>
           </a:p>
           <a:p>
@@ -4116,25 +4080,20 @@
           </a:p>
           <a:p>
             <a:r>
-              <a:rPr lang="en-US" altLang="ko-KR" sz="1600" smtClean="0"/>
-              <a:t>    MessageBox.Show(exp.Message</a:t>
-            </a:r>
-            <a:r>
-              <a:rPr lang="en-US" altLang="ko-KR" sz="1600"/>
-              <a:t>);</a:t>
-            </a:r>
-          </a:p>
-          <a:p>
-            <a:r>
-              <a:rPr lang="en-US" altLang="ko-KR" sz="1600" smtClean="0"/>
+              <a:rPr lang="en-US" altLang="ko-KR" sz="1600"/>
+              <a:t>    MessageBox.Show(exp.Message);</a:t>
+            </a:r>
+          </a:p>
+          <a:p>
+            <a:r>
+              <a:rPr lang="en-US" altLang="ko-KR" sz="1600"/>
               <a:t>}</a:t>
             </a:r>
+          </a:p>
+          <a:p>
             <a:endParaRPr lang="en-US" altLang="ko-KR" sz="1600"/>
           </a:p>
           <a:p>
-            <a:endParaRPr lang="en-US" altLang="ko-KR" sz="1600"/>
-          </a:p>
-          <a:p>
             <a:r>
               <a:rPr lang="en-US" altLang="ko-KR" sz="1600"/>
               <a:t>public static byte[] ImageToByteArray(Image img)</a:t>
@@ -4148,32 +4107,20 @@
           </a:p>
           <a:p>
             <a:r>
-              <a:rPr lang="en-US" altLang="ko-KR" sz="1600" smtClean="0"/>
-              <a:t>    ImageConverter </a:t>
-            </a:r>
-            <a:r>
-              <a:rPr lang="en-US" altLang="ko-KR" sz="1600"/>
-              <a:t>imgconv = new ImageConverter();</a:t>
-            </a:r>
-          </a:p>
-          <a:p>
-            <a:r>
-              <a:rPr lang="en-US" altLang="ko-KR" sz="1600" smtClean="0"/>
-              <a:t>    byte</a:t>
-            </a:r>
-            <a:r>
-              <a:rPr lang="en-US" altLang="ko-KR" sz="1600"/>
-              <a:t>[] b = (byte[])imgconv.ConvertTo(img, typeof(byte[]));</a:t>
-            </a:r>
-          </a:p>
-          <a:p>
-            <a:r>
-              <a:rPr lang="en-US" altLang="ko-KR" sz="1600" smtClean="0"/>
-              <a:t>    return </a:t>
-            </a:r>
-            <a:r>
-              <a:rPr lang="en-US" altLang="ko-KR" sz="1600"/>
-              <a:t>b;</a:t>
+              <a:rPr lang="en-US" altLang="ko-KR" sz="1600"/>
+              <a:t>    ImageConverter imgconv = new ImageConverter();</a:t>
+            </a:r>
+          </a:p>
+          <a:p>
+            <a:r>
+              <a:rPr lang="en-US" altLang="ko-KR" sz="1600"/>
+              <a:t>    byte[] b = (byte[])imgconv.ConvertTo(img, typeof(byte[]));</a:t>
+            </a:r>
+          </a:p>
+          <a:p>
+            <a:r>
+              <a:rPr lang="en-US" altLang="ko-KR" sz="1600"/>
+              <a:t>    return b;</a:t>
             </a:r>
           </a:p>
           <a:p>
@@ -4302,89 +4249,63 @@
           </a:p>
           <a:p>
             <a:r>
-              <a:rPr lang="en-US" altLang="ko-KR" sz="1600" smtClean="0"/>
-              <a:t>    Byte</a:t>
-            </a:r>
-            <a:r>
-              <a:rPr lang="en-US" altLang="ko-KR" sz="1600"/>
-              <a:t>[] getByte = new byte[count];</a:t>
-            </a:r>
-          </a:p>
-          <a:p>
-            <a:r>
-              <a:rPr lang="en-US" altLang="ko-KR" sz="1600" smtClean="0"/>
-              <a:t>    for </a:t>
-            </a:r>
-            <a:r>
-              <a:rPr lang="en-US" altLang="ko-KR" sz="1600"/>
-              <a:t>(int i = 0; i &lt; count; i++)</a:t>
-            </a:r>
-          </a:p>
-          <a:p>
-            <a:r>
-              <a:rPr lang="en-US" altLang="ko-KR" sz="1600" smtClean="0"/>
+              <a:rPr lang="en-US" altLang="ko-KR" sz="1600"/>
+              <a:t>    Byte[] getByte = new byte[count];</a:t>
+            </a:r>
+          </a:p>
+          <a:p>
+            <a:r>
+              <a:rPr lang="en-US" altLang="ko-KR" sz="1600"/>
+              <a:t>    for (int i = 0; i &lt; count; i++)</a:t>
+            </a:r>
+          </a:p>
+          <a:p>
+            <a:r>
+              <a:rPr lang="en-US" altLang="ko-KR" sz="1600"/>
               <a:t>    {</a:t>
             </a:r>
+          </a:p>
+          <a:p>
+            <a:r>
+              <a:rPr lang="en-US" altLang="ko-KR" sz="1600"/>
+              <a:t>        getByte[i] = getData[i];</a:t>
+            </a:r>
+          </a:p>
+          <a:p>
+            <a:r>
+              <a:rPr lang="en-US" altLang="ko-KR" sz="1600"/>
+              <a:t>    }</a:t>
+            </a:r>
+          </a:p>
+          <a:p>
             <a:endParaRPr lang="en-US" altLang="ko-KR" sz="1600"/>
           </a:p>
           <a:p>
             <a:r>
-              <a:rPr lang="en-US" altLang="ko-KR" sz="1600" smtClean="0"/>
-              <a:t>        getByte[i</a:t>
-            </a:r>
-            <a:r>
-              <a:rPr lang="en-US" altLang="ko-KR" sz="1600"/>
-              <a:t>] = getData[i];</a:t>
-            </a:r>
-          </a:p>
-          <a:p>
-            <a:r>
-              <a:rPr lang="en-US" altLang="ko-KR" sz="1600"/>
-              <a:t> </a:t>
-            </a:r>
-            <a:r>
-              <a:rPr lang="en-US" altLang="ko-KR" sz="1600" smtClean="0"/>
-              <a:t>   }</a:t>
-            </a:r>
+              <a:rPr lang="en-US" altLang="ko-KR" sz="1600"/>
+              <a:t>    Image img1 = ByteArrayToImage(getByte);</a:t>
+            </a:r>
+          </a:p>
+          <a:p>
             <a:endParaRPr lang="en-US" altLang="ko-KR" sz="1600"/>
           </a:p>
           <a:p>
+            <a:r>
+              <a:rPr lang="en-US" altLang="ko-KR" sz="1600"/>
+              <a:t>    pictureBox1.Image = img1;</a:t>
+            </a:r>
+          </a:p>
+          <a:p>
+            <a:r>
+              <a:rPr lang="en-US" altLang="ko-KR" sz="1600"/>
+              <a:t>}</a:t>
+            </a:r>
+          </a:p>
+          <a:p>
             <a:endParaRPr lang="en-US" altLang="ko-KR" sz="1600"/>
           </a:p>
           <a:p>
             <a:r>
-              <a:rPr lang="en-US" altLang="ko-KR" sz="1600" smtClean="0"/>
-              <a:t>    Image </a:t>
-            </a:r>
-            <a:r>
-              <a:rPr lang="en-US" altLang="ko-KR" sz="1600"/>
-              <a:t>img1 = ByteArrayToImage(getByte);</a:t>
-            </a:r>
-          </a:p>
-          <a:p>
-            <a:endParaRPr lang="en-US" altLang="ko-KR" sz="1600"/>
-          </a:p>
-          <a:p>
-            <a:r>
-              <a:rPr lang="en-US" altLang="ko-KR" sz="1600" smtClean="0"/>
-              <a:t>    pictureBox1.Image </a:t>
-            </a:r>
-            <a:r>
-              <a:rPr lang="en-US" altLang="ko-KR" sz="1600"/>
-              <a:t>= img1;</a:t>
-            </a:r>
-          </a:p>
-          <a:p>
-            <a:r>
-              <a:rPr lang="en-US" altLang="ko-KR" sz="1600" smtClean="0"/>
-              <a:t>}</a:t>
-            </a:r>
-          </a:p>
-          <a:p>
-            <a:endParaRPr lang="en-US" altLang="ko-KR" sz="1600"/>
-          </a:p>
-          <a:p>
-            <a:r>
               <a:rPr lang="en-US" altLang="ko-KR" sz="1600"/>
               <a:t>public static Image ByteArrayToImage(byte[] b)</a:t>
             </a:r>
@@ -4397,32 +4318,20 @@
           </a:p>
           <a:p>
             <a:r>
-              <a:rPr lang="en-US" altLang="ko-KR" sz="1600" smtClean="0"/>
-              <a:t>    ImageConverter </a:t>
-            </a:r>
-            <a:r>
-              <a:rPr lang="en-US" altLang="ko-KR" sz="1600"/>
-              <a:t>imgconv = new ImageConverter();</a:t>
-            </a:r>
-          </a:p>
-          <a:p>
-            <a:r>
-              <a:rPr lang="en-US" altLang="ko-KR" sz="1600" smtClean="0"/>
-              <a:t>    Image </a:t>
-            </a:r>
-            <a:r>
-              <a:rPr lang="en-US" altLang="ko-KR" sz="1600"/>
-              <a:t>img = (Image)imgconv.ConvertFrom(b);</a:t>
-            </a:r>
-          </a:p>
-          <a:p>
-            <a:r>
-              <a:rPr lang="en-US" altLang="ko-KR" sz="1600" smtClean="0"/>
-              <a:t>    return </a:t>
-            </a:r>
-            <a:r>
-              <a:rPr lang="en-US" altLang="ko-KR" sz="1600"/>
-              <a:t>img;</a:t>
+              <a:rPr lang="en-US" altLang="ko-KR" sz="1600"/>
+              <a:t>    ImageConverter imgconv = new ImageConverter();</a:t>
+            </a:r>
+          </a:p>
+          <a:p>
+            <a:r>
+              <a:rPr lang="en-US" altLang="ko-KR" sz="1600"/>
+              <a:t>    Image img = (Image)imgconv.ConvertFrom(b);</a:t>
+            </a:r>
+          </a:p>
+          <a:p>
+            <a:r>
+              <a:rPr lang="en-US" altLang="ko-KR" sz="1600"/>
+              <a:t>    return img;</a:t>
             </a:r>
           </a:p>
           <a:p>
@@ -4486,14 +4395,13 @@
           <a:lstStyle/>
           <a:p>
             <a:r>
-              <a:rPr lang="en-US" altLang="ko-KR" sz="3200" b="1" smtClean="0"/>
+              <a:rPr lang="en-US" altLang="ko-KR" sz="3200" b="1"/>
               <a:t>UDP </a:t>
             </a:r>
             <a:r>
-              <a:rPr lang="ko-KR" altLang="en-US" sz="3200" b="1" smtClean="0"/>
+              <a:rPr lang="ko-KR" altLang="en-US" sz="3200" b="1"/>
               <a:t>소켓 통신</a:t>
             </a:r>
-            <a:endParaRPr lang="ko-KR" altLang="en-US" sz="3200" b="1"/>
           </a:p>
         </p:txBody>
       </p:sp>
@@ -4519,11 +4427,11 @@
           <a:lstStyle/>
           <a:p>
             <a:r>
-              <a:rPr lang="ko-KR" altLang="en-US" smtClean="0"/>
+              <a:rPr lang="ko-KR" altLang="en-US"/>
               <a:t>예제</a:t>
             </a:r>
             <a:r>
-              <a:rPr lang="en-US" altLang="ko-KR" smtClean="0"/>
+              <a:rPr lang="en-US" altLang="ko-KR"/>
               <a:t>: BasicUDP</a:t>
             </a:r>
             <a:endParaRPr lang="ko-KR" altLang="en-US"/>
@@ -4715,7 +4623,7 @@
           <a:lstStyle/>
           <a:p>
             <a:r>
-              <a:rPr lang="en-US" altLang="ko-KR" sz="1400" smtClean="0">
+              <a:rPr lang="en-US" altLang="ko-KR" sz="1400">
                 <a:solidFill>
                   <a:srgbClr val="FF0000"/>
                 </a:solidFill>
@@ -4753,7 +4661,7 @@
           <a:lstStyle/>
           <a:p>
             <a:r>
-              <a:rPr lang="en-US" altLang="ko-KR" sz="1400" smtClean="0">
+              <a:rPr lang="en-US" altLang="ko-KR" sz="1400">
                 <a:solidFill>
                   <a:srgbClr val="FF0000"/>
                 </a:solidFill>
@@ -4791,7 +4699,7 @@
           <a:lstStyle/>
           <a:p>
             <a:r>
-              <a:rPr lang="en-US" altLang="ko-KR" sz="1400" smtClean="0">
+              <a:rPr lang="en-US" altLang="ko-KR" sz="1400">
                 <a:solidFill>
                   <a:srgbClr val="FF0000"/>
                 </a:solidFill>
@@ -4858,10 +4766,9 @@
           <a:lstStyle/>
           <a:p>
             <a:r>
-              <a:rPr lang="ko-KR" altLang="en-US" sz="3200" b="1" smtClean="0"/>
+              <a:rPr lang="ko-KR" altLang="en-US" sz="3200" b="1"/>
               <a:t>소켓 통신 프로그래밍 언어별 비교</a:t>
             </a:r>
-            <a:endParaRPr lang="ko-KR" altLang="en-US" sz="3200" b="1"/>
           </a:p>
         </p:txBody>
       </p:sp>
@@ -4890,15 +4797,9 @@
               <a:rPr lang="en-US" altLang="ko-KR">
                 <a:hlinkClick r:id="rId2"/>
               </a:rPr>
-              <a:t>http://</a:t>
-            </a:r>
-            <a:r>
-              <a:rPr lang="en-US" altLang="ko-KR" smtClean="0">
-                <a:hlinkClick r:id="rId2"/>
-              </a:rPr>
-              <a:t>www.ne.jp/asahi/hishidama/home/tech/lang/socket.html</a:t>
-            </a:r>
-            <a:endParaRPr lang="en-US" altLang="ko-KR" smtClean="0"/>
+              <a:t>http://www.ne.jp/asahi/hishidama/home/tech/lang/socket.html</a:t>
+            </a:r>
+            <a:endParaRPr lang="en-US" altLang="ko-KR"/>
           </a:p>
         </p:txBody>
       </p:sp>
@@ -4955,10 +4856,9 @@
           <a:lstStyle/>
           <a:p>
             <a:r>
-              <a:rPr lang="ko-KR" altLang="en-US" sz="7200" b="1" smtClean="0"/>
+              <a:rPr lang="ko-KR" altLang="en-US" sz="7200" b="1"/>
               <a:t>비동기</a:t>
             </a:r>
-            <a:endParaRPr lang="ko-KR" altLang="en-US" sz="7200" b="1"/>
           </a:p>
         </p:txBody>
       </p:sp>
@@ -5014,18 +4914,17 @@
           <a:lstStyle/>
           <a:p>
             <a:r>
-              <a:rPr lang="ko-KR" altLang="en-US" sz="3200" b="1" smtClean="0"/>
+              <a:rPr lang="ko-KR" altLang="en-US" sz="3200" b="1"/>
               <a:t>비동기</a:t>
             </a:r>
             <a:r>
-              <a:rPr lang="en-US" altLang="ko-KR" sz="3200" b="1" smtClean="0"/>
+              <a:rPr lang="en-US" altLang="ko-KR" sz="3200" b="1"/>
               <a:t> </a:t>
             </a:r>
             <a:r>
-              <a:rPr lang="ko-KR" altLang="en-US" sz="3200" b="1" smtClean="0"/>
+              <a:rPr lang="ko-KR" altLang="en-US" sz="3200" b="1"/>
               <a:t>소켓 통신</a:t>
             </a:r>
-            <a:endParaRPr lang="ko-KR" altLang="en-US" sz="3200" b="1"/>
           </a:p>
         </p:txBody>
       </p:sp>
@@ -5056,23 +4955,19 @@
               <a:buChar char="§"/>
             </a:pPr>
             <a:r>
-              <a:rPr lang="en-US" altLang="ja-JP" smtClean="0"/>
+              <a:rPr lang="en-US" altLang="ja-JP"/>
               <a:t>BeginAccept</a:t>
             </a:r>
             <a:r>
-              <a:rPr lang="ja-JP" altLang="en-US" smtClean="0"/>
+              <a:rPr lang="ja-JP" altLang="en-US"/>
               <a:t> </a:t>
             </a:r>
             <a:r>
-              <a:rPr lang="ko-KR" altLang="en-US" smtClean="0"/>
+              <a:rPr lang="ko-KR" altLang="en-US"/>
               <a:t>함수</a:t>
             </a:r>
-            <a:r>
-              <a:rPr lang="en-US" altLang="ko-KR" smtClean="0"/>
-              <a:t/>
-            </a:r>
             <a:br>
-              <a:rPr lang="en-US" altLang="ko-KR" smtClean="0"/>
+              <a:rPr lang="en-US" altLang="ko-KR"/>
             </a:br>
             <a:endParaRPr lang="ja-JP" altLang="en-US"/>
           </a:p>
@@ -5082,23 +4977,19 @@
               <a:buChar char="§"/>
             </a:pPr>
             <a:r>
-              <a:rPr lang="en-US" altLang="ja-JP" smtClean="0"/>
+              <a:rPr lang="en-US" altLang="ja-JP"/>
               <a:t>EndAccept</a:t>
             </a:r>
             <a:r>
-              <a:rPr lang="ja-JP" altLang="en-US" smtClean="0"/>
+              <a:rPr lang="ja-JP" altLang="en-US"/>
               <a:t> </a:t>
             </a:r>
             <a:r>
-              <a:rPr lang="ko-KR" altLang="en-US" smtClean="0"/>
+              <a:rPr lang="ko-KR" altLang="en-US"/>
               <a:t>함수</a:t>
             </a:r>
-            <a:r>
-              <a:rPr lang="en-US" altLang="ko-KR" smtClean="0"/>
-              <a:t/>
-            </a:r>
             <a:br>
-              <a:rPr lang="en-US" altLang="ko-KR" smtClean="0"/>
+              <a:rPr lang="en-US" altLang="ko-KR"/>
             </a:br>
             <a:endParaRPr lang="ja-JP" altLang="en-US"/>
           </a:p>
@@ -5108,23 +4999,15 @@
               <a:buChar char="§"/>
             </a:pPr>
             <a:r>
-              <a:rPr lang="en-US" altLang="ja-JP" smtClean="0"/>
+              <a:rPr lang="en-US" altLang="ja-JP"/>
               <a:t>EndReceive</a:t>
             </a:r>
             <a:r>
               <a:rPr lang="ko-KR" altLang="en-US"/>
-              <a:t> </a:t>
-            </a:r>
-            <a:r>
-              <a:rPr lang="ko-KR" altLang="en-US" smtClean="0"/>
-              <a:t>함수</a:t>
-            </a:r>
-            <a:r>
-              <a:rPr lang="en-US" altLang="ja-JP" smtClean="0"/>
-              <a:t/>
+              <a:t> 함수</a:t>
             </a:r>
             <a:br>
-              <a:rPr lang="en-US" altLang="ja-JP" smtClean="0"/>
+              <a:rPr lang="en-US" altLang="ja-JP"/>
             </a:br>
             <a:endParaRPr lang="ja-JP" altLang="en-US"/>
           </a:p>
@@ -5134,23 +5017,15 @@
               <a:buChar char="§"/>
             </a:pPr>
             <a:r>
-              <a:rPr lang="en-US" altLang="ja-JP" smtClean="0"/>
+              <a:rPr lang="en-US" altLang="ja-JP"/>
               <a:t>BeginRecive</a:t>
             </a:r>
             <a:r>
               <a:rPr lang="ko-KR" altLang="en-US"/>
-              <a:t> </a:t>
-            </a:r>
-            <a:r>
-              <a:rPr lang="ko-KR" altLang="en-US" smtClean="0"/>
-              <a:t>함수</a:t>
-            </a:r>
-            <a:r>
-              <a:rPr lang="en-US" altLang="ja-JP" smtClean="0"/>
-              <a:t/>
+              <a:t> 함수</a:t>
             </a:r>
             <a:br>
-              <a:rPr lang="en-US" altLang="ja-JP" smtClean="0"/>
+              <a:rPr lang="en-US" altLang="ja-JP"/>
             </a:br>
             <a:endParaRPr lang="ja-JP" altLang="en-US"/>
           </a:p>
@@ -5160,23 +5035,15 @@
               <a:buChar char="§"/>
             </a:pPr>
             <a:r>
-              <a:rPr lang="en-US" altLang="ja-JP" smtClean="0"/>
+              <a:rPr lang="en-US" altLang="ja-JP"/>
               <a:t>BeginConnect</a:t>
             </a:r>
             <a:r>
               <a:rPr lang="ko-KR" altLang="en-US"/>
-              <a:t> </a:t>
-            </a:r>
-            <a:r>
-              <a:rPr lang="ko-KR" altLang="en-US" smtClean="0"/>
-              <a:t>함수</a:t>
-            </a:r>
-            <a:r>
-              <a:rPr lang="en-US" altLang="ja-JP" smtClean="0"/>
-              <a:t/>
+              <a:t> 함수</a:t>
             </a:r>
             <a:br>
-              <a:rPr lang="en-US" altLang="ja-JP" smtClean="0"/>
+              <a:rPr lang="en-US" altLang="ja-JP"/>
             </a:br>
             <a:endParaRPr lang="ja-JP" altLang="en-US"/>
           </a:p>
@@ -5186,23 +5053,15 @@
               <a:buChar char="§"/>
             </a:pPr>
             <a:r>
-              <a:rPr lang="en-US" altLang="ja-JP" smtClean="0"/>
+              <a:rPr lang="en-US" altLang="ja-JP"/>
               <a:t>EndConnect</a:t>
             </a:r>
             <a:r>
               <a:rPr lang="ko-KR" altLang="en-US"/>
-              <a:t> </a:t>
-            </a:r>
-            <a:r>
-              <a:rPr lang="ko-KR" altLang="en-US" smtClean="0"/>
-              <a:t>함수</a:t>
-            </a:r>
-            <a:r>
-              <a:rPr lang="en-US" altLang="ja-JP" smtClean="0"/>
-              <a:t/>
+              <a:t> 함수</a:t>
             </a:r>
             <a:br>
-              <a:rPr lang="en-US" altLang="ja-JP" smtClean="0"/>
+              <a:rPr lang="en-US" altLang="ja-JP"/>
             </a:br>
             <a:endParaRPr lang="ja-JP" altLang="en-US"/>
           </a:p>
@@ -5212,23 +5071,15 @@
               <a:buChar char="§"/>
             </a:pPr>
             <a:r>
-              <a:rPr lang="en-US" altLang="ja-JP" smtClean="0"/>
+              <a:rPr lang="en-US" altLang="ja-JP"/>
               <a:t>BeginSend</a:t>
             </a:r>
             <a:r>
               <a:rPr lang="ko-KR" altLang="en-US"/>
-              <a:t> </a:t>
-            </a:r>
-            <a:r>
-              <a:rPr lang="ko-KR" altLang="en-US" smtClean="0"/>
-              <a:t>함수</a:t>
-            </a:r>
-            <a:r>
-              <a:rPr lang="en-US" altLang="ja-JP" smtClean="0"/>
-              <a:t/>
+              <a:t> 함수</a:t>
             </a:r>
             <a:br>
-              <a:rPr lang="en-US" altLang="ja-JP" smtClean="0"/>
+              <a:rPr lang="en-US" altLang="ja-JP"/>
             </a:br>
             <a:endParaRPr lang="ja-JP" altLang="en-US"/>
           </a:p>
@@ -5238,16 +5089,12 @@
               <a:buChar char="§"/>
             </a:pPr>
             <a:r>
-              <a:rPr lang="en-US" altLang="ja-JP" smtClean="0"/>
+              <a:rPr lang="en-US" altLang="ja-JP"/>
               <a:t>EndSend</a:t>
             </a:r>
             <a:r>
               <a:rPr lang="ko-KR" altLang="en-US"/>
-              <a:t> </a:t>
-            </a:r>
-            <a:r>
-              <a:rPr lang="ko-KR" altLang="en-US" smtClean="0"/>
-              <a:t>함수</a:t>
+              <a:t> 함수</a:t>
             </a:r>
             <a:endParaRPr lang="ja-JP" altLang="en-US"/>
           </a:p>
@@ -5305,26 +5152,25 @@
           <a:lstStyle/>
           <a:p>
             <a:r>
-              <a:rPr lang="ko-KR" altLang="en-US" sz="3200" b="1" smtClean="0"/>
+              <a:rPr lang="ko-KR" altLang="en-US" sz="3200" b="1"/>
               <a:t>비동기</a:t>
             </a:r>
             <a:r>
-              <a:rPr lang="en-US" altLang="ko-KR" sz="3200" b="1" smtClean="0"/>
+              <a:rPr lang="en-US" altLang="ko-KR" sz="3200" b="1"/>
               <a:t> </a:t>
             </a:r>
             <a:r>
-              <a:rPr lang="ko-KR" altLang="en-US" sz="3200" b="1" smtClean="0"/>
+              <a:rPr lang="ko-KR" altLang="en-US" sz="3200" b="1"/>
               <a:t>소켓 통신 </a:t>
             </a:r>
             <a:r>
-              <a:rPr lang="en-US" altLang="ko-KR" sz="3200" b="1" smtClean="0"/>
+              <a:rPr lang="en-US" altLang="ko-KR" sz="3200" b="1"/>
               <a:t>- </a:t>
             </a:r>
             <a:r>
-              <a:rPr lang="ko-KR" altLang="en-US" sz="3200" b="1" smtClean="0"/>
+              <a:rPr lang="ko-KR" altLang="en-US" sz="3200" b="1"/>
               <a:t>서버</a:t>
             </a:r>
-            <a:endParaRPr lang="ko-KR" altLang="en-US" sz="3200" b="1"/>
           </a:p>
         </p:txBody>
       </p:sp>
@@ -5459,7 +5305,7 @@
           <a:lstStyle/>
           <a:p>
             <a:r>
-              <a:rPr lang="en-US" altLang="ko-KR" sz="1400" smtClean="0">
+              <a:rPr lang="en-US" altLang="ko-KR" sz="1400">
                 <a:solidFill>
                   <a:srgbClr val="FF0000"/>
                 </a:solidFill>
@@ -5497,7 +5343,7 @@
           <a:lstStyle/>
           <a:p>
             <a:r>
-              <a:rPr lang="en-US" altLang="ko-KR" sz="1400" smtClean="0">
+              <a:rPr lang="en-US" altLang="ko-KR" sz="1400">
                 <a:solidFill>
                   <a:srgbClr val="FF0000"/>
                 </a:solidFill>
@@ -5564,18 +5410,17 @@
           <a:lstStyle/>
           <a:p>
             <a:r>
-              <a:rPr lang="ko-KR" altLang="en-US" sz="3200" b="1" smtClean="0"/>
+              <a:rPr lang="ko-KR" altLang="en-US" sz="3200" b="1"/>
               <a:t>소켓 통신을 위한 </a:t>
             </a:r>
             <a:r>
-              <a:rPr lang="en-US" altLang="ko-KR" sz="3200" b="1" smtClean="0"/>
+              <a:rPr lang="en-US" altLang="ko-KR" sz="3200" b="1"/>
               <a:t>.NET </a:t>
             </a:r>
             <a:r>
-              <a:rPr lang="ko-KR" altLang="en-US" sz="3200" b="1" smtClean="0"/>
+              <a:rPr lang="ko-KR" altLang="en-US" sz="3200" b="1"/>
               <a:t>클래스</a:t>
             </a:r>
-            <a:endParaRPr lang="ko-KR" altLang="en-US" sz="3200" b="1"/>
           </a:p>
         </p:txBody>
       </p:sp>
@@ -5604,8 +5449,20 @@
                 <a:tableStyleId>{5940675A-B579-460E-94D1-54222C63F5DA}</a:tableStyleId>
               </a:tblPr>
               <a:tblGrid>
-                <a:gridCol w="2592288"/>
-                <a:gridCol w="4104456"/>
+                <a:gridCol w="2592288">
+                  <a:extLst>
+                    <a:ext uri="{9D8B030D-6E8A-4147-A177-3AD203B41FA5}">
+                      <a16:colId xmlns:a16="http://schemas.microsoft.com/office/drawing/2014/main" val="20000"/>
+                    </a:ext>
+                  </a:extLst>
+                </a:gridCol>
+                <a:gridCol w="4104456">
+                  <a:extLst>
+                    <a:ext uri="{9D8B030D-6E8A-4147-A177-3AD203B41FA5}">
+                      <a16:colId xmlns:a16="http://schemas.microsoft.com/office/drawing/2014/main" val="20001"/>
+                    </a:ext>
+                  </a:extLst>
+                </a:gridCol>
               </a:tblGrid>
               <a:tr h="370840">
                 <a:tc>
@@ -5615,10 +5472,9 @@
                     <a:p>
                       <a:pPr latinLnBrk="1"/>
                       <a:r>
-                        <a:rPr lang="ko-KR" altLang="en-US" smtClean="0"/>
+                        <a:rPr lang="ko-KR" altLang="en-US"/>
                         <a:t>클래스</a:t>
                       </a:r>
-                      <a:endParaRPr lang="ko-KR" altLang="en-US"/>
                     </a:p>
                   </a:txBody>
                   <a:tcPr/>
@@ -5630,14 +5486,18 @@
                     <a:p>
                       <a:pPr latinLnBrk="1"/>
                       <a:r>
-                        <a:rPr lang="ko-KR" altLang="en-US" smtClean="0"/>
+                        <a:rPr lang="ko-KR" altLang="en-US"/>
                         <a:t>설명</a:t>
                       </a:r>
-                      <a:endParaRPr lang="ko-KR" altLang="en-US"/>
                     </a:p>
                   </a:txBody>
                   <a:tcPr/>
                 </a:tc>
+                <a:extLst>
+                  <a:ext uri="{0D108BD9-81ED-4DB2-BD59-A6C34878D82A}">
+                    <a16:rowId xmlns:a16="http://schemas.microsoft.com/office/drawing/2014/main" val="10000"/>
+                  </a:ext>
+                </a:extLst>
               </a:tr>
               <a:tr h="370840">
                 <a:tc>
@@ -5647,7 +5507,7 @@
                     <a:p>
                       <a:pPr latinLnBrk="1"/>
                       <a:r>
-                        <a:rPr lang="en-US" altLang="ko-KR" smtClean="0"/>
+                        <a:rPr lang="en-US" altLang="ko-KR"/>
                         <a:t>IPAddress</a:t>
                       </a:r>
                       <a:endParaRPr lang="ko-KR" altLang="en-US"/>
@@ -5662,15 +5522,15 @@
                     <a:p>
                       <a:pPr latinLnBrk="1"/>
                       <a:r>
-                        <a:rPr lang="en-US" altLang="ko-KR" smtClean="0"/>
+                        <a:rPr lang="en-US" altLang="ko-KR"/>
                         <a:t>IP</a:t>
                       </a:r>
                       <a:r>
-                        <a:rPr lang="en-US" altLang="ko-KR" baseline="0" smtClean="0"/>
+                        <a:rPr lang="en-US" altLang="ko-KR" baseline="0"/>
                         <a:t> </a:t>
                       </a:r>
                       <a:r>
-                        <a:rPr lang="ko-KR" altLang="en-US" baseline="0" smtClean="0"/>
+                        <a:rPr lang="ko-KR" altLang="en-US" baseline="0"/>
                         <a:t>주소</a:t>
                       </a:r>
                       <a:endParaRPr lang="ko-KR" altLang="en-US"/>
@@ -5678,6 +5538,11 @@
                   </a:txBody>
                   <a:tcPr/>
                 </a:tc>
+                <a:extLst>
+                  <a:ext uri="{0D108BD9-81ED-4DB2-BD59-A6C34878D82A}">
+                    <a16:rowId xmlns:a16="http://schemas.microsoft.com/office/drawing/2014/main" val="10001"/>
+                  </a:ext>
+                </a:extLst>
               </a:tr>
               <a:tr h="370840">
                 <a:tc>
@@ -5687,7 +5552,7 @@
                     <a:p>
                       <a:pPr latinLnBrk="1"/>
                       <a:r>
-                        <a:rPr lang="en-US" altLang="ko-KR" smtClean="0"/>
+                        <a:rPr lang="en-US" altLang="ko-KR"/>
                         <a:t>IPEndPoint</a:t>
                       </a:r>
                       <a:endParaRPr lang="ko-KR" altLang="en-US"/>
@@ -5702,18 +5567,22 @@
                     <a:p>
                       <a:pPr latinLnBrk="1"/>
                       <a:r>
-                        <a:rPr lang="en-US" altLang="ko-KR" smtClean="0"/>
+                        <a:rPr lang="en-US" altLang="ko-KR"/>
                         <a:t>IP </a:t>
                       </a:r>
                       <a:r>
-                        <a:rPr lang="ko-KR" altLang="en-US" smtClean="0"/>
+                        <a:rPr lang="ko-KR" altLang="en-US"/>
                         <a:t>주소와 포트 번호 조합</a:t>
                       </a:r>
-                      <a:endParaRPr lang="ko-KR" altLang="en-US"/>
                     </a:p>
                   </a:txBody>
                   <a:tcPr/>
                 </a:tc>
+                <a:extLst>
+                  <a:ext uri="{0D108BD9-81ED-4DB2-BD59-A6C34878D82A}">
+                    <a16:rowId xmlns:a16="http://schemas.microsoft.com/office/drawing/2014/main" val="10002"/>
+                  </a:ext>
+                </a:extLst>
               </a:tr>
               <a:tr h="370840">
                 <a:tc>
@@ -5723,7 +5592,7 @@
                     <a:p>
                       <a:pPr latinLnBrk="1"/>
                       <a:r>
-                        <a:rPr lang="en-US" altLang="ko-KR" smtClean="0"/>
+                        <a:rPr lang="en-US" altLang="ko-KR"/>
                         <a:t>Socket</a:t>
                       </a:r>
                       <a:endParaRPr lang="ko-KR" altLang="en-US"/>
@@ -5738,14 +5607,18 @@
                     <a:p>
                       <a:pPr latinLnBrk="1"/>
                       <a:r>
-                        <a:rPr lang="ko-KR" altLang="en-US" smtClean="0"/>
+                        <a:rPr lang="ko-KR" altLang="en-US"/>
                         <a:t>소켓 인터페이스 구현</a:t>
                       </a:r>
-                      <a:endParaRPr lang="ko-KR" altLang="en-US"/>
                     </a:p>
                   </a:txBody>
                   <a:tcPr/>
                 </a:tc>
+                <a:extLst>
+                  <a:ext uri="{0D108BD9-81ED-4DB2-BD59-A6C34878D82A}">
+                    <a16:rowId xmlns:a16="http://schemas.microsoft.com/office/drawing/2014/main" val="10003"/>
+                  </a:ext>
+                </a:extLst>
               </a:tr>
               <a:tr h="370840">
                 <a:tc>
@@ -5755,11 +5628,11 @@
                     <a:p>
                       <a:pPr latinLnBrk="1"/>
                       <a:r>
-                        <a:rPr lang="en-US" altLang="ko-KR" smtClean="0"/>
+                        <a:rPr lang="en-US" altLang="ko-KR"/>
                         <a:t>SocketAsy</a:t>
                       </a:r>
                       <a:r>
-                        <a:rPr lang="en-US" altLang="ko-KR" baseline="0" smtClean="0"/>
+                        <a:rPr lang="en-US" altLang="ko-KR" baseline="0"/>
                         <a:t>ncEventArgs</a:t>
                       </a:r>
                       <a:endParaRPr lang="ko-KR" altLang="en-US"/>
@@ -5774,11 +5647,11 @@
                     <a:p>
                       <a:pPr latinLnBrk="1"/>
                       <a:r>
-                        <a:rPr lang="ko-KR" altLang="en-US" smtClean="0"/>
+                        <a:rPr lang="ko-KR" altLang="en-US"/>
                         <a:t>비동기 소켓 조작을 뜻한다</a:t>
                       </a:r>
                       <a:r>
-                        <a:rPr lang="en-US" altLang="ko-KR" smtClean="0"/>
+                        <a:rPr lang="en-US" altLang="ko-KR"/>
                         <a:t>.</a:t>
                       </a:r>
                       <a:endParaRPr lang="ko-KR" altLang="en-US"/>
@@ -5786,6 +5659,11 @@
                   </a:txBody>
                   <a:tcPr/>
                 </a:tc>
+                <a:extLst>
+                  <a:ext uri="{0D108BD9-81ED-4DB2-BD59-A6C34878D82A}">
+                    <a16:rowId xmlns:a16="http://schemas.microsoft.com/office/drawing/2014/main" val="10004"/>
+                  </a:ext>
+                </a:extLst>
               </a:tr>
               <a:tr h="370840">
                 <a:tc>
@@ -5795,7 +5673,7 @@
                     <a:p>
                       <a:pPr latinLnBrk="1"/>
                       <a:r>
-                        <a:rPr lang="en-US" altLang="ko-KR" smtClean="0"/>
+                        <a:rPr lang="en-US" altLang="ko-KR"/>
                         <a:t>SocketException</a:t>
                       </a:r>
                       <a:endParaRPr lang="ko-KR" altLang="en-US"/>
@@ -5810,14 +5688,18 @@
                     <a:p>
                       <a:pPr latinLnBrk="1"/>
                       <a:r>
-                        <a:rPr lang="ko-KR" altLang="en-US" smtClean="0"/>
+                        <a:rPr lang="ko-KR" altLang="en-US"/>
                         <a:t>소켓 에러가 발생했을 때 예외</a:t>
                       </a:r>
-                      <a:endParaRPr lang="ko-KR" altLang="en-US"/>
                     </a:p>
                   </a:txBody>
                   <a:tcPr/>
                 </a:tc>
+                <a:extLst>
+                  <a:ext uri="{0D108BD9-81ED-4DB2-BD59-A6C34878D82A}">
+                    <a16:rowId xmlns:a16="http://schemas.microsoft.com/office/drawing/2014/main" val="10005"/>
+                  </a:ext>
+                </a:extLst>
               </a:tr>
               <a:tr h="370840">
                 <a:tc>
@@ -5827,7 +5709,7 @@
                     <a:p>
                       <a:pPr latinLnBrk="1"/>
                       <a:r>
-                        <a:rPr lang="en-US" altLang="ko-KR" smtClean="0"/>
+                        <a:rPr lang="en-US" altLang="ko-KR"/>
                         <a:t>TcpClient</a:t>
                       </a:r>
                       <a:endParaRPr lang="ko-KR" altLang="en-US"/>
@@ -5842,15 +5724,15 @@
                     <a:p>
                       <a:pPr latinLnBrk="1"/>
                       <a:r>
-                        <a:rPr lang="en-US" altLang="ko-KR" smtClean="0"/>
+                        <a:rPr lang="en-US" altLang="ko-KR"/>
                         <a:t>TCP</a:t>
                       </a:r>
                       <a:r>
-                        <a:rPr lang="en-US" altLang="ko-KR" baseline="0" smtClean="0"/>
+                        <a:rPr lang="en-US" altLang="ko-KR" baseline="0"/>
                         <a:t> </a:t>
                       </a:r>
                       <a:r>
-                        <a:rPr lang="ko-KR" altLang="en-US" baseline="0" smtClean="0"/>
+                        <a:rPr lang="ko-KR" altLang="en-US" baseline="0"/>
                         <a:t>접속을 위한 클라이언트 기능</a:t>
                       </a:r>
                       <a:endParaRPr lang="ko-KR" altLang="en-US"/>
@@ -5858,6 +5740,11 @@
                   </a:txBody>
                   <a:tcPr/>
                 </a:tc>
+                <a:extLst>
+                  <a:ext uri="{0D108BD9-81ED-4DB2-BD59-A6C34878D82A}">
+                    <a16:rowId xmlns:a16="http://schemas.microsoft.com/office/drawing/2014/main" val="10006"/>
+                  </a:ext>
+                </a:extLst>
               </a:tr>
               <a:tr h="370840">
                 <a:tc>
@@ -5867,7 +5754,7 @@
                     <a:p>
                       <a:pPr latinLnBrk="1"/>
                       <a:r>
-                        <a:rPr lang="en-US" altLang="ko-KR" smtClean="0"/>
+                        <a:rPr lang="en-US" altLang="ko-KR"/>
                         <a:t>TcpListener</a:t>
                       </a:r>
                       <a:endParaRPr lang="ko-KR" altLang="en-US"/>
@@ -5882,18 +5769,22 @@
                     <a:p>
                       <a:pPr latinLnBrk="1"/>
                       <a:r>
-                        <a:rPr lang="en-US" altLang="ko-KR" smtClean="0"/>
+                        <a:rPr lang="en-US" altLang="ko-KR"/>
                         <a:t>TCP</a:t>
                       </a:r>
                       <a:r>
-                        <a:rPr lang="ko-KR" altLang="en-US" smtClean="0"/>
+                        <a:rPr lang="ko-KR" altLang="en-US"/>
                         <a:t>로 클라이언트 접속을 대기</a:t>
                       </a:r>
-                      <a:endParaRPr lang="ko-KR" altLang="en-US"/>
                     </a:p>
                   </a:txBody>
                   <a:tcPr/>
                 </a:tc>
+                <a:extLst>
+                  <a:ext uri="{0D108BD9-81ED-4DB2-BD59-A6C34878D82A}">
+                    <a16:rowId xmlns:a16="http://schemas.microsoft.com/office/drawing/2014/main" val="10007"/>
+                  </a:ext>
+                </a:extLst>
               </a:tr>
               <a:tr h="370840">
                 <a:tc>
@@ -5903,7 +5794,7 @@
                     <a:p>
                       <a:pPr latinLnBrk="1"/>
                       <a:r>
-                        <a:rPr lang="en-US" altLang="ko-KR" smtClean="0"/>
+                        <a:rPr lang="en-US" altLang="ko-KR"/>
                         <a:t>UdpClient</a:t>
                       </a:r>
                       <a:endParaRPr lang="ko-KR" altLang="en-US"/>
@@ -5918,18 +5809,22 @@
                     <a:p>
                       <a:pPr latinLnBrk="1"/>
                       <a:r>
-                        <a:rPr lang="en-US" altLang="ko-KR" smtClean="0"/>
+                        <a:rPr lang="en-US" altLang="ko-KR"/>
                         <a:t>UDP </a:t>
                       </a:r>
                       <a:r>
-                        <a:rPr lang="ko-KR" altLang="en-US" smtClean="0"/>
+                        <a:rPr lang="ko-KR" altLang="en-US"/>
                         <a:t>통신</a:t>
                       </a:r>
-                      <a:endParaRPr lang="ko-KR" altLang="en-US"/>
                     </a:p>
                   </a:txBody>
                   <a:tcPr/>
                 </a:tc>
+                <a:extLst>
+                  <a:ext uri="{0D108BD9-81ED-4DB2-BD59-A6C34878D82A}">
+                    <a16:rowId xmlns:a16="http://schemas.microsoft.com/office/drawing/2014/main" val="10008"/>
+                  </a:ext>
+                </a:extLst>
               </a:tr>
               <a:tr h="370840">
                 <a:tc>
@@ -5939,7 +5834,7 @@
                     <a:p>
                       <a:pPr latinLnBrk="1"/>
                       <a:r>
-                        <a:rPr lang="en-US" altLang="ko-KR" smtClean="0"/>
+                        <a:rPr lang="en-US" altLang="ko-KR"/>
                         <a:t>NetworkStream</a:t>
                       </a:r>
                       <a:endParaRPr lang="ko-KR" altLang="en-US"/>
@@ -5954,22 +5849,26 @@
                     <a:p>
                       <a:pPr latinLnBrk="1"/>
                       <a:r>
-                        <a:rPr lang="ko-KR" altLang="en-US" smtClean="0"/>
+                        <a:rPr lang="ko-KR" altLang="en-US"/>
                         <a:t>읽기</a:t>
                       </a:r>
                       <a:r>
-                        <a:rPr lang="en-US" altLang="ko-KR" smtClean="0"/>
+                        <a:rPr lang="en-US" altLang="ko-KR"/>
                         <a:t>/</a:t>
                       </a:r>
                       <a:r>
-                        <a:rPr lang="ko-KR" altLang="en-US" smtClean="0"/>
+                        <a:rPr lang="ko-KR" altLang="en-US"/>
                         <a:t>쓰기 데이트 스트림</a:t>
                       </a:r>
-                      <a:endParaRPr lang="ko-KR" altLang="en-US"/>
                     </a:p>
                   </a:txBody>
                   <a:tcPr/>
                 </a:tc>
+                <a:extLst>
+                  <a:ext uri="{0D108BD9-81ED-4DB2-BD59-A6C34878D82A}">
+                    <a16:rowId xmlns:a16="http://schemas.microsoft.com/office/drawing/2014/main" val="10009"/>
+                  </a:ext>
+                </a:extLst>
               </a:tr>
             </a:tbl>
           </a:graphicData>
@@ -6122,7 +6021,7 @@
           <a:lstStyle/>
           <a:p>
             <a:r>
-              <a:rPr lang="en-US" altLang="ko-KR" sz="1400" smtClean="0">
+              <a:rPr lang="en-US" altLang="ko-KR" sz="1400">
                 <a:solidFill>
                   <a:srgbClr val="FF0000"/>
                 </a:solidFill>
@@ -6298,7 +6197,7 @@
           <a:lstStyle/>
           <a:p>
             <a:r>
-              <a:rPr lang="en-US" altLang="ko-KR" sz="1400" smtClean="0">
+              <a:rPr lang="en-US" altLang="ko-KR" sz="1400">
                 <a:solidFill>
                   <a:srgbClr val="FF0000"/>
                 </a:solidFill>
@@ -6336,7 +6235,7 @@
           <a:lstStyle/>
           <a:p>
             <a:r>
-              <a:rPr lang="en-US" altLang="ko-KR" sz="1400" smtClean="0">
+              <a:rPr lang="en-US" altLang="ko-KR" sz="1400">
                 <a:solidFill>
                   <a:srgbClr val="FF0000"/>
                 </a:solidFill>
@@ -6403,18 +6302,17 @@
           <a:lstStyle/>
           <a:p>
             <a:r>
-              <a:rPr lang="ko-KR" altLang="en-US" sz="3200" b="1" smtClean="0"/>
+              <a:rPr lang="ko-KR" altLang="en-US" sz="3200" b="1"/>
               <a:t>채팅 서버</a:t>
             </a:r>
             <a:r>
-              <a:rPr lang="en-US" altLang="ko-KR" sz="3200" b="1" smtClean="0"/>
+              <a:rPr lang="en-US" altLang="ko-KR" sz="3200" b="1"/>
               <a:t>/</a:t>
             </a:r>
             <a:r>
-              <a:rPr lang="ko-KR" altLang="en-US" sz="3200" b="1" smtClean="0"/>
+              <a:rPr lang="ko-KR" altLang="en-US" sz="3200" b="1"/>
               <a:t>클라이언트</a:t>
             </a:r>
-            <a:endParaRPr lang="ko-KR" altLang="en-US" sz="3200" b="1"/>
           </a:p>
         </p:txBody>
       </p:sp>
@@ -6740,14 +6638,13 @@
           <a:lstStyle/>
           <a:p>
             <a:r>
-              <a:rPr lang="en-US" altLang="ko-KR" sz="1400" smtClean="0"/>
+              <a:rPr lang="en-US" altLang="ko-KR" sz="1400"/>
               <a:t>// </a:t>
             </a:r>
             <a:r>
-              <a:rPr lang="ko-KR" altLang="en-US" sz="1400" smtClean="0"/>
+              <a:rPr lang="ko-KR" altLang="en-US" sz="1400"/>
               <a:t>비동기 데이터 수신을 위한 상태 오브젝트</a:t>
             </a:r>
-            <a:endParaRPr lang="ko-KR" altLang="en-US" sz="1400"/>
           </a:p>
         </p:txBody>
       </p:sp>
@@ -7128,15 +7025,15 @@
           <a:lstStyle/>
           <a:p>
             <a:r>
-              <a:rPr lang="en-US" altLang="ko-KR" sz="1400" smtClean="0"/>
+              <a:rPr lang="en-US" altLang="ko-KR" sz="1400"/>
               <a:t>"</a:t>
             </a:r>
             <a:r>
-              <a:rPr lang="ko-KR" altLang="en-US" sz="1400" smtClean="0"/>
+              <a:rPr lang="ko-KR" altLang="en-US" sz="1400"/>
               <a:t>소켓 종료</a:t>
             </a:r>
             <a:r>
-              <a:rPr lang="en-US" altLang="ko-KR" sz="1400" smtClean="0"/>
+              <a:rPr lang="en-US" altLang="ko-KR" sz="1400"/>
               <a:t>"</a:t>
             </a:r>
             <a:endParaRPr lang="ko-KR" altLang="en-US" sz="1400"/>
@@ -7220,15 +7117,15 @@
           <a:lstStyle/>
           <a:p>
             <a:r>
-              <a:rPr lang="en-US" altLang="ko-KR" sz="1400" smtClean="0"/>
+              <a:rPr lang="en-US" altLang="ko-KR" sz="1400"/>
               <a:t>"</a:t>
             </a:r>
             <a:r>
-              <a:rPr lang="ko-KR" altLang="en-US" sz="1400" smtClean="0"/>
+              <a:rPr lang="ko-KR" altLang="en-US" sz="1400"/>
               <a:t>접속이 끊어졌다</a:t>
             </a:r>
             <a:r>
-              <a:rPr lang="en-US" altLang="ko-KR" sz="1400" smtClean="0"/>
+              <a:rPr lang="en-US" altLang="ko-KR" sz="1400"/>
               <a:t>."</a:t>
             </a:r>
             <a:endParaRPr lang="ko-KR" altLang="en-US" sz="1400"/>
@@ -7558,14 +7455,13 @@
           <a:lstStyle/>
           <a:p>
             <a:r>
-              <a:rPr lang="en-US" altLang="ko-KR" sz="1400" smtClean="0"/>
+              <a:rPr lang="en-US" altLang="ko-KR" sz="1400"/>
               <a:t>// </a:t>
             </a:r>
             <a:r>
-              <a:rPr lang="ko-KR" altLang="en-US" sz="1400" smtClean="0"/>
+              <a:rPr lang="ko-KR" altLang="en-US" sz="1400"/>
               <a:t>마지막까지 수신한 데이터를 문자열로 변환</a:t>
             </a:r>
-            <a:endParaRPr lang="ko-KR" altLang="en-US" sz="1400"/>
           </a:p>
         </p:txBody>
       </p:sp>
@@ -7592,15 +7488,15 @@
           <a:lstStyle/>
           <a:p>
             <a:r>
-              <a:rPr lang="en-US" altLang="ko-KR" sz="1400" smtClean="0"/>
+              <a:rPr lang="en-US" altLang="ko-KR" sz="1400"/>
               <a:t>// </a:t>
             </a:r>
             <a:r>
-              <a:rPr lang="ko-KR" altLang="en-US" sz="1400" smtClean="0"/>
+              <a:rPr lang="ko-KR" altLang="en-US" sz="1400"/>
               <a:t>수신한 데이터를 축적한다</a:t>
             </a:r>
             <a:r>
-              <a:rPr lang="en-US" altLang="ko-KR" sz="1400" smtClean="0"/>
+              <a:rPr lang="en-US" altLang="ko-KR" sz="1400"/>
               <a:t>.</a:t>
             </a:r>
             <a:endParaRPr lang="ko-KR" altLang="en-US" sz="1400"/>
@@ -8121,14 +8017,13 @@
           <a:lstStyle/>
           <a:p>
             <a:r>
-              <a:rPr lang="en-US" altLang="ko-KR" sz="3200" b="1" smtClean="0"/>
+              <a:rPr lang="en-US" altLang="ko-KR" sz="3200" b="1"/>
               <a:t>UDP </a:t>
             </a:r>
             <a:r>
-              <a:rPr lang="ko-KR" altLang="en-US" sz="3200" b="1" smtClean="0"/>
+              <a:rPr lang="ko-KR" altLang="en-US" sz="3200" b="1"/>
               <a:t>통신</a:t>
             </a:r>
-            <a:endParaRPr lang="ko-KR" altLang="en-US" sz="3200" b="1"/>
           </a:p>
         </p:txBody>
       </p:sp>
@@ -8195,12 +8090,8 @@
           </a:p>
           <a:p>
             <a:r>
-              <a:rPr lang="en-US" altLang="ko-KR" sz="1600" smtClean="0"/>
-              <a:t>    byte</a:t>
-            </a:r>
-            <a:r>
-              <a:rPr lang="en-US" altLang="ko-KR" sz="1600"/>
-              <a:t>[] bodyData = Encoding.UTF8.GetBytes(jsonString);</a:t>
+              <a:rPr lang="en-US" altLang="ko-KR" sz="1600"/>
+              <a:t>    byte[] bodyData = Encoding.UTF8.GetBytes(jsonString);</a:t>
             </a:r>
           </a:p>
           <a:p>
@@ -8208,42 +8099,26 @@
           </a:p>
           <a:p>
             <a:r>
-              <a:rPr lang="en-US" altLang="ko-KR" sz="1600" smtClean="0"/>
-              <a:t>    List&lt;byte</a:t>
-            </a:r>
-            <a:r>
-              <a:rPr lang="en-US" altLang="ko-KR" sz="1600"/>
-              <a:t>&gt; sendBytes = new List&lt;byte&gt;();</a:t>
-            </a:r>
-          </a:p>
-          <a:p>
-            <a:r>
-              <a:rPr lang="en-US" altLang="ko-KR" sz="1600" smtClean="0"/>
-              <a:t>    sendBytes.AddRange(BitConverter.GetBytes</a:t>
-            </a:r>
-            <a:r>
-              <a:rPr lang="en-US" altLang="ko-KR" sz="1600"/>
-              <a:t>((short)packetID));</a:t>
-            </a:r>
-          </a:p>
-          <a:p>
-            <a:r>
-              <a:rPr lang="en-US" altLang="ko-KR" sz="1600" smtClean="0"/>
-              <a:t>    sendBytes.AddRange(BitConverter.GetBytes</a:t>
-            </a:r>
-            <a:r>
-              <a:rPr lang="en-US" altLang="ko-KR" sz="1600"/>
-              <a:t>((short)bodyData.Length));</a:t>
-            </a:r>
-          </a:p>
-          <a:p>
-            <a:r>
-              <a:rPr lang="en-US" altLang="ko-KR" sz="1600" smtClean="0"/>
-              <a:t>    sendBytes.AddRange(bodyData</a:t>
-            </a:r>
-            <a:r>
-              <a:rPr lang="en-US" altLang="ko-KR" sz="1600"/>
-              <a:t>);</a:t>
+              <a:rPr lang="en-US" altLang="ko-KR" sz="1600"/>
+              <a:t>    List&lt;byte&gt; sendBytes = new List&lt;byte&gt;();</a:t>
+            </a:r>
+          </a:p>
+          <a:p>
+            <a:r>
+              <a:rPr lang="en-US" altLang="ko-KR" sz="1600"/>
+              <a:t>    sendBytes.AddRange(BitConverter.GetBytes((short)packetID));</a:t>
+            </a:r>
+          </a:p>
+          <a:p>
+            <a:r>
+              <a:rPr lang="en-US" altLang="ko-KR" sz="1600"/>
+              <a:t>    sendBytes.AddRange(BitConverter.GetBytes((short)bodyData.Length));</a:t>
+            </a:r>
+          </a:p>
+          <a:p>
+            <a:r>
+              <a:rPr lang="en-US" altLang="ko-KR" sz="1600"/>
+              <a:t>    sendBytes.AddRange(bodyData);</a:t>
             </a:r>
           </a:p>
           <a:p>
@@ -8251,12 +8126,8 @@
           </a:p>
           <a:p>
             <a:r>
-              <a:rPr lang="en-US" altLang="ko-KR" sz="1600" smtClean="0"/>
-              <a:t>    IPCSocket.Send(sendBytes.ToArray</a:t>
-            </a:r>
-            <a:r>
-              <a:rPr lang="en-US" altLang="ko-KR" sz="1600"/>
-              <a:t>(), sendBytes.Count(), "127.0.0.1", OtherPort);</a:t>
+              <a:rPr lang="en-US" altLang="ko-KR" sz="1600"/>
+              <a:t>    IPCSocket.Send(sendBytes.ToArray(), sendBytes.Count(), "127.0.0.1", OtherPort);</a:t>
             </a:r>
           </a:p>
           <a:p>
@@ -8332,12 +8203,8 @@
           </a:p>
           <a:p>
             <a:r>
-              <a:rPr lang="en-US" altLang="ko-KR" sz="1600" smtClean="0"/>
-              <a:t>    IPCSocket.BeginReceive(new </a:t>
-            </a:r>
-            <a:r>
-              <a:rPr lang="en-US" altLang="ko-KR" sz="1600"/>
-              <a:t>AsyncCallback(ReceiveCallback), null);</a:t>
+              <a:rPr lang="en-US" altLang="ko-KR" sz="1600"/>
+              <a:t>    IPCSocket.BeginReceive(new AsyncCallback(ReceiveCallback), null);</a:t>
             </a:r>
           </a:p>
           <a:p>
@@ -8383,44 +8250,26 @@
           </a:p>
           <a:p>
             <a:r>
-              <a:rPr lang="en-US" altLang="ko-KR" sz="1600" smtClean="0"/>
-              <a:t>    var </a:t>
-            </a:r>
-            <a:r>
-              <a:rPr lang="en-US" altLang="ko-KR" sz="1600"/>
-              <a:t>remoteEndPoint = new IPEndPoint(IPAddress.Any, </a:t>
-            </a:r>
-            <a:r>
-              <a:rPr lang="en-US" altLang="ko-KR" sz="1600" smtClean="0"/>
-              <a:t>0);</a:t>
-            </a:r>
-            <a:endParaRPr lang="en-US" altLang="ko-KR" sz="1600"/>
-          </a:p>
-          <a:p>
-            <a:r>
-              <a:rPr lang="en-US" altLang="ko-KR" sz="1600" smtClean="0"/>
-              <a:t>    Byte</a:t>
-            </a:r>
-            <a:r>
-              <a:rPr lang="en-US" altLang="ko-KR" sz="1600"/>
-              <a:t>[] receiveBytes = IPCSocket.EndReceive(ar, ref remoteEndPoint);</a:t>
-            </a:r>
-          </a:p>
-          <a:p>
-            <a:r>
-              <a:rPr lang="en-US" altLang="ko-KR" sz="1600" smtClean="0"/>
+              <a:rPr lang="en-US" altLang="ko-KR" sz="1600"/>
+              <a:t>    var remoteEndPoint = new IPEndPoint(IPAddress.Any, 0);</a:t>
+            </a:r>
+          </a:p>
+          <a:p>
+            <a:r>
+              <a:rPr lang="en-US" altLang="ko-KR" sz="1600"/>
+              <a:t>    Byte[] receiveBytes = IPCSocket.EndReceive(ar, ref remoteEndPoint);</a:t>
+            </a:r>
+          </a:p>
+          <a:p>
+            <a:r>
+              <a:rPr lang="en-US" altLang="ko-KR" sz="1600"/>
               <a:t>    ......</a:t>
             </a:r>
-            <a:endParaRPr lang="en-US" altLang="ko-KR" sz="1600"/>
-          </a:p>
-          <a:p>
-            <a:r>
-              <a:rPr lang="en-US" altLang="ko-KR" sz="1600" smtClean="0"/>
-              <a:t>    PostReceiveMessages</a:t>
-            </a:r>
-            <a:r>
-              <a:rPr lang="en-US" altLang="ko-KR" sz="1600"/>
-              <a:t>();</a:t>
+          </a:p>
+          <a:p>
+            <a:r>
+              <a:rPr lang="en-US" altLang="ko-KR" sz="1600"/>
+              <a:t>    PostReceiveMessages();</a:t>
             </a:r>
           </a:p>
           <a:p>
@@ -8455,92 +8304,92 @@
           <a:lstStyle/>
           <a:p>
             <a:r>
-              <a:rPr lang="en-US" altLang="ko-KR" smtClean="0"/>
+              <a:rPr lang="en-US" altLang="ko-KR"/>
               <a:t>EndReceive </a:t>
             </a:r>
             <a:r>
-              <a:rPr lang="ko-KR" altLang="en-US" smtClean="0"/>
+              <a:rPr lang="ko-KR" altLang="en-US"/>
               <a:t>에서 예외가 발생</a:t>
             </a:r>
             <a:r>
-              <a:rPr lang="en-US" altLang="ko-KR" smtClean="0"/>
+              <a:rPr lang="en-US" altLang="ko-KR"/>
               <a:t>. </a:t>
             </a:r>
             <a:r>
-              <a:rPr lang="ko-KR" altLang="en-US" smtClean="0"/>
+              <a:rPr lang="ko-KR" altLang="en-US"/>
               <a:t>에러 코드가 </a:t>
             </a:r>
             <a:r>
-              <a:rPr lang="en-US" altLang="ko-KR" smtClean="0"/>
+              <a:rPr lang="en-US" altLang="ko-KR"/>
               <a:t>10054</a:t>
             </a:r>
           </a:p>
           <a:p>
-            <a:endParaRPr lang="en-US" altLang="ko-KR" smtClean="0"/>
-          </a:p>
-          <a:p>
-            <a:r>
-              <a:rPr lang="ko-KR" altLang="en-US" smtClean="0"/>
+            <a:endParaRPr lang="en-US" altLang="ko-KR"/>
+          </a:p>
+          <a:p>
+            <a:r>
+              <a:rPr lang="ko-KR" altLang="en-US"/>
               <a:t>수신측이 </a:t>
             </a:r>
             <a:r>
-              <a:rPr lang="en-US" altLang="ko-KR" smtClean="0"/>
+              <a:rPr lang="en-US" altLang="ko-KR"/>
               <a:t>listen</a:t>
             </a:r>
             <a:r>
-              <a:rPr lang="ko-KR" altLang="en-US" smtClean="0"/>
+              <a:rPr lang="ko-KR" altLang="en-US"/>
               <a:t>을 하지 않은 경우 </a:t>
             </a:r>
             <a:r>
-              <a:rPr lang="en-US" altLang="ko-KR" smtClean="0"/>
+              <a:rPr lang="en-US" altLang="ko-KR"/>
               <a:t>(send</a:t>
             </a:r>
             <a:r>
-              <a:rPr lang="ko-KR" altLang="en-US" smtClean="0"/>
+              <a:rPr lang="ko-KR" altLang="en-US"/>
               <a:t>를 했을 때</a:t>
             </a:r>
             <a:r>
-              <a:rPr lang="en-US" altLang="ko-KR" smtClean="0"/>
+              <a:rPr lang="en-US" altLang="ko-KR"/>
               <a:t>)UDP </a:t>
             </a:r>
             <a:r>
-              <a:rPr lang="ko-KR" altLang="en-US" smtClean="0"/>
+              <a:rPr lang="ko-KR" altLang="en-US"/>
               <a:t>스택에서 </a:t>
             </a:r>
             <a:r>
-              <a:rPr lang="en-US" altLang="ko-KR" smtClean="0"/>
+              <a:rPr lang="en-US" altLang="ko-KR"/>
               <a:t>ICMP </a:t>
             </a:r>
             <a:r>
-              <a:rPr lang="ko-KR" altLang="en-US" smtClean="0"/>
+              <a:rPr lang="ko-KR" altLang="en-US"/>
               <a:t>포트 도달불가능 응답을 받는다</a:t>
             </a:r>
             <a:r>
-              <a:rPr lang="en-US" altLang="ko-KR" smtClean="0"/>
+              <a:rPr lang="en-US" altLang="ko-KR"/>
               <a:t>. </a:t>
             </a:r>
             <a:r>
-              <a:rPr lang="ko-KR" altLang="en-US" smtClean="0"/>
+              <a:rPr lang="ko-KR" altLang="en-US"/>
               <a:t>이 응답에 의해 송신 측 애플리케이션이 예외처리를 하고 있는 경우 </a:t>
             </a:r>
             <a:r>
-              <a:rPr lang="en-US" altLang="ko-KR" smtClean="0"/>
+              <a:rPr lang="en-US" altLang="ko-KR"/>
               <a:t>SocketException</a:t>
             </a:r>
             <a:r>
-              <a:rPr lang="ko-KR" altLang="en-US" smtClean="0"/>
+              <a:rPr lang="ko-KR" altLang="en-US"/>
               <a:t> 예외에 에러코드는 </a:t>
             </a:r>
             <a:r>
-              <a:rPr lang="en-US" altLang="ko-KR" smtClean="0"/>
+              <a:rPr lang="en-US" altLang="ko-KR"/>
               <a:t>10054</a:t>
             </a:r>
             <a:r>
-              <a:rPr lang="ko-KR" altLang="en-US" smtClean="0"/>
+              <a:rPr lang="ko-KR" altLang="en-US"/>
               <a:t>로 확인할 수 있다</a:t>
             </a:r>
             <a:r>
-              <a:rPr lang="en-US" altLang="ko-KR" smtClean="0"/>
+              <a:rPr lang="en-US" altLang="ko-KR"/>
               <a:t>.</a:t>
             </a:r>
             <a:endParaRPr lang="ko-KR" altLang="en-US"/>
@@ -8599,14 +8448,13 @@
           <a:lstStyle/>
           <a:p>
             <a:r>
-              <a:rPr lang="en-US" altLang="ko-KR" sz="3200" b="1" smtClean="0"/>
+              <a:rPr lang="en-US" altLang="ko-KR" sz="3200" b="1"/>
               <a:t>Chat </a:t>
             </a:r>
             <a:r>
-              <a:rPr lang="ko-KR" altLang="en-US" sz="3200" b="1" smtClean="0"/>
+              <a:rPr lang="ko-KR" altLang="en-US" sz="3200" b="1"/>
               <a:t>예제 보기</a:t>
             </a:r>
-            <a:endParaRPr lang="ko-KR" altLang="en-US" sz="3200" b="1"/>
           </a:p>
         </p:txBody>
       </p:sp>
@@ -8663,14 +8511,13 @@
           <a:lstStyle/>
           <a:p>
             <a:r>
-              <a:rPr lang="en-US" altLang="ko-KR" sz="7200" b="1" smtClean="0"/>
+              <a:rPr lang="en-US" altLang="ko-KR" sz="7200" b="1"/>
               <a:t>.NET</a:t>
             </a:r>
             <a:r>
-              <a:rPr lang="ko-KR" altLang="en-US" sz="7200" b="1" smtClean="0"/>
+              <a:rPr lang="ko-KR" altLang="en-US" sz="7200" b="1"/>
               <a:t>의 네트워크 성능 향상</a:t>
             </a:r>
-            <a:endParaRPr lang="ko-KR" altLang="en-US" sz="7200" b="1"/>
           </a:p>
         </p:txBody>
       </p:sp>
@@ -8726,24 +8573,20 @@
           <a:lstStyle/>
           <a:p>
             <a:r>
-              <a:rPr lang="en-US" altLang="ko-KR" sz="3200" b="1" smtClean="0"/>
+              <a:rPr lang="en-US" altLang="ko-KR" sz="3200" b="1"/>
               <a:t>TcpClient</a:t>
             </a:r>
             <a:r>
-              <a:rPr lang="ko-KR" altLang="en-US" sz="3200" b="1" smtClean="0"/>
+              <a:rPr lang="ko-KR" altLang="en-US" sz="3200" b="1"/>
               <a:t>와 </a:t>
             </a:r>
             <a:r>
-              <a:rPr lang="en-US" altLang="ko-KR" sz="3200" b="1" smtClean="0"/>
+              <a:rPr lang="en-US" altLang="ko-KR" sz="3200" b="1"/>
               <a:t>TcpListner </a:t>
             </a:r>
             <a:r>
-              <a:rPr lang="ko-KR" altLang="en-US" sz="3200" b="1" smtClean="0"/>
-              <a:t>흐름</a:t>
-            </a:r>
-            <a:r>
               <a:rPr lang="ko-KR" altLang="en-US" sz="3200" b="1"/>
-              <a:t>도</a:t>
+              <a:t>흐름도</a:t>
             </a:r>
           </a:p>
         </p:txBody>
@@ -9235,12 +9078,8 @@
           <a:lstStyle/>
           <a:p>
             <a:r>
-              <a:rPr lang="ko-KR" altLang="en-US" sz="1200" smtClean="0"/>
-              <a:t>클라이언</a:t>
-            </a:r>
-            <a:r>
               <a:rPr lang="ko-KR" altLang="en-US" sz="1200"/>
-              <a:t>트</a:t>
+              <a:t>클라이언트</a:t>
             </a:r>
           </a:p>
         </p:txBody>
@@ -9268,10 +9107,9 @@
           <a:lstStyle/>
           <a:p>
             <a:r>
-              <a:rPr lang="ko-KR" altLang="en-US" sz="1200" smtClean="0"/>
+              <a:rPr lang="ko-KR" altLang="en-US" sz="1200"/>
               <a:t>접속</a:t>
             </a:r>
-            <a:endParaRPr lang="ko-KR" altLang="en-US" sz="1200"/>
           </a:p>
         </p:txBody>
       </p:sp>
@@ -9298,10 +9136,9 @@
           <a:lstStyle/>
           <a:p>
             <a:r>
-              <a:rPr lang="ko-KR" altLang="en-US" sz="1200" smtClean="0"/>
+              <a:rPr lang="ko-KR" altLang="en-US" sz="1200"/>
               <a:t>서버</a:t>
             </a:r>
-            <a:endParaRPr lang="ko-KR" altLang="en-US" sz="1200"/>
           </a:p>
         </p:txBody>
       </p:sp>
@@ -9328,10 +9165,9 @@
           <a:lstStyle/>
           <a:p>
             <a:r>
-              <a:rPr lang="ko-KR" altLang="en-US" sz="1200" smtClean="0"/>
+              <a:rPr lang="ko-KR" altLang="en-US" sz="1200"/>
               <a:t>통신 확립</a:t>
             </a:r>
-            <a:endParaRPr lang="ko-KR" altLang="en-US" sz="1200"/>
           </a:p>
         </p:txBody>
       </p:sp>
@@ -9358,10 +9194,9 @@
           <a:lstStyle/>
           <a:p>
             <a:r>
-              <a:rPr lang="ko-KR" altLang="en-US" sz="1200" smtClean="0"/>
+              <a:rPr lang="ko-KR" altLang="en-US" sz="1200"/>
               <a:t>데이터 전송</a:t>
             </a:r>
-            <a:endParaRPr lang="ko-KR" altLang="en-US" sz="1200"/>
           </a:p>
         </p:txBody>
       </p:sp>
@@ -9388,10 +9223,9 @@
           <a:lstStyle/>
           <a:p>
             <a:r>
-              <a:rPr lang="ko-KR" altLang="en-US" sz="1200" smtClean="0"/>
+              <a:rPr lang="ko-KR" altLang="en-US" sz="1200"/>
               <a:t>데이터 전송</a:t>
             </a:r>
-            <a:endParaRPr lang="ko-KR" altLang="en-US" sz="1200"/>
           </a:p>
         </p:txBody>
       </p:sp>
@@ -9418,10 +9252,9 @@
           <a:lstStyle/>
           <a:p>
             <a:r>
-              <a:rPr lang="ko-KR" altLang="en-US" sz="1200" smtClean="0"/>
+              <a:rPr lang="ko-KR" altLang="en-US" sz="1200"/>
               <a:t>접속 만들기</a:t>
             </a:r>
-            <a:endParaRPr lang="ko-KR" altLang="en-US" sz="1200"/>
           </a:p>
         </p:txBody>
       </p:sp>
@@ -9477,7 +9310,7 @@
           <a:lstStyle/>
           <a:p>
             <a:r>
-              <a:rPr lang="en-US" altLang="ko-KR" sz="3200" b="1" smtClean="0"/>
+              <a:rPr lang="en-US" altLang="ko-KR" sz="3200" b="1"/>
               <a:t>.NET Framework 3.5</a:t>
             </a:r>
             <a:endParaRPr lang="ko-KR" altLang="en-US" sz="3200" b="1"/>
@@ -9511,17 +9344,13 @@
               <a:buChar char="§"/>
             </a:pPr>
             <a:r>
-              <a:rPr lang="ko-KR" altLang="en-US" smtClean="0"/>
+              <a:rPr lang="ko-KR" altLang="en-US"/>
               <a:t>주요 변경점</a:t>
             </a:r>
-            <a:r>
-              <a:rPr lang="en-US" altLang="ko-KR" smtClean="0"/>
-              <a:t/>
-            </a:r>
             <a:br>
-              <a:rPr lang="en-US" altLang="ko-KR" smtClean="0"/>
+              <a:rPr lang="en-US" altLang="ko-KR"/>
             </a:br>
-            <a:endParaRPr lang="en-US" altLang="ko-KR" smtClean="0"/>
+            <a:endParaRPr lang="en-US" altLang="ko-KR"/>
           </a:p>
           <a:p>
             <a:pPr marL="285750" indent="-285750">
@@ -9529,11 +9358,11 @@
               <a:buChar char="§"/>
             </a:pPr>
             <a:r>
-              <a:rPr lang="ko-KR" altLang="en-US" smtClean="0"/>
+              <a:rPr lang="ko-KR" altLang="en-US"/>
               <a:t>고 성능 소켓 </a:t>
             </a:r>
             <a:r>
-              <a:rPr lang="en-US" altLang="ko-KR" smtClean="0"/>
+              <a:rPr lang="en-US" altLang="ko-KR"/>
               <a:t>API</a:t>
             </a:r>
           </a:p>
@@ -9543,11 +9372,11 @@
               <a:buChar char="§"/>
             </a:pPr>
             <a:r>
-              <a:rPr lang="en-US" altLang="ko-KR" smtClean="0"/>
+              <a:rPr lang="en-US" altLang="ko-KR"/>
               <a:t>URI</a:t>
             </a:r>
             <a:r>
-              <a:rPr lang="ko-KR" altLang="en-US" smtClean="0"/>
+              <a:rPr lang="ko-KR" altLang="en-US"/>
               <a:t>에</a:t>
             </a:r>
             <a:r>
@@ -9555,18 +9384,18 @@
               <a:t> </a:t>
             </a:r>
             <a:r>
-              <a:rPr lang="ko-KR" altLang="en-US" smtClean="0"/>
+              <a:rPr lang="ko-KR" altLang="en-US"/>
               <a:t>대한 </a:t>
             </a:r>
             <a:r>
-              <a:rPr lang="en-US" altLang="ko-KR" smtClean="0"/>
+              <a:rPr lang="en-US" altLang="ko-KR"/>
               <a:t>International Resource Identifier </a:t>
             </a:r>
             <a:r>
-              <a:rPr lang="ko-KR" altLang="en-US" smtClean="0"/>
+              <a:rPr lang="ko-KR" altLang="en-US"/>
               <a:t>지원</a:t>
             </a:r>
-            <a:endParaRPr lang="en-US" altLang="ko-KR" smtClean="0"/>
+            <a:endParaRPr lang="en-US" altLang="ko-KR"/>
           </a:p>
           <a:p>
             <a:pPr marL="285750" indent="-285750">
@@ -9574,13 +9403,13 @@
               <a:buChar char="§"/>
             </a:pPr>
             <a:r>
-              <a:rPr lang="en-US" altLang="ja-JP" smtClean="0"/>
+              <a:rPr lang="en-US" altLang="ja-JP"/>
               <a:t>P2P namespace</a:t>
             </a:r>
             <a:br>
-              <a:rPr lang="en-US" altLang="ja-JP" smtClean="0"/>
+              <a:rPr lang="en-US" altLang="ja-JP"/>
             </a:br>
-            <a:endParaRPr lang="en-US" altLang="ja-JP" smtClean="0"/>
+            <a:endParaRPr lang="en-US" altLang="ja-JP"/>
           </a:p>
           <a:p>
             <a:pPr marL="285750" indent="-285750">
@@ -9588,66 +9417,62 @@
               <a:buChar char="§"/>
             </a:pPr>
             <a:r>
-              <a:rPr lang="ko-KR" altLang="en-US" smtClean="0"/>
+              <a:rPr lang="ko-KR" altLang="en-US"/>
               <a:t>닷넷프레임워크 </a:t>
             </a:r>
             <a:r>
-              <a:rPr lang="en-US" altLang="ko-KR" smtClean="0"/>
+              <a:rPr lang="en-US" altLang="ko-KR"/>
               <a:t>2.0</a:t>
             </a:r>
             <a:r>
-              <a:rPr lang="ko-KR" altLang="en-US" smtClean="0"/>
+              <a:rPr lang="ko-KR" altLang="en-US"/>
               <a:t>의 </a:t>
             </a:r>
             <a:r>
-              <a:rPr lang="en-US" altLang="ko-KR" smtClean="0"/>
+              <a:rPr lang="en-US" altLang="ko-KR"/>
               <a:t>Socket </a:t>
             </a:r>
             <a:r>
-              <a:rPr lang="ko-KR" altLang="en-US" smtClean="0"/>
+              <a:rPr lang="ko-KR" altLang="en-US"/>
               <a:t>클래스의 최대 문제점 </a:t>
             </a:r>
-            <a:r>
-              <a:rPr lang="en-US" altLang="ko-KR" smtClean="0"/>
-              <a:t/>
-            </a:r>
             <a:br>
-              <a:rPr lang="en-US" altLang="ko-KR" smtClean="0"/>
+              <a:rPr lang="en-US" altLang="ko-KR"/>
             </a:br>
             <a:r>
-              <a:rPr lang="ko-KR" altLang="en-US" smtClean="0"/>
+              <a:rPr lang="ko-KR" altLang="en-US"/>
               <a:t>단일 소켓 </a:t>
             </a:r>
             <a:r>
-              <a:rPr lang="en-US" altLang="ko-KR" smtClean="0"/>
+              <a:rPr lang="en-US" altLang="ko-KR"/>
               <a:t>I/O </a:t>
             </a:r>
             <a:r>
-              <a:rPr lang="ko-KR" altLang="en-US" smtClean="0"/>
+              <a:rPr lang="ko-KR" altLang="en-US"/>
               <a:t>조작을 할 때나 다수의 소켓에 대한 </a:t>
             </a:r>
             <a:r>
-              <a:rPr lang="en-US" altLang="ko-KR" smtClean="0"/>
+              <a:rPr lang="en-US" altLang="ko-KR"/>
               <a:t>I/O </a:t>
             </a:r>
             <a:r>
-              <a:rPr lang="ko-KR" altLang="en-US" smtClean="0"/>
+              <a:rPr lang="ko-KR" altLang="en-US"/>
               <a:t>조작을 동시에 유지하기 위해 필요한 기초가 되는 오브젝트 할당을 할 때 과도한 </a:t>
             </a:r>
             <a:r>
-              <a:rPr lang="en-US" altLang="ko-KR" smtClean="0"/>
+              <a:rPr lang="en-US" altLang="ko-KR"/>
               <a:t>CPU </a:t>
             </a:r>
             <a:r>
-              <a:rPr lang="ko-KR" altLang="en-US" smtClean="0"/>
+              <a:rPr lang="ko-KR" altLang="en-US"/>
               <a:t>사이클 사용</a:t>
             </a:r>
             <a:r>
-              <a:rPr lang="en-US" altLang="ko-KR" smtClean="0"/>
+              <a:rPr lang="en-US" altLang="ko-KR"/>
               <a:t>.</a:t>
             </a:r>
             <a:br>
-              <a:rPr lang="en-US" altLang="ko-KR" smtClean="0"/>
+              <a:rPr lang="en-US" altLang="ko-KR"/>
             </a:br>
             <a:endParaRPr lang="ja-JP" altLang="en-US"/>
           </a:p>
@@ -9739,148 +9564,136 @@
               <a:buChar char="§"/>
             </a:pPr>
             <a:r>
-              <a:rPr lang="ko-KR" altLang="en-US" smtClean="0"/>
+              <a:rPr lang="ko-KR" altLang="en-US"/>
               <a:t>닷넷프레임워크 </a:t>
             </a:r>
             <a:r>
-              <a:rPr lang="en-US" altLang="ko-KR" smtClean="0"/>
+              <a:rPr lang="en-US" altLang="ko-KR"/>
               <a:t>3.0</a:t>
             </a:r>
             <a:r>
-              <a:rPr lang="ko-KR" altLang="en-US" smtClean="0"/>
+              <a:rPr lang="ko-KR" altLang="en-US"/>
               <a:t>에서는 </a:t>
             </a:r>
             <a:r>
-              <a:rPr lang="en-US" altLang="ko-KR" smtClean="0"/>
+              <a:rPr lang="en-US" altLang="ko-KR"/>
               <a:t>CLI </a:t>
             </a:r>
             <a:r>
-              <a:rPr lang="ko-KR" altLang="en-US" smtClean="0"/>
+              <a:rPr lang="ko-KR" altLang="en-US"/>
               <a:t>이 동시에 사용하는 다수의 </a:t>
             </a:r>
             <a:r>
-              <a:rPr lang="en-US" altLang="ko-KR" smtClean="0"/>
+              <a:rPr lang="en-US" altLang="ko-KR"/>
               <a:t>Overlapped </a:t>
             </a:r>
             <a:r>
-              <a:rPr lang="ko-KR" altLang="en-US" smtClean="0"/>
+              <a:rPr lang="ko-KR" altLang="en-US"/>
               <a:t>오브젝트를 보다 효율을적으로 관리</a:t>
             </a:r>
             <a:r>
-              <a:rPr lang="en-US" altLang="ko-KR" smtClean="0"/>
+              <a:rPr lang="en-US" altLang="ko-KR"/>
               <a:t>.</a:t>
             </a:r>
             <a:br>
-              <a:rPr lang="en-US" altLang="ko-KR" smtClean="0"/>
+              <a:rPr lang="en-US" altLang="ko-KR"/>
             </a:br>
-            <a:r>
-              <a:rPr lang="en-US" altLang="ko-KR" smtClean="0"/>
-              <a:t/>
-            </a:r>
             <a:br>
-              <a:rPr lang="en-US" altLang="ko-KR" smtClean="0"/>
+              <a:rPr lang="en-US" altLang="ko-KR"/>
             </a:br>
             <a:r>
-              <a:rPr lang="en-US" altLang="ko-KR" smtClean="0"/>
+              <a:rPr lang="en-US" altLang="ko-KR"/>
               <a:t>CLR</a:t>
             </a:r>
             <a:r>
-              <a:rPr lang="ko-KR" altLang="en-US" smtClean="0"/>
+              <a:rPr lang="ko-KR" altLang="en-US"/>
               <a:t>의 </a:t>
             </a:r>
             <a:r>
-              <a:rPr lang="en-US" altLang="ko-KR" smtClean="0"/>
+              <a:rPr lang="en-US" altLang="ko-KR"/>
               <a:t>Overlapped </a:t>
             </a:r>
             <a:r>
-              <a:rPr lang="ko-KR" altLang="en-US" smtClean="0"/>
+              <a:rPr lang="ko-KR" altLang="en-US"/>
               <a:t>오브젝트는 비동기 </a:t>
             </a:r>
             <a:r>
-              <a:rPr lang="en-US" altLang="ko-KR" smtClean="0"/>
+              <a:rPr lang="en-US" altLang="ko-KR"/>
               <a:t>I/O </a:t>
             </a:r>
             <a:r>
-              <a:rPr lang="ko-KR" altLang="en-US" smtClean="0"/>
+              <a:rPr lang="ko-KR" altLang="en-US"/>
               <a:t>조작 관리에 사용되는 네이티브 </a:t>
             </a:r>
             <a:r>
-              <a:rPr lang="en-US" altLang="ko-KR" smtClean="0"/>
+              <a:rPr lang="en-US" altLang="ko-KR"/>
               <a:t>Windows OVERLAPPED </a:t>
             </a:r>
             <a:r>
-              <a:rPr lang="ko-KR" altLang="en-US" smtClean="0"/>
+              <a:rPr lang="ko-KR" altLang="en-US"/>
               <a:t>구조체를 효율적으로 랩핑한다</a:t>
             </a:r>
             <a:r>
-              <a:rPr lang="en-US" altLang="ko-KR" smtClean="0"/>
+              <a:rPr lang="en-US" altLang="ko-KR"/>
               <a:t>. </a:t>
             </a:r>
             <a:br>
-              <a:rPr lang="en-US" altLang="ko-KR" smtClean="0"/>
+              <a:rPr lang="en-US" altLang="ko-KR"/>
             </a:br>
             <a:r>
-              <a:rPr lang="ko-KR" altLang="en-US" smtClean="0"/>
+              <a:rPr lang="ko-KR" altLang="en-US"/>
               <a:t>비동기 </a:t>
             </a:r>
             <a:r>
-              <a:rPr lang="en-US" altLang="ko-KR" smtClean="0"/>
+              <a:rPr lang="en-US" altLang="ko-KR"/>
               <a:t>I/O </a:t>
             </a:r>
             <a:r>
-              <a:rPr lang="ko-KR" altLang="en-US" smtClean="0"/>
+              <a:rPr lang="ko-KR" altLang="en-US"/>
               <a:t>조작마다 </a:t>
             </a:r>
             <a:r>
-              <a:rPr lang="en-US" altLang="ko-KR" smtClean="0"/>
+              <a:rPr lang="en-US" altLang="ko-KR"/>
               <a:t>Overlapped </a:t>
             </a:r>
             <a:r>
-              <a:rPr lang="ko-KR" altLang="en-US" smtClean="0"/>
+              <a:rPr lang="ko-KR" altLang="en-US"/>
               <a:t>오브젝트 인스터스가 하나 만들지고 또 </a:t>
             </a:r>
-            <a:r>
-              <a:rPr lang="en-US" altLang="ko-KR" smtClean="0"/>
-              <a:t/>
-            </a:r>
             <a:br>
-              <a:rPr lang="en-US" altLang="ko-KR" smtClean="0"/>
+              <a:rPr lang="en-US" altLang="ko-KR"/>
             </a:br>
-            <a:r>
-              <a:rPr lang="en-US" altLang="ko-KR" smtClean="0"/>
-              <a:t/>
-            </a:r>
             <a:br>
-              <a:rPr lang="en-US" altLang="ko-KR" smtClean="0"/>
+              <a:rPr lang="en-US" altLang="ko-KR"/>
             </a:br>
             <a:r>
-              <a:rPr lang="ko-KR" altLang="en-US" b="1" smtClean="0"/>
+              <a:rPr lang="ko-KR" altLang="en-US" b="1"/>
               <a:t>각 소켓에 대한 보류중의 비동기 수신 </a:t>
             </a:r>
             <a:r>
-              <a:rPr lang="en-US" altLang="ko-KR" b="1" smtClean="0"/>
+              <a:rPr lang="en-US" altLang="ko-KR" b="1"/>
               <a:t>I/O </a:t>
             </a:r>
             <a:r>
-              <a:rPr lang="ko-KR" altLang="en-US" b="1" smtClean="0"/>
+              <a:rPr lang="ko-KR" altLang="en-US" b="1"/>
               <a:t>조작을 유지하면서 </a:t>
             </a:r>
             <a:r>
-              <a:rPr lang="en-US" altLang="ko-KR" b="1" smtClean="0"/>
+              <a:rPr lang="en-US" altLang="ko-KR" b="1"/>
               <a:t>60000 </a:t>
             </a:r>
             <a:r>
-              <a:rPr lang="ko-KR" altLang="en-US" b="1" smtClean="0"/>
+              <a:rPr lang="ko-KR" altLang="en-US" b="1"/>
               <a:t>이상의 소켓을 접속할 수 있다</a:t>
             </a:r>
             <a:r>
-              <a:rPr lang="en-US" altLang="ko-KR" smtClean="0"/>
+              <a:rPr lang="en-US" altLang="ko-KR"/>
               <a:t>.</a:t>
             </a:r>
             <a:br>
-              <a:rPr lang="en-US" altLang="ko-KR" smtClean="0"/>
+              <a:rPr lang="en-US" altLang="ko-KR"/>
             </a:br>
-            <a:endParaRPr lang="en-US" altLang="ko-KR" smtClean="0"/>
+            <a:endParaRPr lang="en-US" altLang="ko-KR"/>
           </a:p>
           <a:p>
             <a:pPr marL="285750" indent="-285750">
@@ -9888,33 +9701,33 @@
               <a:buChar char="§"/>
             </a:pPr>
             <a:r>
-              <a:rPr lang="ko-KR" altLang="en-US" smtClean="0"/>
+              <a:rPr lang="ko-KR" altLang="en-US"/>
               <a:t>완료포트 읽기와 </a:t>
             </a:r>
             <a:r>
-              <a:rPr lang="en-US" altLang="ko-KR" smtClean="0"/>
+              <a:rPr lang="en-US" altLang="ko-KR"/>
               <a:t>IAsyncResult </a:t>
             </a:r>
             <a:r>
-              <a:rPr lang="ko-KR" altLang="en-US" smtClean="0"/>
+              <a:rPr lang="ko-KR" altLang="en-US"/>
               <a:t>오브젝트에서 애플리케이션 완료 델리게이트 호출이나 </a:t>
             </a:r>
             <a:r>
-              <a:rPr lang="en-US" altLang="ko-KR" smtClean="0"/>
+              <a:rPr lang="en-US" altLang="ko-KR"/>
               <a:t>I/O </a:t>
             </a:r>
             <a:r>
-              <a:rPr lang="ko-KR" altLang="en-US" smtClean="0"/>
+              <a:rPr lang="ko-KR" altLang="en-US"/>
               <a:t>완료 이벤트 오브젝트 통지 간의 코드 베이스에서 발생하는 오버헤드를 최소화 시키는데 중점을 두었다</a:t>
             </a:r>
             <a:r>
-              <a:rPr lang="en-US" altLang="ko-KR" smtClean="0"/>
+              <a:rPr lang="en-US" altLang="ko-KR"/>
               <a:t>.</a:t>
             </a:r>
             <a:br>
-              <a:rPr lang="en-US" altLang="ko-KR" smtClean="0"/>
+              <a:rPr lang="en-US" altLang="ko-KR"/>
             </a:br>
-            <a:endParaRPr lang="en-US" altLang="ko-KR" smtClean="0"/>
+            <a:endParaRPr lang="en-US" altLang="ko-KR"/>
           </a:p>
           <a:p>
             <a:pPr marL="285750" indent="-285750">
@@ -9922,15 +9735,15 @@
               <a:buChar char="§"/>
             </a:pPr>
             <a:r>
-              <a:rPr lang="ko-KR" altLang="en-US" smtClean="0"/>
+              <a:rPr lang="ko-KR" altLang="en-US"/>
               <a:t>닷넷 </a:t>
             </a:r>
             <a:r>
-              <a:rPr lang="en-US" altLang="ko-KR" smtClean="0"/>
+              <a:rPr lang="en-US" altLang="ko-KR"/>
               <a:t>2.0</a:t>
             </a:r>
             <a:r>
-              <a:rPr lang="ko-KR" altLang="en-US" smtClean="0"/>
+              <a:rPr lang="ko-KR" altLang="en-US"/>
               <a:t>에서는 조작마다 </a:t>
             </a:r>
             <a:r>
@@ -9938,59 +9751,59 @@
               <a:t>IAsyncResult</a:t>
             </a:r>
             <a:r>
-              <a:rPr lang="ko-KR" altLang="en-US" smtClean="0"/>
+              <a:rPr lang="ko-KR" altLang="en-US"/>
               <a:t> 오브젝트를 만들어야 한고 그것을 재 이용할 수 없었다</a:t>
             </a:r>
             <a:r>
-              <a:rPr lang="en-US" altLang="ko-KR" smtClean="0"/>
+              <a:rPr lang="en-US" altLang="ko-KR"/>
               <a:t>.</a:t>
             </a:r>
             <a:r>
-              <a:rPr lang="ko-KR" altLang="en-US" smtClean="0"/>
+              <a:rPr lang="ko-KR" altLang="en-US"/>
               <a:t> 이 때문에 </a:t>
             </a:r>
             <a:r>
-              <a:rPr lang="ko-KR" altLang="en-US" b="1" smtClean="0"/>
+              <a:rPr lang="ko-KR" altLang="en-US" b="1"/>
               <a:t>오브젝트 할당과 </a:t>
             </a:r>
             <a:r>
-              <a:rPr lang="en-US" altLang="ko-KR" b="1" smtClean="0"/>
+              <a:rPr lang="en-US" altLang="ko-KR" b="1"/>
               <a:t>GC</a:t>
             </a:r>
             <a:r>
-              <a:rPr lang="ko-KR" altLang="en-US" b="1" smtClean="0"/>
+              <a:rPr lang="ko-KR" altLang="en-US" b="1"/>
               <a:t>가 자주 실행되어 성능에 나쁜 영향을 줄 수 있다</a:t>
             </a:r>
             <a:r>
-              <a:rPr lang="en-US" altLang="ko-KR" smtClean="0"/>
+              <a:rPr lang="en-US" altLang="ko-KR"/>
               <a:t>. </a:t>
             </a:r>
             <a:r>
-              <a:rPr lang="en-US" altLang="ko-KR" b="1" smtClean="0"/>
+              <a:rPr lang="en-US" altLang="ko-KR" b="1"/>
               <a:t>3.5</a:t>
             </a:r>
             <a:r>
-              <a:rPr lang="ko-KR" altLang="en-US" b="1" smtClean="0"/>
+              <a:rPr lang="ko-KR" altLang="en-US" b="1"/>
               <a:t>에서는 소켓 비동기 </a:t>
             </a:r>
             <a:r>
-              <a:rPr lang="en-US" altLang="ko-KR" b="1" smtClean="0"/>
+              <a:rPr lang="en-US" altLang="ko-KR" b="1"/>
               <a:t>I/O</a:t>
             </a:r>
             <a:r>
-              <a:rPr lang="ko-KR" altLang="en-US" b="1" smtClean="0"/>
+              <a:rPr lang="ko-KR" altLang="en-US" b="1"/>
               <a:t>를 실행할 때 패턴 함수를 준비하였다</a:t>
             </a:r>
             <a:r>
-              <a:rPr lang="en-US" altLang="ko-KR" b="1" smtClean="0"/>
+              <a:rPr lang="en-US" altLang="ko-KR" b="1"/>
               <a:t>. </a:t>
             </a:r>
             <a:r>
-              <a:rPr lang="ko-KR" altLang="en-US" b="1" smtClean="0"/>
+              <a:rPr lang="ko-KR" altLang="en-US" b="1"/>
               <a:t>이 새로운 패턴에서는 소켓 조작 마다 조작 컨텍스트 오브젝트를 할당할 필요가 없다</a:t>
             </a:r>
             <a:r>
-              <a:rPr lang="en-US" altLang="ko-KR" smtClean="0"/>
+              <a:rPr lang="en-US" altLang="ko-KR"/>
               <a:t>.</a:t>
             </a:r>
             <a:endParaRPr lang="ja-JP" altLang="en-US"/>
@@ -10239,23 +10052,23 @@
               <a:buChar char="§"/>
             </a:pPr>
             <a:r>
-              <a:rPr lang="ko-KR" altLang="en-US" smtClean="0"/>
+              <a:rPr lang="ko-KR" altLang="en-US"/>
               <a:t>애플리케이션은 </a:t>
             </a:r>
             <a:r>
-              <a:rPr lang="en-US" altLang="ja-JP" b="1" smtClean="0"/>
+              <a:rPr lang="en-US" altLang="ja-JP" b="1"/>
               <a:t>SocketAsyncEventArgs </a:t>
             </a:r>
             <a:r>
-              <a:rPr lang="ko-KR" altLang="en-US" b="1" smtClean="0"/>
+              <a:rPr lang="ko-KR" altLang="en-US" b="1"/>
               <a:t>오브젝트를 만들고 관리하여 재이용</a:t>
             </a:r>
             <a:r>
-              <a:rPr lang="ko-KR" altLang="en-US" smtClean="0"/>
+              <a:rPr lang="ko-KR" altLang="en-US"/>
               <a:t>할 수가 있다</a:t>
             </a:r>
             <a:r>
-              <a:rPr lang="en-US" altLang="ko-KR" smtClean="0"/>
+              <a:rPr lang="en-US" altLang="ko-KR"/>
               <a:t>.</a:t>
             </a:r>
           </a:p>
@@ -10264,7 +10077,7 @@
               <a:buFont typeface="Wingdings" panose="05000000000000000000" pitchFamily="2" charset="2"/>
               <a:buChar char="§"/>
             </a:pPr>
-            <a:endParaRPr lang="en-US" altLang="ko-KR" smtClean="0"/>
+            <a:endParaRPr lang="en-US" altLang="ko-KR"/>
           </a:p>
           <a:p>
             <a:pPr marL="285750" indent="-285750">
@@ -10272,19 +10085,19 @@
               <a:buChar char="§"/>
             </a:pPr>
             <a:r>
-              <a:rPr lang="ko-KR" altLang="en-US" smtClean="0"/>
+              <a:rPr lang="ko-KR" altLang="en-US"/>
               <a:t>소켓 조작의 모든 파라메터는 </a:t>
             </a:r>
             <a:r>
-              <a:rPr lang="en-US" altLang="ja-JP" smtClean="0"/>
+              <a:rPr lang="en-US" altLang="ja-JP"/>
               <a:t>SocketAsyncEventArgs </a:t>
             </a:r>
             <a:r>
-              <a:rPr lang="ko-KR" altLang="en-US" smtClean="0"/>
+              <a:rPr lang="ko-KR" altLang="en-US"/>
               <a:t>오브젝트의 프로퍼티와 메소드에 의해 지정된다</a:t>
             </a:r>
             <a:r>
-              <a:rPr lang="en-US" altLang="ko-KR" smtClean="0"/>
+              <a:rPr lang="en-US" altLang="ko-KR"/>
               <a:t>.</a:t>
             </a:r>
           </a:p>
@@ -10293,7 +10106,7 @@
               <a:buFont typeface="Wingdings" panose="05000000000000000000" pitchFamily="2" charset="2"/>
               <a:buChar char="§"/>
             </a:pPr>
-            <a:endParaRPr lang="en-US" altLang="ja-JP" smtClean="0"/>
+            <a:endParaRPr lang="en-US" altLang="ja-JP"/>
           </a:p>
           <a:p>
             <a:pPr marL="285750" indent="-285750">
@@ -10301,19 +10114,19 @@
               <a:buChar char="§"/>
             </a:pPr>
             <a:r>
-              <a:rPr lang="ko-KR" altLang="en-US" smtClean="0"/>
+              <a:rPr lang="ko-KR" altLang="en-US"/>
               <a:t>완료 상태도 </a:t>
             </a:r>
             <a:r>
-              <a:rPr lang="en-US" altLang="ja-JP" smtClean="0"/>
+              <a:rPr lang="en-US" altLang="ja-JP"/>
               <a:t>SocketAsyncEventArgs </a:t>
             </a:r>
             <a:r>
-              <a:rPr lang="ko-KR" altLang="en-US" smtClean="0"/>
+              <a:rPr lang="ko-KR" altLang="en-US"/>
               <a:t>오브젝트의 프로퍼티에 의해 지정된다</a:t>
             </a:r>
             <a:r>
-              <a:rPr lang="en-US" altLang="ko-KR" smtClean="0"/>
+              <a:rPr lang="en-US" altLang="ko-KR"/>
               <a:t>.</a:t>
             </a:r>
           </a:p>
@@ -10323,11 +10136,11 @@
               <a:buChar char="§"/>
             </a:pPr>
             <a:r>
-              <a:rPr lang="ko-KR" altLang="en-US" smtClean="0"/>
+              <a:rPr lang="ko-KR" altLang="en-US"/>
               <a:t>또한 이벤트 핸들러 콜백 완료 메소드를 사용해야 한다</a:t>
             </a:r>
             <a:r>
-              <a:rPr lang="en-US" altLang="ko-KR" smtClean="0"/>
+              <a:rPr lang="en-US" altLang="ko-KR"/>
               <a:t>.</a:t>
             </a:r>
           </a:p>
@@ -10336,7 +10149,7 @@
               <a:buFont typeface="Wingdings" panose="05000000000000000000" pitchFamily="2" charset="2"/>
               <a:buChar char="§"/>
             </a:pPr>
-            <a:endParaRPr lang="en-US" altLang="ja-JP" smtClean="0"/>
+            <a:endParaRPr lang="en-US" altLang="ja-JP"/>
           </a:p>
           <a:p>
             <a:pPr marL="285750" indent="-285750">
@@ -10344,27 +10157,19 @@
               <a:buChar char="§"/>
             </a:pPr>
             <a:r>
-              <a:rPr lang="ko-KR" altLang="en-US" smtClean="0"/>
+              <a:rPr lang="ko-KR" altLang="en-US"/>
               <a:t>이런 변경에 의해서 </a:t>
             </a:r>
             <a:r>
-              <a:rPr lang="en-US" altLang="ja-JP" b="1" smtClean="0"/>
-              <a:t>.</a:t>
-            </a:r>
-            <a:r>
               <a:rPr lang="en-US" altLang="ja-JP" b="1"/>
-              <a:t>NET Framework </a:t>
-            </a:r>
-            <a:r>
-              <a:rPr lang="en-US" altLang="ja-JP" b="1" smtClean="0"/>
-              <a:t>3.5</a:t>
-            </a:r>
-            <a:r>
-              <a:rPr lang="ko-KR" altLang="en-US" b="1" smtClean="0"/>
+              <a:t>.NET Framework 3.5</a:t>
+            </a:r>
+            <a:r>
+              <a:rPr lang="ko-KR" altLang="en-US" b="1"/>
               <a:t>의</a:t>
             </a:r>
             <a:r>
-              <a:rPr lang="ja-JP" altLang="en-US" b="1" smtClean="0"/>
+              <a:rPr lang="ja-JP" altLang="en-US" b="1"/>
               <a:t> </a:t>
             </a:r>
             <a:r>
@@ -10372,15 +10177,15 @@
               <a:t>System.Net.Sockets </a:t>
             </a:r>
             <a:r>
-              <a:rPr lang="ko-KR" altLang="en-US" b="1" smtClean="0"/>
+              <a:rPr lang="ko-KR" altLang="en-US" b="1"/>
               <a:t>클래스의 성능과 확장성은 대폭으로 향상</a:t>
             </a:r>
             <a:r>
-              <a:rPr lang="ko-KR" altLang="en-US" smtClean="0"/>
+              <a:rPr lang="ko-KR" altLang="en-US"/>
               <a:t> 되었다</a:t>
             </a:r>
             <a:r>
-              <a:rPr lang="en-US" altLang="ko-KR" smtClean="0"/>
+              <a:rPr lang="en-US" altLang="ko-KR"/>
               <a:t>.</a:t>
             </a:r>
             <a:endParaRPr lang="en-US" altLang="ja-JP"/>
@@ -10439,14 +10244,13 @@
           <a:lstStyle/>
           <a:p>
             <a:r>
-              <a:rPr lang="en-US" altLang="ko-KR" sz="3200" b="1" smtClean="0"/>
+              <a:rPr lang="en-US" altLang="ko-KR" sz="3200" b="1"/>
               <a:t>.NET Framework 3.5 </a:t>
             </a:r>
             <a:r>
-              <a:rPr lang="ko-KR" altLang="en-US" sz="3200" b="1" smtClean="0"/>
+              <a:rPr lang="ko-KR" altLang="en-US" sz="3200" b="1"/>
               <a:t>비동기 통신 예제</a:t>
             </a:r>
-            <a:endParaRPr lang="ko-KR" altLang="en-US" sz="3200" b="1"/>
           </a:p>
         </p:txBody>
       </p:sp>
@@ -10472,11 +10276,11 @@
           <a:lstStyle/>
           <a:p>
             <a:r>
-              <a:rPr lang="ko-KR" altLang="en-US" sz="3600" smtClean="0"/>
+              <a:rPr lang="ko-KR" altLang="en-US" sz="3600"/>
               <a:t>예제</a:t>
             </a:r>
             <a:r>
-              <a:rPr lang="en-US" altLang="ko-KR" sz="3600" smtClean="0"/>
+              <a:rPr lang="en-US" altLang="ko-KR" sz="3600"/>
               <a:t>: AsyncSocketServer</a:t>
             </a:r>
             <a:endParaRPr lang="ko-KR" altLang="en-US" sz="3600"/>
@@ -10505,7 +10309,7 @@
           <a:lstStyle/>
           <a:p>
             <a:r>
-              <a:rPr lang="ko-KR" altLang="en-US" sz="3600" smtClean="0"/>
+              <a:rPr lang="ko-KR" altLang="en-US" sz="3600"/>
               <a:t>예제</a:t>
             </a:r>
             <a:r>
@@ -10569,7 +10373,7 @@
           <a:lstStyle/>
           <a:p>
             <a:r>
-              <a:rPr lang="en-US" altLang="ko-KR" sz="7200" b="1" smtClean="0"/>
+              <a:rPr lang="en-US" altLang="ko-KR" sz="7200" b="1"/>
               <a:t>Tips</a:t>
             </a:r>
             <a:endParaRPr lang="ko-KR" altLang="en-US" sz="7200" b="1"/>
@@ -10628,10 +10432,9 @@
           <a:lstStyle/>
           <a:p>
             <a:r>
-              <a:rPr lang="ko-KR" altLang="en-US" sz="3200" b="1" smtClean="0"/>
+              <a:rPr lang="ko-KR" altLang="en-US" sz="3200" b="1"/>
               <a:t>컴퓨터의 네트워크 카드 리스트</a:t>
             </a:r>
-            <a:endParaRPr lang="ko-KR" altLang="en-US" sz="3200" b="1"/>
           </a:p>
         </p:txBody>
       </p:sp>
@@ -10657,116 +10460,116 @@
           <a:lstStyle/>
           <a:p>
             <a:r>
-              <a:rPr lang="en-US" altLang="ko-KR" sz="1600" smtClean="0"/>
+              <a:rPr lang="en-US" altLang="ko-KR" sz="1600"/>
               <a:t>using System.Management; // </a:t>
             </a:r>
             <a:r>
-              <a:rPr lang="ko-KR" altLang="en-US" sz="1600" smtClean="0"/>
+              <a:rPr lang="ko-KR" altLang="en-US" sz="1600"/>
               <a:t>참조 설정에</a:t>
             </a:r>
             <a:r>
-              <a:rPr lang="ja-JP" altLang="en-US" sz="1600" smtClean="0"/>
+              <a:rPr lang="ja-JP" altLang="en-US" sz="1600"/>
               <a:t> </a:t>
             </a:r>
             <a:r>
-              <a:rPr lang="en-US" altLang="ko-KR" sz="1600" smtClean="0"/>
+              <a:rPr lang="en-US" altLang="ko-KR" sz="1600"/>
               <a:t>System.Management </a:t>
             </a:r>
             <a:r>
-              <a:rPr lang="ko-KR" altLang="en-US" sz="1600" smtClean="0"/>
+              <a:rPr lang="ko-KR" altLang="en-US" sz="1600"/>
               <a:t>를 추가</a:t>
             </a:r>
           </a:p>
           <a:p>
-            <a:endParaRPr lang="ko-KR" altLang="en-US" sz="1600" smtClean="0"/>
-          </a:p>
-          <a:p>
-            <a:r>
-              <a:rPr lang="en-US" altLang="ko-KR" sz="1600" smtClean="0"/>
+            <a:endParaRPr lang="ko-KR" altLang="en-US" sz="1600"/>
+          </a:p>
+          <a:p>
+            <a:r>
+              <a:rPr lang="en-US" altLang="ko-KR" sz="1600"/>
               <a:t>ManagementClass mc = new ManagementClass("Win32_PerfRawData_Tcpip_NetworkInterface");</a:t>
             </a:r>
           </a:p>
           <a:p>
             <a:r>
-              <a:rPr lang="en-US" altLang="ko-KR" sz="1600" smtClean="0"/>
+              <a:rPr lang="en-US" altLang="ko-KR" sz="1600"/>
               <a:t>ManagementObjectCollection moc = mc.GetInstances();</a:t>
             </a:r>
           </a:p>
           <a:p>
-            <a:endParaRPr lang="en-US" altLang="ko-KR" sz="1600" smtClean="0"/>
-          </a:p>
-          <a:p>
-            <a:r>
-              <a:rPr lang="en-US" altLang="ko-KR" sz="1600" smtClean="0"/>
+            <a:endParaRPr lang="en-US" altLang="ko-KR" sz="1600"/>
+          </a:p>
+          <a:p>
+            <a:r>
+              <a:rPr lang="en-US" altLang="ko-KR" sz="1600"/>
               <a:t>foreach (ManagementObject mo in moc)</a:t>
             </a:r>
           </a:p>
           <a:p>
             <a:r>
-              <a:rPr lang="en-US" altLang="ko-KR" sz="1600" smtClean="0"/>
+              <a:rPr lang="en-US" altLang="ko-KR" sz="1600"/>
               <a:t>{</a:t>
             </a:r>
           </a:p>
           <a:p>
             <a:r>
-              <a:rPr lang="en-US" altLang="ko-KR" sz="1600" smtClean="0"/>
+              <a:rPr lang="en-US" altLang="ko-KR" sz="1600"/>
               <a:t>    // </a:t>
             </a:r>
             <a:r>
-              <a:rPr lang="ko-KR" altLang="en-US" sz="1600" smtClean="0"/>
+              <a:rPr lang="ko-KR" altLang="en-US" sz="1600"/>
               <a:t>정보를 표시</a:t>
             </a:r>
           </a:p>
           <a:p>
             <a:r>
-              <a:rPr lang="ko-KR" altLang="en-US" sz="1600" smtClean="0"/>
+              <a:rPr lang="ko-KR" altLang="en-US" sz="1600"/>
               <a:t>    </a:t>
             </a:r>
             <a:r>
-              <a:rPr lang="en-US" altLang="ko-KR" sz="1600" smtClean="0"/>
+              <a:rPr lang="en-US" altLang="ko-KR" sz="1600"/>
               <a:t>Console.WriteLine("</a:t>
             </a:r>
             <a:r>
-              <a:rPr lang="ko-KR" altLang="en-US" sz="1600" smtClean="0"/>
+              <a:rPr lang="ko-KR" altLang="en-US" sz="1600"/>
               <a:t>이름     </a:t>
             </a:r>
             <a:r>
-              <a:rPr lang="en-US" altLang="ko-KR" sz="1600" smtClean="0"/>
+              <a:rPr lang="en-US" altLang="ko-KR" sz="1600"/>
               <a:t>= {0}", mo["Name"]);</a:t>
             </a:r>
           </a:p>
           <a:p>
             <a:r>
-              <a:rPr lang="en-US" altLang="ko-KR" sz="1600" smtClean="0"/>
+              <a:rPr lang="en-US" altLang="ko-KR" sz="1600"/>
               <a:t>    Console.WriteLine("</a:t>
             </a:r>
             <a:r>
-              <a:rPr lang="ko-KR" altLang="en-US" sz="1600" smtClean="0"/>
+              <a:rPr lang="ko-KR" altLang="en-US" sz="1600"/>
               <a:t>접속 속도 </a:t>
             </a:r>
             <a:r>
-              <a:rPr lang="en-US" altLang="ko-KR" sz="1600" smtClean="0"/>
+              <a:rPr lang="en-US" altLang="ko-KR" sz="1600"/>
               <a:t>= {0} Mbps", </a:t>
             </a:r>
           </a:p>
           <a:p>
             <a:r>
-              <a:rPr lang="en-US" altLang="ko-KR" sz="1600" smtClean="0"/>
+              <a:rPr lang="en-US" altLang="ko-KR" sz="1600"/>
               <a:t>                  Convert.ToInt32(mo["CurrentBandwidth"]) / 1000 / 1000);</a:t>
             </a:r>
           </a:p>
           <a:p>
-            <a:endParaRPr lang="en-US" altLang="ko-KR" sz="1600" smtClean="0"/>
-          </a:p>
-          <a:p>
-            <a:r>
-              <a:rPr lang="en-US" altLang="ko-KR" sz="1600" smtClean="0"/>
+            <a:endParaRPr lang="en-US" altLang="ko-KR" sz="1600"/>
+          </a:p>
+          <a:p>
+            <a:r>
+              <a:rPr lang="en-US" altLang="ko-KR" sz="1600"/>
               <a:t>    Console.WriteLine("------");</a:t>
             </a:r>
           </a:p>
           <a:p>
             <a:r>
-              <a:rPr lang="en-US" altLang="ko-KR" sz="1600" smtClean="0"/>
+              <a:rPr lang="en-US" altLang="ko-KR" sz="1600"/>
               <a:t>}</a:t>
             </a:r>
             <a:endParaRPr lang="ko-KR" altLang="en-US" sz="1600"/>
@@ -10854,14 +10657,13 @@
           <a:lstStyle/>
           <a:p>
             <a:r>
-              <a:rPr lang="en-US" altLang="ko-KR" sz="3200" b="1" smtClean="0"/>
+              <a:rPr lang="en-US" altLang="ko-KR" sz="3200" b="1"/>
               <a:t>UDP TTL</a:t>
             </a:r>
             <a:r>
-              <a:rPr lang="ko-KR" altLang="en-US" sz="3200" b="1" smtClean="0"/>
+              <a:rPr lang="ko-KR" altLang="en-US" sz="3200" b="1"/>
               <a:t> 지정</a:t>
             </a:r>
-            <a:endParaRPr lang="ko-KR" altLang="en-US" sz="3200" b="1"/>
           </a:p>
         </p:txBody>
       </p:sp>
@@ -10891,10 +10693,9 @@
               <a:t>// </a:t>
             </a:r>
             <a:r>
-              <a:rPr lang="ko-KR" altLang="en-US" sz="1600" smtClean="0"/>
+              <a:rPr lang="ko-KR" altLang="en-US" sz="1600"/>
               <a:t>보낼 곳</a:t>
             </a:r>
-            <a:endParaRPr lang="ko-KR" altLang="en-US" sz="1600"/>
           </a:p>
           <a:p>
             <a:r>
@@ -10911,16 +10712,8 @@
               <a:t>// </a:t>
             </a:r>
             <a:r>
-              <a:rPr lang="ko-KR" altLang="en-US" sz="1600" smtClean="0"/>
-              <a:t>보</a:t>
-            </a:r>
-            <a:r>
               <a:rPr lang="ko-KR" altLang="en-US" sz="1600"/>
-              <a:t>낼</a:t>
-            </a:r>
-            <a:r>
-              <a:rPr lang="ko-KR" altLang="en-US" sz="1600" smtClean="0"/>
-              <a:t> 데이터</a:t>
+              <a:t>보낼 데이터</a:t>
             </a:r>
             <a:endParaRPr lang="ja-JP" altLang="en-US" sz="1600"/>
           </a:p>
@@ -10939,102 +10732,64 @@
               <a:t>// UDP </a:t>
             </a:r>
             <a:r>
-              <a:rPr lang="ko-KR" altLang="en-US" sz="1600" smtClean="0"/>
+              <a:rPr lang="ko-KR" altLang="en-US" sz="1600"/>
               <a:t>소켓 만들기</a:t>
             </a:r>
-            <a:endParaRPr lang="en-US" altLang="ko-KR" sz="1600" smtClean="0"/>
-          </a:p>
-          <a:p>
-            <a:r>
-              <a:rPr lang="en-US" altLang="ko-KR" sz="1600" smtClean="0"/>
-              <a:t>Socket </a:t>
-            </a:r>
-            <a:r>
-              <a:rPr lang="en-US" altLang="ko-KR" sz="1600"/>
-              <a:t>s = new Socket</a:t>
-            </a:r>
-            <a:r>
-              <a:rPr lang="en-US" altLang="ko-KR" sz="1600" smtClean="0"/>
-              <a:t>( AddressFamily.InterNetwork</a:t>
-            </a:r>
-            <a:r>
-              <a:rPr lang="en-US" altLang="ko-KR" sz="1600"/>
-              <a:t>, </a:t>
-            </a:r>
-            <a:r>
-              <a:rPr lang="en-US" altLang="ko-KR" sz="1600" smtClean="0"/>
-              <a:t/>
+            <a:endParaRPr lang="en-US" altLang="ko-KR" sz="1600"/>
+          </a:p>
+          <a:p>
+            <a:r>
+              <a:rPr lang="en-US" altLang="ko-KR" sz="1600"/>
+              <a:t>Socket s = new Socket( AddressFamily.InterNetwork, </a:t>
             </a:r>
             <a:br>
-              <a:rPr lang="en-US" altLang="ko-KR" sz="1600" smtClean="0"/>
+              <a:rPr lang="en-US" altLang="ko-KR" sz="1600"/>
             </a:br>
             <a:r>
-              <a:rPr lang="en-US" altLang="ko-KR" sz="1600" smtClean="0"/>
-              <a:t>                               SocketType.Dgram</a:t>
-            </a:r>
-            <a:r>
-              <a:rPr lang="en-US" altLang="ko-KR" sz="1600"/>
-              <a:t>, </a:t>
-            </a:r>
-            <a:r>
-              <a:rPr lang="en-US" altLang="ko-KR" sz="1600" smtClean="0"/>
-              <a:t/>
+              <a:rPr lang="en-US" altLang="ko-KR" sz="1600"/>
+              <a:t>                               SocketType.Dgram, </a:t>
             </a:r>
             <a:br>
-              <a:rPr lang="en-US" altLang="ko-KR" sz="1600" smtClean="0"/>
+              <a:rPr lang="en-US" altLang="ko-KR" sz="1600"/>
             </a:br>
             <a:r>
-              <a:rPr lang="en-US" altLang="ko-KR" sz="1600" smtClean="0"/>
+              <a:rPr lang="en-US" altLang="ko-KR" sz="1600"/>
               <a:t>                               ProtocolType.U</a:t>
             </a:r>
             <a:r>
-              <a:rPr lang="ko-KR" altLang="en-US" sz="1600" smtClean="0"/>
+              <a:rPr lang="ko-KR" altLang="en-US" sz="1600"/>
               <a:t>에</a:t>
             </a:r>
             <a:r>
-              <a:rPr lang="en-US" altLang="ko-KR" sz="1600" smtClean="0"/>
+              <a:rPr lang="en-US" altLang="ko-KR" sz="1600"/>
               <a:t> );</a:t>
             </a:r>
+          </a:p>
+          <a:p>
             <a:endParaRPr lang="en-US" altLang="ko-KR" sz="1600"/>
           </a:p>
           <a:p>
-            <a:endParaRPr lang="en-US" altLang="ko-KR" sz="1600"/>
-          </a:p>
-          <a:p>
-            <a:r>
-              <a:rPr lang="en-US" altLang="ko-KR" sz="1600"/>
-              <a:t>// </a:t>
-            </a:r>
-            <a:r>
-              <a:rPr lang="en-US" altLang="ko-KR" sz="1600" smtClean="0"/>
-              <a:t>TTL</a:t>
-            </a:r>
-            <a:r>
-              <a:rPr lang="ko-KR" altLang="en-US" sz="1600" smtClean="0"/>
+            <a:r>
+              <a:rPr lang="en-US" altLang="ko-KR" sz="1600"/>
+              <a:t>// TTL</a:t>
+            </a:r>
+            <a:r>
+              <a:rPr lang="ko-KR" altLang="en-US" sz="1600"/>
               <a:t>를 설정</a:t>
             </a:r>
-            <a:endParaRPr lang="ko-KR" altLang="en-US" sz="1600"/>
-          </a:p>
-          <a:p>
-            <a:r>
-              <a:rPr lang="en-US" altLang="ko-KR" sz="1600"/>
-              <a:t>// </a:t>
-            </a:r>
-            <a:r>
-              <a:rPr lang="en-US" altLang="ko-KR" sz="1600" smtClean="0"/>
-              <a:t>TTL</a:t>
-            </a:r>
-            <a:r>
-              <a:rPr lang="ko-KR" altLang="en-US" sz="1600" smtClean="0"/>
+          </a:p>
+          <a:p>
+            <a:r>
+              <a:rPr lang="en-US" altLang="ko-KR" sz="1600"/>
+              <a:t>// TTL</a:t>
+            </a:r>
+            <a:r>
+              <a:rPr lang="ko-KR" altLang="en-US" sz="1600"/>
               <a:t>라는 것은</a:t>
             </a:r>
             <a:r>
-              <a:rPr lang="en-US" altLang="ja-JP" sz="1600" smtClean="0"/>
-              <a:t>…</a:t>
-            </a:r>
-            <a:r>
               <a:rPr lang="en-US" altLang="ja-JP" sz="1600"/>
-              <a:t>→</a:t>
+              <a:t>…→</a:t>
             </a:r>
             <a:r>
               <a:rPr lang="ja-JP" altLang="en-US" sz="1600"/>
@@ -11060,10 +10815,9 @@
               <a:t>// </a:t>
             </a:r>
             <a:r>
-              <a:rPr lang="ko-KR" altLang="en-US" sz="1600" smtClean="0"/>
+              <a:rPr lang="ko-KR" altLang="en-US" sz="1600"/>
               <a:t>데이터를 보낸다</a:t>
             </a:r>
-            <a:endParaRPr lang="ko-KR" altLang="en-US" sz="1600"/>
           </a:p>
           <a:p>
             <a:r>
@@ -11154,14 +10908,13 @@
           <a:lstStyle/>
           <a:p>
             <a:r>
-              <a:rPr lang="en-US" altLang="ko-KR" sz="3200" b="1" smtClean="0"/>
+              <a:rPr lang="en-US" altLang="ko-KR" sz="3200" b="1"/>
               <a:t>UDP </a:t>
             </a:r>
             <a:r>
-              <a:rPr lang="ko-KR" altLang="en-US" sz="3200" b="1" smtClean="0"/>
+              <a:rPr lang="ko-KR" altLang="en-US" sz="3200" b="1"/>
               <a:t>브로드캐스트</a:t>
             </a:r>
-            <a:endParaRPr lang="ko-KR" altLang="en-US" sz="3200" b="1"/>
           </a:p>
         </p:txBody>
       </p:sp>
@@ -11203,41 +10956,20 @@
           <a:p>
             <a:r>
               <a:rPr lang="en-US" altLang="ko-KR" sz="1600"/>
-              <a:t>Socket s = new Socket</a:t>
-            </a:r>
-            <a:r>
-              <a:rPr lang="en-US" altLang="ko-KR" sz="1600" smtClean="0"/>
-              <a:t>( AddressFamily.InterNetwork</a:t>
-            </a:r>
-            <a:r>
-              <a:rPr lang="en-US" altLang="ko-KR" sz="1600"/>
-              <a:t>, </a:t>
-            </a:r>
-            <a:r>
-              <a:rPr lang="en-US" altLang="ko-KR" sz="1600" smtClean="0"/>
-              <a:t/>
+              <a:t>Socket s = new Socket( AddressFamily.InterNetwork, </a:t>
             </a:r>
             <a:br>
-              <a:rPr lang="en-US" altLang="ko-KR" sz="1600" smtClean="0"/>
+              <a:rPr lang="en-US" altLang="ko-KR" sz="1600"/>
             </a:br>
             <a:r>
-              <a:rPr lang="en-US" altLang="ko-KR" sz="1600" smtClean="0"/>
-              <a:t>                               SocketType.Dgram</a:t>
-            </a:r>
-            <a:r>
-              <a:rPr lang="en-US" altLang="ko-KR" sz="1600"/>
-              <a:t>, </a:t>
-            </a:r>
-            <a:endParaRPr lang="en-US" altLang="ko-KR" sz="1600" smtClean="0"/>
-          </a:p>
-          <a:p>
-            <a:r>
-              <a:rPr lang="en-US" altLang="ko-KR" sz="1600"/>
-              <a:t> </a:t>
-            </a:r>
-            <a:r>
-              <a:rPr lang="en-US" altLang="ko-KR" sz="1600" smtClean="0"/>
-              <a:t>                              ProtocolType.Udp );</a:t>
+              <a:rPr lang="en-US" altLang="ko-KR" sz="1600"/>
+              <a:t>                               SocketType.Dgram, </a:t>
+            </a:r>
+          </a:p>
+          <a:p>
+            <a:r>
+              <a:rPr lang="en-US" altLang="ko-KR" sz="1600"/>
+              <a:t>                               ProtocolType.Udp );</a:t>
             </a:r>
           </a:p>
           <a:p>
@@ -11250,15 +10982,15 @@
             </a:r>
           </a:p>
           <a:p>
-            <a:endParaRPr lang="en-US" altLang="ko-KR" sz="1600" smtClean="0"/>
-          </a:p>
-          <a:p>
-            <a:r>
-              <a:rPr lang="en-US" altLang="ko-KR" sz="1600" smtClean="0"/>
+            <a:endParaRPr lang="en-US" altLang="ko-KR" sz="1600"/>
+          </a:p>
+          <a:p>
+            <a:r>
+              <a:rPr lang="en-US" altLang="ko-KR" sz="1600"/>
               <a:t>// </a:t>
             </a:r>
             <a:r>
-              <a:rPr lang="ko-KR" altLang="en-US" sz="1600" smtClean="0"/>
+              <a:rPr lang="ko-KR" altLang="en-US" sz="1600"/>
               <a:t>브로드캐스트는 옵션으로 사용 가능하도록 한다 </a:t>
             </a:r>
             <a:endParaRPr lang="ja-JP" altLang="en-US" sz="1600"/>
@@ -11362,18 +11094,17 @@
           <a:lstStyle/>
           <a:p>
             <a:r>
-              <a:rPr lang="ko-KR" altLang="en-US" sz="3200" b="1" smtClean="0"/>
+              <a:rPr lang="ko-KR" altLang="en-US" sz="3200" b="1"/>
               <a:t>맥어드레스 얻기 </a:t>
             </a:r>
             <a:r>
-              <a:rPr lang="en-US" altLang="ko-KR" sz="3200" b="1" smtClean="0"/>
+              <a:rPr lang="en-US" altLang="ko-KR" sz="3200" b="1"/>
               <a:t>- SendARP </a:t>
             </a:r>
             <a:r>
-              <a:rPr lang="ko-KR" altLang="en-US" sz="3200" b="1" smtClean="0"/>
+              <a:rPr lang="ko-KR" altLang="en-US" sz="3200" b="1"/>
               <a:t>방식</a:t>
             </a:r>
-            <a:endParaRPr lang="ko-KR" altLang="en-US" sz="3200" b="1"/>
           </a:p>
         </p:txBody>
       </p:sp>
@@ -11436,19 +11167,14 @@
           <a:p>
             <a:r>
               <a:rPr lang="en-US" altLang="ko-KR" sz="1600"/>
-              <a:t>private byte[] getMacAddress(string val</a:t>
-            </a:r>
-            <a:r>
-              <a:rPr lang="en-US" altLang="ko-KR" sz="1600" smtClean="0"/>
-              <a:t>)</a:t>
-            </a:r>
-          </a:p>
-          <a:p>
-            <a:r>
-              <a:rPr lang="en-US" altLang="ko-KR" sz="1600" smtClean="0"/>
+              <a:t>private byte[] getMacAddress(string val)</a:t>
+            </a:r>
+          </a:p>
+          <a:p>
+            <a:r>
+              <a:rPr lang="en-US" altLang="ko-KR" sz="1600"/>
               <a:t>{</a:t>
             </a:r>
-            <a:endParaRPr lang="en-US" altLang="ko-KR" sz="1600"/>
           </a:p>
           <a:p>
             <a:r>
@@ -11565,10 +11291,9 @@
           <a:lstStyle/>
           <a:p>
             <a:r>
-              <a:rPr lang="ko-KR" altLang="en-US" sz="3200" b="1" smtClean="0"/>
+              <a:rPr lang="ko-KR" altLang="en-US" sz="3200" b="1"/>
               <a:t>스트림</a:t>
             </a:r>
-            <a:endParaRPr lang="ko-KR" altLang="en-US" sz="3200" b="1"/>
           </a:p>
         </p:txBody>
       </p:sp>
@@ -11599,17 +11324,17 @@
               <a:buChar char="§"/>
             </a:pPr>
             <a:r>
-              <a:rPr lang="ko-KR" altLang="en-US" smtClean="0"/>
+              <a:rPr lang="ko-KR" altLang="en-US"/>
               <a:t>순차적으로 흘러오는 데이터를 뜻한다</a:t>
             </a:r>
             <a:r>
-              <a:rPr lang="en-US" altLang="ko-KR" smtClean="0"/>
+              <a:rPr lang="en-US" altLang="ko-KR"/>
               <a:t>.</a:t>
             </a:r>
             <a:br>
-              <a:rPr lang="en-US" altLang="ko-KR" smtClean="0"/>
+              <a:rPr lang="en-US" altLang="ko-KR"/>
             </a:br>
-            <a:endParaRPr lang="en-US" altLang="ko-KR" smtClean="0"/>
+            <a:endParaRPr lang="en-US" altLang="ko-KR"/>
           </a:p>
           <a:p>
             <a:pPr marL="285750" indent="-285750">
@@ -11617,39 +11342,35 @@
               <a:buChar char="§"/>
             </a:pPr>
             <a:r>
-              <a:rPr lang="ko-KR" altLang="en-US" smtClean="0"/>
+              <a:rPr lang="ko-KR" altLang="en-US"/>
               <a:t>닷넷에서는 다음과 같은 스트림 클래스가 있다</a:t>
             </a:r>
             <a:r>
-              <a:rPr lang="en-US" altLang="ko-KR" smtClean="0"/>
+              <a:rPr lang="en-US" altLang="ko-KR"/>
               <a:t>.</a:t>
             </a:r>
             <a:br>
-              <a:rPr lang="en-US" altLang="ko-KR" smtClean="0"/>
+              <a:rPr lang="en-US" altLang="ko-KR"/>
             </a:br>
             <a:r>
-              <a:rPr lang="en-US" altLang="ko-KR" smtClean="0"/>
+              <a:rPr lang="en-US" altLang="ko-KR"/>
               <a:t>FileStream, NetworkStream, MemoryStream, BufferedStream</a:t>
             </a:r>
             <a:br>
-              <a:rPr lang="en-US" altLang="ko-KR" smtClean="0"/>
+              <a:rPr lang="en-US" altLang="ko-KR"/>
             </a:br>
             <a:r>
-              <a:rPr lang="en-US" altLang="ko-KR" smtClean="0"/>
+              <a:rPr lang="en-US" altLang="ko-KR"/>
               <a:t>BufferedStream: </a:t>
             </a:r>
             <a:r>
-              <a:rPr lang="ko-KR" altLang="en-US" smtClean="0"/>
+              <a:rPr lang="ko-KR" altLang="en-US"/>
               <a:t>다른 스트림을 버퍼링하는 스트림</a:t>
             </a:r>
-            <a:r>
-              <a:rPr lang="en-US" altLang="ko-KR" smtClean="0"/>
-              <a:t/>
-            </a:r>
             <a:br>
-              <a:rPr lang="en-US" altLang="ko-KR" smtClean="0"/>
+              <a:rPr lang="en-US" altLang="ko-KR"/>
             </a:br>
-            <a:endParaRPr lang="en-US" altLang="ko-KR" smtClean="0"/>
+            <a:endParaRPr lang="en-US" altLang="ko-KR"/>
           </a:p>
           <a:p>
             <a:pPr marL="285750" indent="-285750">
@@ -11657,79 +11378,79 @@
               <a:buChar char="§"/>
             </a:pPr>
             <a:r>
-              <a:rPr lang="ko-KR" altLang="en-US" smtClean="0"/>
+              <a:rPr lang="ko-KR" altLang="en-US"/>
               <a:t>이 스트림들에 읽기</a:t>
             </a:r>
             <a:r>
-              <a:rPr lang="en-US" altLang="ko-KR" smtClean="0"/>
+              <a:rPr lang="en-US" altLang="ko-KR"/>
               <a:t>/</a:t>
             </a:r>
             <a:r>
-              <a:rPr lang="ko-KR" altLang="en-US" smtClean="0"/>
+              <a:rPr lang="ko-KR" altLang="en-US"/>
               <a:t>쓰기를 할 때는 기본적으로 </a:t>
             </a:r>
             <a:r>
-              <a:rPr lang="en-US" altLang="ko-KR" smtClean="0"/>
+              <a:rPr lang="en-US" altLang="ko-KR"/>
               <a:t>Reader</a:t>
             </a:r>
             <a:r>
-              <a:rPr lang="ko-KR" altLang="en-US" smtClean="0"/>
+              <a:rPr lang="ko-KR" altLang="en-US"/>
               <a:t>와 </a:t>
             </a:r>
             <a:r>
-              <a:rPr lang="en-US" altLang="ko-KR" smtClean="0"/>
+              <a:rPr lang="en-US" altLang="ko-KR"/>
               <a:t>Writer</a:t>
             </a:r>
             <a:r>
-              <a:rPr lang="ko-KR" altLang="en-US" smtClean="0"/>
+              <a:rPr lang="ko-KR" altLang="en-US"/>
               <a:t>를 사용한다</a:t>
             </a:r>
             <a:r>
-              <a:rPr lang="en-US" altLang="ko-KR" smtClean="0"/>
+              <a:rPr lang="en-US" altLang="ko-KR"/>
               <a:t>.</a:t>
             </a:r>
             <a:br>
-              <a:rPr lang="en-US" altLang="ko-KR" smtClean="0"/>
+              <a:rPr lang="en-US" altLang="ko-KR"/>
             </a:br>
             <a:r>
-              <a:rPr lang="ko-KR" altLang="en-US" smtClean="0"/>
+              <a:rPr lang="ko-KR" altLang="en-US"/>
               <a:t>바이너리 읽기</a:t>
             </a:r>
             <a:r>
-              <a:rPr lang="en-US" altLang="ko-KR" smtClean="0"/>
+              <a:rPr lang="en-US" altLang="ko-KR"/>
               <a:t>/</a:t>
             </a:r>
             <a:r>
-              <a:rPr lang="ko-KR" altLang="en-US" smtClean="0"/>
+              <a:rPr lang="ko-KR" altLang="en-US"/>
               <a:t>쓰기</a:t>
             </a:r>
             <a:r>
-              <a:rPr lang="en-US" altLang="ko-KR" smtClean="0"/>
+              <a:rPr lang="en-US" altLang="ko-KR"/>
               <a:t>: BinaryReader, BinaryWriter </a:t>
             </a:r>
             <a:br>
-              <a:rPr lang="en-US" altLang="ko-KR" smtClean="0"/>
+              <a:rPr lang="en-US" altLang="ko-KR"/>
             </a:br>
             <a:r>
-              <a:rPr lang="ko-KR" altLang="en-US" smtClean="0"/>
+              <a:rPr lang="ko-KR" altLang="en-US"/>
               <a:t>텍스트 읽기</a:t>
             </a:r>
             <a:r>
-              <a:rPr lang="en-US" altLang="ko-KR" smtClean="0"/>
+              <a:rPr lang="en-US" altLang="ko-KR"/>
               <a:t>/</a:t>
             </a:r>
             <a:r>
-              <a:rPr lang="ko-KR" altLang="en-US" smtClean="0"/>
+              <a:rPr lang="ko-KR" altLang="en-US"/>
               <a:t>쓰기</a:t>
             </a:r>
             <a:r>
-              <a:rPr lang="en-US" altLang="ko-KR" smtClean="0"/>
+              <a:rPr lang="en-US" altLang="ko-KR"/>
               <a:t>: StreamReader, StreamWriter</a:t>
             </a:r>
             <a:br>
-              <a:rPr lang="en-US" altLang="ko-KR" smtClean="0"/>
+              <a:rPr lang="en-US" altLang="ko-KR"/>
             </a:br>
-            <a:endParaRPr lang="en-US" altLang="ko-KR" smtClean="0"/>
+            <a:endParaRPr lang="en-US" altLang="ko-KR"/>
           </a:p>
           <a:p>
             <a:pPr marL="285750" indent="-285750">
@@ -11737,33 +11458,33 @@
               <a:buChar char="§"/>
             </a:pPr>
             <a:r>
-              <a:rPr lang="ko-KR" altLang="en-US" smtClean="0"/>
+              <a:rPr lang="ko-KR" altLang="en-US"/>
               <a:t>스트림 클래스 자체에도 </a:t>
             </a:r>
             <a:r>
-              <a:rPr lang="en-US" altLang="ko-KR" smtClean="0"/>
+              <a:rPr lang="en-US" altLang="ko-KR"/>
               <a:t>Read</a:t>
             </a:r>
             <a:r>
-              <a:rPr lang="ko-KR" altLang="en-US" smtClean="0"/>
+              <a:rPr lang="ko-KR" altLang="en-US"/>
               <a:t>와 </a:t>
             </a:r>
             <a:r>
-              <a:rPr lang="en-US" altLang="ko-KR" smtClean="0"/>
+              <a:rPr lang="en-US" altLang="ko-KR"/>
               <a:t>Write</a:t>
             </a:r>
             <a:r>
-              <a:rPr lang="ko-KR" altLang="en-US" smtClean="0"/>
+              <a:rPr lang="ko-KR" altLang="en-US"/>
               <a:t>가 있지만 문자 코드의 엔코딩 방법등을 지정할 수 없다</a:t>
             </a:r>
             <a:r>
-              <a:rPr lang="en-US" altLang="ko-KR" smtClean="0"/>
+              <a:rPr lang="en-US" altLang="ko-KR"/>
               <a:t>.</a:t>
             </a:r>
             <a:br>
-              <a:rPr lang="en-US" altLang="ko-KR" smtClean="0"/>
+              <a:rPr lang="en-US" altLang="ko-KR"/>
             </a:br>
-            <a:endParaRPr lang="en-US" altLang="ko-KR" smtClean="0"/>
+            <a:endParaRPr lang="en-US" altLang="ko-KR"/>
           </a:p>
           <a:p>
             <a:pPr marL="285750" indent="-285750">
@@ -11771,35 +11492,35 @@
               <a:buChar char="§"/>
             </a:pPr>
             <a:r>
-              <a:rPr lang="ko-KR" altLang="en-US" smtClean="0"/>
+              <a:rPr lang="ko-KR" altLang="en-US"/>
               <a:t>스트림 클래스와 </a:t>
             </a:r>
             <a:r>
-              <a:rPr lang="en-US" altLang="ko-KR" smtClean="0"/>
+              <a:rPr lang="en-US" altLang="ko-KR"/>
               <a:t>Reader </a:t>
             </a:r>
             <a:r>
-              <a:rPr lang="ko-KR" altLang="en-US" smtClean="0"/>
+              <a:rPr lang="ko-KR" altLang="en-US"/>
               <a:t>클래스</a:t>
             </a:r>
             <a:r>
-              <a:rPr lang="en-US" altLang="ko-KR" smtClean="0"/>
+              <a:rPr lang="en-US" altLang="ko-KR"/>
               <a:t>/Writer </a:t>
             </a:r>
             <a:r>
-              <a:rPr lang="ko-KR" altLang="en-US" smtClean="0"/>
+              <a:rPr lang="ko-KR" altLang="en-US"/>
               <a:t>클래스를 조합하면 스트림의 접근과 스트림에 대한 읽기</a:t>
             </a:r>
             <a:r>
-              <a:rPr lang="en-US" altLang="ko-KR" smtClean="0"/>
+              <a:rPr lang="en-US" altLang="ko-KR"/>
               <a:t>/</a:t>
             </a:r>
             <a:r>
-              <a:rPr lang="ko-KR" altLang="en-US" smtClean="0"/>
+              <a:rPr lang="ko-KR" altLang="en-US"/>
               <a:t>쓰기를 할 수 있다</a:t>
             </a:r>
             <a:r>
-              <a:rPr lang="en-US" altLang="ko-KR" smtClean="0"/>
+              <a:rPr lang="en-US" altLang="ko-KR"/>
               <a:t>.</a:t>
             </a:r>
             <a:endParaRPr lang="ko-KR" altLang="en-US"/>
@@ -11858,22 +11579,21 @@
           <a:lstStyle/>
           <a:p>
             <a:r>
-              <a:rPr lang="en-US" altLang="ko-KR" sz="3200" b="1" smtClean="0"/>
+              <a:rPr lang="en-US" altLang="ko-KR" sz="3200" b="1"/>
               <a:t>IP, </a:t>
             </a:r>
             <a:r>
-              <a:rPr lang="ko-KR" altLang="en-US" sz="3200" b="1" smtClean="0"/>
+              <a:rPr lang="ko-KR" altLang="en-US" sz="3200" b="1"/>
               <a:t>맥어드레스 얻기 </a:t>
             </a:r>
             <a:r>
-              <a:rPr lang="en-US" altLang="ko-KR" sz="3200" b="1" smtClean="0"/>
+              <a:rPr lang="en-US" altLang="ko-KR" sz="3200" b="1"/>
               <a:t>- NetworkInformation </a:t>
             </a:r>
             <a:r>
-              <a:rPr lang="ko-KR" altLang="en-US" sz="3200" b="1" smtClean="0"/>
+              <a:rPr lang="ko-KR" altLang="en-US" sz="3200" b="1"/>
               <a:t>방식</a:t>
             </a:r>
-            <a:endParaRPr lang="ko-KR" altLang="en-US" sz="3200" b="1"/>
           </a:p>
         </p:txBody>
       </p:sp>
@@ -11899,20 +11619,8 @@
           <a:lstStyle/>
           <a:p>
             <a:r>
-              <a:rPr lang="en-US" altLang="ko-KR" sz="1400" smtClean="0"/>
-              <a:t>    var </a:t>
-            </a:r>
-            <a:r>
               <a:rPr lang="en-US" altLang="ko-KR" sz="1400"/>
-              <a:t>adapters </a:t>
-            </a:r>
-            <a:r>
-              <a:rPr lang="en-US" altLang="ko-KR" sz="1400" smtClean="0"/>
-              <a:t>= System.Net.NetworkInformation.NetworkInterface.GetAllNetworkInterfaces</a:t>
-            </a:r>
-            <a:r>
-              <a:rPr lang="en-US" altLang="ko-KR" sz="1400"/>
-              <a:t>();</a:t>
+              <a:t>    var adapters = System.Net.NetworkInformation.NetworkInterface.GetAllNetworkInterfaces();</a:t>
             </a:r>
           </a:p>
           <a:p>
@@ -11920,33 +11628,23 @@
               <a:rPr lang="en-US" altLang="ko-KR" sz="1400"/>
               <a:t>            </a:t>
             </a:r>
-            <a:endParaRPr lang="en-US" altLang="ko-KR" sz="1400" smtClean="0"/>
-          </a:p>
-          <a:p>
-            <a:r>
-              <a:rPr lang="en-US" altLang="ko-KR" sz="1400" smtClean="0"/>
-              <a:t>    foreach </a:t>
-            </a:r>
+          </a:p>
+          <a:p>
             <a:r>
               <a:rPr lang="en-US" altLang="ko-KR" sz="1400"/>
-              <a:t>(var adapter in adapters)</a:t>
-            </a:r>
-          </a:p>
-          <a:p>
-            <a:r>
-              <a:rPr lang="en-US" altLang="ko-KR" sz="1400" smtClean="0"/>
+              <a:t>    foreach (var adapter in adapters)</a:t>
+            </a:r>
+          </a:p>
+          <a:p>
+            <a:r>
+              <a:rPr lang="en-US" altLang="ko-KR" sz="1400"/>
               <a:t>    {</a:t>
             </a:r>
-            <a:endParaRPr lang="en-US" altLang="ko-KR" sz="1400"/>
-          </a:p>
-          <a:p>
-            <a:r>
-              <a:rPr lang="en-US" altLang="ko-KR" sz="1400" smtClean="0"/>
-              <a:t>        if </a:t>
-            </a:r>
+          </a:p>
+          <a:p>
             <a:r>
               <a:rPr lang="en-US" altLang="ko-KR" sz="1400"/>
-              <a:t>(adapter.OperationalStatus.Equals(System.Net.NetworkInformation.OperationalStatus.Up))</a:t>
+              <a:t>        if (adapter.OperationalStatus.Equals(System.Net.NetworkInformation.OperationalStatus.Up))</a:t>
             </a:r>
           </a:p>
           <a:p>
@@ -11955,33 +11653,20 @@
               <a:t>        </a:t>
             </a:r>
             <a:r>
-              <a:rPr lang="en-US" altLang="ko-KR" sz="1400" smtClean="0"/>
+              <a:rPr lang="en-US" altLang="ko-KR" sz="1400"/>
               <a:t>{</a:t>
             </a:r>
-            <a:endParaRPr lang="en-US" altLang="ko-KR" sz="1400"/>
-          </a:p>
-          <a:p>
-            <a:r>
-              <a:rPr lang="en-US" altLang="ko-KR" sz="1400" smtClean="0"/>
-              <a:t>            var </a:t>
-            </a:r>
+          </a:p>
+          <a:p>
             <a:r>
               <a:rPr lang="en-US" altLang="ko-KR" sz="1400"/>
-              <a:t>properties = adapter.GetIPProperties();</a:t>
+              <a:t>            var properties = adapter.GetIPProperties();</a:t>
             </a:r>
           </a:p>
           <a:p>
             <a:r>
               <a:rPr lang="en-US" altLang="ko-KR" sz="1400"/>
-              <a:t>            </a:t>
-            </a:r>
-            <a:r>
-              <a:rPr lang="en-US" altLang="ko-KR" sz="1400" smtClean="0"/>
-              <a:t>foreach </a:t>
-            </a:r>
-            <a:r>
-              <a:rPr lang="en-US" altLang="ko-KR" sz="1400"/>
-              <a:t>(var ipInfo in properties.UnicastAddresses)</a:t>
+              <a:t>            foreach (var ipInfo in properties.UnicastAddresses)</a:t>
             </a:r>
           </a:p>
           <a:p>
@@ -11990,37 +11675,20 @@
               <a:t>            </a:t>
             </a:r>
             <a:r>
-              <a:rPr lang="en-US" altLang="ko-KR" sz="1400" smtClean="0"/>
+              <a:rPr lang="en-US" altLang="ko-KR" sz="1400"/>
               <a:t>{</a:t>
             </a:r>
-            <a:endParaRPr lang="en-US" altLang="ko-KR" sz="1400"/>
           </a:p>
           <a:p>
             <a:r>
               <a:rPr lang="en-US" altLang="ko-KR" sz="1400"/>
-              <a:t>            </a:t>
-            </a:r>
-            <a:r>
-              <a:rPr lang="en-US" altLang="ko-KR" sz="1400" smtClean="0"/>
-              <a:t>    var </a:t>
-            </a:r>
+              <a:t>                var ip = ipInfo.Address;</a:t>
+            </a:r>
+          </a:p>
+          <a:p>
             <a:r>
               <a:rPr lang="en-US" altLang="ko-KR" sz="1400"/>
-              <a:t>ip = ipInfo.Address;</a:t>
-            </a:r>
-          </a:p>
-          <a:p>
-            <a:r>
-              <a:rPr lang="en-US" altLang="ko-KR" sz="1400"/>
-              <a:t>                </a:t>
-            </a:r>
-            <a:r>
-              <a:rPr lang="en-US" altLang="ko-KR" sz="1400" smtClean="0"/>
-              <a:t>if </a:t>
-            </a:r>
-            <a:r>
-              <a:rPr lang="en-US" altLang="ko-KR" sz="1400"/>
-              <a:t>(!System.Net.IPAddress.IsLoopback(ip))</a:t>
+              <a:t>                if (!System.Net.IPAddress.IsLoopback(ip))</a:t>
             </a:r>
           </a:p>
           <a:p>
@@ -12029,33 +11697,20 @@
               <a:t>                </a:t>
             </a:r>
             <a:r>
-              <a:rPr lang="en-US" altLang="ko-KR" sz="1400" smtClean="0"/>
+              <a:rPr lang="en-US" altLang="ko-KR" sz="1400"/>
               <a:t>{</a:t>
             </a:r>
-            <a:endParaRPr lang="en-US" altLang="ko-KR" sz="1400"/>
-          </a:p>
-          <a:p>
-            <a:r>
-              <a:rPr lang="en-US" altLang="ko-KR" sz="1400" smtClean="0"/>
-              <a:t>                    Console.WriteLine</a:t>
-            </a:r>
+          </a:p>
+          <a:p>
             <a:r>
               <a:rPr lang="en-US" altLang="ko-KR" sz="1400"/>
-              <a:t>("IP = " + ip);</a:t>
+              <a:t>                    Console.WriteLine("IP = " + ip);</a:t>
             </a:r>
           </a:p>
           <a:p>
             <a:r>
               <a:rPr lang="en-US" altLang="ko-KR" sz="1400"/>
-              <a:t>                    </a:t>
-            </a:r>
-            <a:r>
-              <a:rPr lang="en-US" altLang="ko-KR" sz="1400" smtClean="0"/>
-              <a:t>Console.WriteLine</a:t>
-            </a:r>
-            <a:r>
-              <a:rPr lang="en-US" altLang="ko-KR" sz="1400"/>
-              <a:t>("MAC = " + adapter.GetPhysicalAddress());</a:t>
+              <a:t>                    Console.WriteLine("MAC = " + adapter.GetPhysicalAddress());</a:t>
             </a:r>
           </a:p>
           <a:p>
@@ -12064,10 +11719,9 @@
               <a:t>                </a:t>
             </a:r>
             <a:r>
-              <a:rPr lang="en-US" altLang="ko-KR" sz="1400" smtClean="0"/>
+              <a:rPr lang="en-US" altLang="ko-KR" sz="1400"/>
               <a:t>}</a:t>
             </a:r>
-            <a:endParaRPr lang="en-US" altLang="ko-KR" sz="1400"/>
           </a:p>
           <a:p>
             <a:r>
@@ -12075,10 +11729,9 @@
               <a:t>             </a:t>
             </a:r>
             <a:r>
-              <a:rPr lang="en-US" altLang="ko-KR" sz="1400" smtClean="0"/>
+              <a:rPr lang="en-US" altLang="ko-KR" sz="1400"/>
               <a:t>}</a:t>
             </a:r>
-            <a:endParaRPr lang="en-US" altLang="ko-KR" sz="1400"/>
           </a:p>
           <a:p>
             <a:r>
@@ -12086,10 +11739,9 @@
               <a:t>         </a:t>
             </a:r>
             <a:r>
-              <a:rPr lang="en-US" altLang="ko-KR" sz="1400" smtClean="0"/>
+              <a:rPr lang="en-US" altLang="ko-KR" sz="1400"/>
               <a:t>}</a:t>
             </a:r>
-            <a:endParaRPr lang="en-US" altLang="ko-KR" sz="1400"/>
           </a:p>
           <a:p>
             <a:r>
@@ -12097,7 +11749,7 @@
               <a:t>    </a:t>
             </a:r>
             <a:r>
-              <a:rPr lang="en-US" altLang="ko-KR" sz="1400" smtClean="0"/>
+              <a:rPr lang="en-US" altLang="ko-KR" sz="1400"/>
               <a:t>}</a:t>
             </a:r>
             <a:endParaRPr lang="ko-KR" altLang="en-US" sz="1400"/>
@@ -12156,18 +11808,17 @@
           <a:lstStyle/>
           <a:p>
             <a:r>
-              <a:rPr lang="ko-KR" altLang="en-US" sz="3200" b="1" smtClean="0"/>
+              <a:rPr lang="ko-KR" altLang="en-US" sz="3200" b="1"/>
               <a:t>자신의 </a:t>
             </a:r>
             <a:r>
-              <a:rPr lang="en-US" altLang="ko-KR" sz="3200" b="1" smtClean="0"/>
+              <a:rPr lang="en-US" altLang="ko-KR" sz="3200" b="1"/>
               <a:t>IP </a:t>
             </a:r>
             <a:r>
-              <a:rPr lang="ko-KR" altLang="en-US" sz="3200" b="1" smtClean="0"/>
+              <a:rPr lang="ko-KR" altLang="en-US" sz="3200" b="1"/>
               <a:t>얻기</a:t>
             </a:r>
-            <a:endParaRPr lang="ko-KR" altLang="en-US" sz="3200" b="1"/>
           </a:p>
         </p:txBody>
       </p:sp>
@@ -12252,10 +11903,9 @@
           <a:lstStyle/>
           <a:p>
             <a:r>
-              <a:rPr lang="ko-KR" altLang="en-US" sz="3200" b="1" smtClean="0"/>
+              <a:rPr lang="ko-KR" altLang="en-US" sz="3200" b="1"/>
               <a:t>소켓 타임 아웃 설정</a:t>
             </a:r>
-            <a:endParaRPr lang="ko-KR" altLang="en-US" sz="3200" b="1"/>
           </a:p>
         </p:txBody>
       </p:sp>
@@ -12285,7 +11935,7 @@
               <a:t>// </a:t>
             </a:r>
             <a:r>
-              <a:rPr lang="ko-KR" altLang="en-US" sz="1600" smtClean="0"/>
+              <a:rPr lang="ko-KR" altLang="en-US" sz="1600"/>
               <a:t>접속 대기</a:t>
             </a:r>
             <a:endParaRPr lang="ja-JP" altLang="en-US" sz="1600"/>
@@ -12302,56 +11952,30 @@
           <a:p>
             <a:r>
               <a:rPr lang="en-US" altLang="ko-KR" sz="1600"/>
-              <a:t>// </a:t>
-            </a:r>
-            <a:r>
-              <a:rPr lang="en-US" altLang="ko-KR" sz="1600" smtClean="0"/>
-              <a:t>2</a:t>
-            </a:r>
-            <a:r>
-              <a:rPr lang="ko-KR" altLang="en-US" sz="1600" smtClean="0"/>
+              <a:t>// 2</a:t>
+            </a:r>
+            <a:r>
+              <a:rPr lang="ko-KR" altLang="en-US" sz="1600"/>
               <a:t>초 동안 수신하지 못하면 타임아웃으로 설정</a:t>
             </a:r>
-            <a:endParaRPr lang="ko-KR" altLang="en-US" sz="1600"/>
-          </a:p>
-          <a:p>
-            <a:r>
-              <a:rPr lang="en-US" altLang="ko-KR" sz="1600"/>
-              <a:t>client.SetSocketOption</a:t>
-            </a:r>
-            <a:r>
-              <a:rPr lang="en-US" altLang="ko-KR" sz="1600" smtClean="0"/>
-              <a:t>( SocketOptionLevel.Socket</a:t>
-            </a:r>
-            <a:r>
-              <a:rPr lang="en-US" altLang="ko-KR" sz="1600"/>
-              <a:t>, </a:t>
-            </a:r>
-            <a:r>
-              <a:rPr lang="en-US" altLang="ko-KR" sz="1600" smtClean="0"/>
-              <a:t/>
+          </a:p>
+          <a:p>
+            <a:r>
+              <a:rPr lang="en-US" altLang="ko-KR" sz="1600"/>
+              <a:t>client.SetSocketOption( SocketOptionLevel.Socket, </a:t>
             </a:r>
             <a:br>
-              <a:rPr lang="en-US" altLang="ko-KR" sz="1600" smtClean="0"/>
+              <a:rPr lang="en-US" altLang="ko-KR" sz="1600"/>
             </a:br>
             <a:r>
-              <a:rPr lang="en-US" altLang="ko-KR" sz="1600" smtClean="0"/>
-              <a:t>                               SocketOptionName.ReceiveTimeout</a:t>
-            </a:r>
-            <a:r>
-              <a:rPr lang="en-US" altLang="ko-KR" sz="1600"/>
-              <a:t>, </a:t>
-            </a:r>
-            <a:endParaRPr lang="en-US" altLang="ko-KR" sz="1600" smtClean="0"/>
-          </a:p>
-          <a:p>
-            <a:r>
-              <a:rPr lang="en-US" altLang="ko-KR" sz="1600"/>
-              <a:t> </a:t>
-            </a:r>
-            <a:r>
-              <a:rPr lang="en-US" altLang="ko-KR" sz="1600" smtClean="0"/>
-              <a:t>                              2000 );</a:t>
+              <a:rPr lang="en-US" altLang="ko-KR" sz="1600"/>
+              <a:t>                               SocketOptionName.ReceiveTimeout, </a:t>
+            </a:r>
+          </a:p>
+          <a:p>
+            <a:r>
+              <a:rPr lang="en-US" altLang="ko-KR" sz="1600"/>
+              <a:t>                               2000 );</a:t>
             </a:r>
             <a:endParaRPr lang="ko-KR" altLang="en-US" sz="1600"/>
           </a:p>
@@ -12529,72 +12153,64 @@
           </a:p>
           <a:p>
             <a:r>
-              <a:rPr lang="en-US" altLang="ja-JP" sz="1600" smtClean="0"/>
+              <a:rPr lang="en-US" altLang="ja-JP" sz="1600"/>
               <a:t>    // </a:t>
             </a:r>
             <a:r>
-              <a:rPr lang="ko-KR" altLang="en-US" sz="1600" smtClean="0"/>
+              <a:rPr lang="ko-KR" altLang="en-US" sz="1600"/>
               <a:t>직렬화 하지 않는다</a:t>
             </a:r>
             <a:endParaRPr lang="ja-JP" altLang="en-US" sz="1600"/>
           </a:p>
           <a:p>
             <a:r>
-              <a:rPr lang="ja-JP" altLang="en-US" sz="1600" smtClean="0"/>
+              <a:rPr lang="ja-JP" altLang="en-US" sz="1600"/>
               <a:t>    </a:t>
             </a:r>
             <a:r>
-              <a:rPr lang="en-US" altLang="ja-JP" sz="1600" smtClean="0"/>
+              <a:rPr lang="en-US" altLang="ja-JP" sz="1600"/>
               <a:t>// </a:t>
             </a:r>
             <a:r>
-              <a:rPr lang="ko-KR" altLang="en-US" sz="1600" smtClean="0"/>
+              <a:rPr lang="ko-KR" altLang="en-US" sz="1600"/>
               <a:t>역질력화 할 때도 </a:t>
             </a:r>
             <a:r>
-              <a:rPr lang="en-US" altLang="ja-JP" sz="1600" smtClean="0"/>
+              <a:rPr lang="en-US" altLang="ja-JP" sz="1600"/>
               <a:t>100</a:t>
             </a:r>
             <a:r>
-              <a:rPr lang="ko-KR" altLang="en-US" sz="1600" smtClean="0"/>
+              <a:rPr lang="ko-KR" altLang="en-US" sz="1600"/>
               <a:t>은 저장 되지 않는다</a:t>
             </a:r>
             <a:r>
-              <a:rPr lang="en-US" altLang="ja-JP" sz="1600" smtClean="0"/>
+              <a:rPr lang="en-US" altLang="ja-JP" sz="1600"/>
               <a:t>(0</a:t>
             </a:r>
             <a:r>
-              <a:rPr lang="ko-KR" altLang="en-US" sz="1600" smtClean="0"/>
+              <a:rPr lang="ko-KR" altLang="en-US" sz="1600"/>
               <a:t>으로 된다</a:t>
             </a:r>
             <a:r>
-              <a:rPr lang="en-US" altLang="ko-KR" sz="1600" smtClean="0"/>
+              <a:rPr lang="en-US" altLang="ko-KR" sz="1600"/>
               <a:t>)</a:t>
             </a:r>
             <a:endParaRPr lang="ja-JP" altLang="en-US" sz="1600"/>
           </a:p>
           <a:p>
             <a:r>
-              <a:rPr lang="ja-JP" altLang="en-US" sz="1600" smtClean="0"/>
+              <a:rPr lang="ja-JP" altLang="en-US" sz="1600"/>
               <a:t>    </a:t>
             </a:r>
             <a:r>
-              <a:rPr lang="en-US" altLang="ja-JP" sz="1600" smtClean="0"/>
-              <a:t>[</a:t>
-            </a:r>
-            <a:r>
               <a:rPr lang="en-US" altLang="ja-JP" sz="1600"/>
-              <a:t>NonSerialized]</a:t>
-            </a:r>
-          </a:p>
-          <a:p>
-            <a:r>
-              <a:rPr lang="en-US" altLang="ja-JP" sz="1600" smtClean="0"/>
-              <a:t>    public </a:t>
-            </a:r>
+              <a:t>[NonSerialized]</a:t>
+            </a:r>
+          </a:p>
+          <a:p>
             <a:r>
               <a:rPr lang="en-US" altLang="ja-JP" sz="1600"/>
-              <a:t>int    PublicData = 100;</a:t>
+              <a:t>    public int    PublicData = 100;</a:t>
             </a:r>
           </a:p>
           <a:p>
@@ -12602,37 +12218,29 @@
           </a:p>
           <a:p>
             <a:r>
-              <a:rPr lang="en-US" altLang="ja-JP" sz="1600" smtClean="0"/>
+              <a:rPr lang="en-US" altLang="ja-JP" sz="1600"/>
               <a:t>    // </a:t>
             </a:r>
             <a:r>
-              <a:rPr lang="ko-KR" altLang="en-US" sz="1600" smtClean="0"/>
+              <a:rPr lang="ko-KR" altLang="en-US" sz="1600"/>
               <a:t>직렬화 한다</a:t>
             </a:r>
             <a:endParaRPr lang="ja-JP" altLang="en-US" sz="1600"/>
           </a:p>
           <a:p>
             <a:r>
-              <a:rPr lang="ja-JP" altLang="en-US" sz="1600" smtClean="0"/>
+              <a:rPr lang="ja-JP" altLang="en-US" sz="1600"/>
               <a:t>    </a:t>
             </a:r>
             <a:r>
-              <a:rPr lang="en-US" altLang="ja-JP" sz="1600" smtClean="0"/>
-              <a:t>public </a:t>
-            </a:r>
-            <a:r>
               <a:rPr lang="en-US" altLang="ja-JP" sz="1600"/>
-              <a:t>string StrData { get ; set; }</a:t>
-            </a:r>
-          </a:p>
-          <a:p>
-            <a:r>
-              <a:rPr lang="en-US" altLang="ja-JP" sz="1600" smtClean="0"/>
-              <a:t>    public </a:t>
-            </a:r>
+              <a:t>public string StrData { get ; set; }</a:t>
+            </a:r>
+          </a:p>
+          <a:p>
             <a:r>
               <a:rPr lang="en-US" altLang="ja-JP" sz="1600"/>
-              <a:t>int    NumData { get; set;}</a:t>
+              <a:t>    public int    NumData { get; set;}</a:t>
             </a:r>
           </a:p>
           <a:p>
@@ -12640,84 +12248,66 @@
           </a:p>
           <a:p>
             <a:r>
-              <a:rPr lang="en-US" altLang="ja-JP" sz="1600" smtClean="0"/>
+              <a:rPr lang="en-US" altLang="ja-JP" sz="1600"/>
               <a:t>    // </a:t>
             </a:r>
             <a:r>
-              <a:rPr lang="ko-KR" altLang="en-US" sz="1600" smtClean="0"/>
+              <a:rPr lang="ko-KR" altLang="en-US" sz="1600"/>
               <a:t>수치 데이터를 설정한다</a:t>
             </a:r>
             <a:endParaRPr lang="ja-JP" altLang="en-US" sz="1600"/>
           </a:p>
           <a:p>
             <a:r>
-              <a:rPr lang="ja-JP" altLang="en-US" sz="1600" smtClean="0"/>
+              <a:rPr lang="ja-JP" altLang="en-US" sz="1600"/>
               <a:t>    </a:t>
             </a:r>
             <a:r>
-              <a:rPr lang="en-US" altLang="ja-JP" sz="1600" smtClean="0"/>
-              <a:t>public </a:t>
-            </a:r>
-            <a:r>
               <a:rPr lang="en-US" altLang="ja-JP" sz="1600"/>
-              <a:t>void setNumber(int m)</a:t>
-            </a:r>
-          </a:p>
-          <a:p>
-            <a:r>
-              <a:rPr lang="en-US" altLang="ja-JP" sz="1600" smtClean="0"/>
+              <a:t>public void setNumber(int m)</a:t>
+            </a:r>
+          </a:p>
+          <a:p>
+            <a:r>
+              <a:rPr lang="en-US" altLang="ja-JP" sz="1600"/>
               <a:t>    {</a:t>
             </a:r>
-            <a:endParaRPr lang="en-US" altLang="ja-JP" sz="1600"/>
-          </a:p>
-          <a:p>
-            <a:r>
-              <a:rPr lang="en-US" altLang="ja-JP" sz="1600" smtClean="0"/>
-              <a:t>        NumData    </a:t>
-            </a:r>
+          </a:p>
+          <a:p>
             <a:r>
               <a:rPr lang="en-US" altLang="ja-JP" sz="1600"/>
-              <a:t>= m; // </a:t>
-            </a:r>
-            <a:r>
-              <a:rPr lang="ko-KR" altLang="en-US" sz="1600" smtClean="0"/>
+              <a:t>        NumData    = m; // </a:t>
+            </a:r>
+            <a:r>
+              <a:rPr lang="ko-KR" altLang="en-US" sz="1600"/>
               <a:t>직렬화 대상 데이터</a:t>
             </a:r>
             <a:endParaRPr lang="ja-JP" altLang="en-US" sz="1600"/>
           </a:p>
           <a:p>
             <a:r>
-              <a:rPr lang="ja-JP" altLang="en-US" sz="1600" smtClean="0"/>
+              <a:rPr lang="ja-JP" altLang="en-US" sz="1600"/>
               <a:t>        </a:t>
             </a:r>
             <a:r>
-              <a:rPr lang="en-US" altLang="ja-JP" sz="1600" smtClean="0"/>
-              <a:t>PublicData </a:t>
-            </a:r>
-            <a:r>
               <a:rPr lang="en-US" altLang="ja-JP" sz="1600"/>
-              <a:t>= m; </a:t>
-            </a:r>
-            <a:r>
-              <a:rPr lang="en-US" altLang="ja-JP" sz="1600" smtClean="0"/>
-              <a:t> // </a:t>
-            </a:r>
-            <a:r>
-              <a:rPr lang="ko-KR" altLang="en-US" sz="1600" smtClean="0"/>
+              <a:t>PublicData = m;  // </a:t>
+            </a:r>
+            <a:r>
+              <a:rPr lang="ko-KR" altLang="en-US" sz="1600"/>
               <a:t>직렬화 하지 않는 데이터</a:t>
             </a:r>
             <a:endParaRPr lang="ja-JP" altLang="en-US" sz="1600"/>
           </a:p>
           <a:p>
             <a:r>
-              <a:rPr lang="ja-JP" altLang="en-US" sz="1600" smtClean="0"/>
+              <a:rPr lang="ja-JP" altLang="en-US" sz="1600"/>
               <a:t>    </a:t>
             </a:r>
             <a:r>
-              <a:rPr lang="en-US" altLang="ja-JP" sz="1600" smtClean="0"/>
+              <a:rPr lang="en-US" altLang="ja-JP" sz="1600"/>
               <a:t>}</a:t>
             </a:r>
-            <a:endParaRPr lang="en-US" altLang="ja-JP" sz="1600"/>
           </a:p>
           <a:p>
             <a:r>
@@ -12750,7 +12340,7 @@
           <a:lstStyle/>
           <a:p>
             <a:r>
-              <a:rPr lang="ko-KR" altLang="en-US" b="1" smtClean="0"/>
+              <a:rPr lang="ko-KR" altLang="en-US" b="1"/>
               <a:t>직렬화 데이터</a:t>
             </a:r>
             <a:endParaRPr lang="en-US" altLang="ja-JP" b="1"/>
@@ -12838,74 +12428,63 @@
           <a:lstStyle/>
           <a:p>
             <a:r>
-              <a:rPr lang="en-US" altLang="ja-JP" sz="1600" smtClean="0"/>
-              <a:t>// </a:t>
-            </a:r>
-            <a:r>
-              <a:rPr lang="ko-KR" altLang="en-US" sz="1600" smtClean="0"/>
-              <a:t>직렬화 할 오브젝트를 초기화</a:t>
-            </a:r>
-            <a:endParaRPr lang="ko-KR" altLang="en-US" sz="1600"/>
-          </a:p>
-          <a:p>
-            <a:r>
-              <a:rPr lang="en-US" altLang="ko-KR" sz="1600"/>
-              <a:t>SerialObject sobj = new SerialObject();</a:t>
-            </a:r>
-          </a:p>
-          <a:p>
-            <a:r>
-              <a:rPr lang="en-US" altLang="ko-KR" sz="1600"/>
-              <a:t>sobj.NumData = 999;</a:t>
-            </a:r>
-          </a:p>
-          <a:p>
-            <a:r>
-              <a:rPr lang="en-US" altLang="ko-KR" sz="1600"/>
-              <a:t>sobj.StrData = </a:t>
-            </a:r>
-            <a:r>
-              <a:rPr lang="en-US" altLang="ko-KR" sz="1600" smtClean="0"/>
-              <a:t>"</a:t>
-            </a:r>
-            <a:r>
-              <a:rPr lang="ko-KR" altLang="en-US" sz="1600" smtClean="0"/>
-              <a:t>보냅니다</a:t>
-            </a:r>
-            <a:r>
-              <a:rPr lang="en-US" altLang="ja-JP" sz="1600" smtClean="0"/>
-              <a:t>";</a:t>
-            </a:r>
-            <a:endParaRPr lang="en-US" altLang="ja-JP" sz="1600"/>
-          </a:p>
-          <a:p>
-            <a:r>
-              <a:rPr lang="en-US" altLang="ko-KR" sz="1600"/>
-              <a:t>sobj.setNumber(12);  </a:t>
-            </a:r>
-            <a:r>
-              <a:rPr lang="en-US" altLang="ko-KR" sz="1600" smtClean="0"/>
-              <a:t>     </a:t>
-            </a:r>
-            <a:endParaRPr lang="ja-JP" altLang="en-US" sz="1600"/>
-          </a:p>
-          <a:p>
-            <a:endParaRPr lang="ja-JP" altLang="en-US" sz="1600"/>
-          </a:p>
-          <a:p>
-            <a:r>
               <a:rPr lang="en-US" altLang="ja-JP" sz="1600"/>
               <a:t>// </a:t>
             </a:r>
             <a:r>
-              <a:rPr lang="en-US" altLang="ko-KR" sz="1600" smtClean="0"/>
+              <a:rPr lang="ko-KR" altLang="en-US" sz="1600"/>
+              <a:t>직렬화 할 오브젝트를 초기화</a:t>
+            </a:r>
+          </a:p>
+          <a:p>
+            <a:r>
+              <a:rPr lang="en-US" altLang="ko-KR" sz="1600"/>
+              <a:t>SerialObject sobj = new SerialObject();</a:t>
+            </a:r>
+          </a:p>
+          <a:p>
+            <a:r>
+              <a:rPr lang="en-US" altLang="ko-KR" sz="1600"/>
+              <a:t>sobj.NumData = 999;</a:t>
+            </a:r>
+          </a:p>
+          <a:p>
+            <a:r>
+              <a:rPr lang="en-US" altLang="ko-KR" sz="1600"/>
+              <a:t>sobj.StrData = "</a:t>
+            </a:r>
+            <a:r>
+              <a:rPr lang="ko-KR" altLang="en-US" sz="1600"/>
+              <a:t>보냅니다</a:t>
+            </a:r>
+            <a:r>
+              <a:rPr lang="en-US" altLang="ja-JP" sz="1600"/>
+              <a:t>";</a:t>
+            </a:r>
+          </a:p>
+          <a:p>
+            <a:r>
+              <a:rPr lang="en-US" altLang="ko-KR" sz="1600"/>
+              <a:t>sobj.setNumber(12);       </a:t>
+            </a:r>
+            <a:endParaRPr lang="ja-JP" altLang="en-US" sz="1600"/>
+          </a:p>
+          <a:p>
+            <a:endParaRPr lang="ja-JP" altLang="en-US" sz="1600"/>
+          </a:p>
+          <a:p>
+            <a:r>
+              <a:rPr lang="en-US" altLang="ja-JP" sz="1600"/>
+              <a:t>// </a:t>
+            </a:r>
+            <a:r>
+              <a:rPr lang="en-US" altLang="ko-KR" sz="1600"/>
               <a:t>TCP</a:t>
             </a:r>
             <a:r>
-              <a:rPr lang="ko-KR" altLang="en-US" sz="1600" smtClean="0"/>
+              <a:rPr lang="ko-KR" altLang="en-US" sz="1600"/>
               <a:t> 접속</a:t>
             </a:r>
-            <a:endParaRPr lang="ko-KR" altLang="en-US" sz="1600"/>
           </a:p>
           <a:p>
             <a:r>
@@ -12943,52 +12522,46 @@
               <a:t>// </a:t>
             </a:r>
             <a:r>
-              <a:rPr lang="ko-KR" altLang="en-US" sz="1600" smtClean="0"/>
+              <a:rPr lang="ko-KR" altLang="en-US" sz="1600"/>
               <a:t>직렬화 한다</a:t>
             </a:r>
             <a:r>
-              <a:rPr lang="en-US" altLang="ko-KR" sz="1600" smtClean="0"/>
+              <a:rPr lang="en-US" altLang="ko-KR" sz="1600"/>
               <a:t>. </a:t>
             </a:r>
             <a:r>
-              <a:rPr lang="ko-KR" altLang="en-US" sz="1600" smtClean="0"/>
+              <a:rPr lang="ko-KR" altLang="en-US" sz="1600"/>
               <a:t>스트림은 </a:t>
             </a:r>
             <a:r>
-              <a:rPr lang="en-US" altLang="ko-KR" sz="1600" smtClean="0"/>
+              <a:rPr lang="en-US" altLang="ko-KR" sz="1600"/>
               <a:t>NetworkStream</a:t>
             </a:r>
+          </a:p>
+          <a:p>
+            <a:r>
+              <a:rPr lang="en-US" altLang="ko-KR" sz="1600"/>
+              <a:t>formatter.Serialize(strm, sobj);</a:t>
+            </a:r>
+          </a:p>
+          <a:p>
+            <a:r>
+              <a:rPr lang="en-US" altLang="ko-KR" sz="1600"/>
+              <a:t>strm.Close();</a:t>
+            </a:r>
+          </a:p>
+          <a:p>
             <a:endParaRPr lang="en-US" altLang="ko-KR" sz="1600"/>
           </a:p>
           <a:p>
             <a:r>
               <a:rPr lang="en-US" altLang="ko-KR" sz="1600"/>
-              <a:t>formatter.Serialize(strm, sobj);</a:t>
-            </a:r>
-          </a:p>
-          <a:p>
-            <a:r>
-              <a:rPr lang="en-US" altLang="ko-KR" sz="1600"/>
-              <a:t>strm.Close();</a:t>
-            </a:r>
-          </a:p>
-          <a:p>
-            <a:endParaRPr lang="en-US" altLang="ko-KR" sz="1600"/>
-          </a:p>
-          <a:p>
-            <a:r>
-              <a:rPr lang="en-US" altLang="ko-KR" sz="1600"/>
-              <a:t>// </a:t>
-            </a:r>
-            <a:r>
-              <a:rPr lang="en-US" altLang="ko-KR" sz="1600" smtClean="0"/>
-              <a:t>TCP</a:t>
-            </a:r>
-            <a:r>
-              <a:rPr lang="ko-KR" altLang="en-US" sz="1600" smtClean="0"/>
+              <a:t>// TCP</a:t>
+            </a:r>
+            <a:r>
+              <a:rPr lang="ko-KR" altLang="en-US" sz="1600"/>
               <a:t> 끊기</a:t>
             </a:r>
-            <a:endParaRPr lang="ko-KR" altLang="en-US" sz="1600"/>
           </a:p>
           <a:p>
             <a:r>
@@ -13080,12 +12653,8 @@
           <a:lstStyle/>
           <a:p>
             <a:r>
-              <a:rPr lang="en-US" altLang="ko-KR" sz="1600" smtClean="0"/>
-              <a:t>IPAddress </a:t>
-            </a:r>
-            <a:r>
-              <a:rPr lang="en-US" altLang="ko-KR" sz="1600"/>
-              <a:t>ipaddr = IPAddress.Parse("127.0.0.1"); </a:t>
+              <a:rPr lang="en-US" altLang="ko-KR" sz="1600"/>
+              <a:t>IPAddress ipaddr = IPAddress.Parse("127.0.0.1"); </a:t>
             </a:r>
           </a:p>
           <a:p>
@@ -13102,12 +12671,8 @@
           </a:p>
           <a:p>
             <a:r>
-              <a:rPr lang="en-US" altLang="ko-KR" sz="1600" smtClean="0"/>
-              <a:t>listener.Start</a:t>
-            </a:r>
-            <a:r>
-              <a:rPr lang="en-US" altLang="ko-KR" sz="1600"/>
-              <a:t>();</a:t>
+              <a:rPr lang="en-US" altLang="ko-KR" sz="1600"/>
+              <a:t>listener.Start();</a:t>
             </a:r>
           </a:p>
           <a:p>
@@ -13115,12 +12680,8 @@
           </a:p>
           <a:p>
             <a:r>
-              <a:rPr lang="en-US" altLang="ko-KR" sz="1600" smtClean="0"/>
-              <a:t>TcpClient </a:t>
-            </a:r>
-            <a:r>
-              <a:rPr lang="en-US" altLang="ko-KR" sz="1600"/>
-              <a:t>tcp = listener.AcceptTcpClient();</a:t>
+              <a:rPr lang="en-US" altLang="ko-KR" sz="1600"/>
+              <a:t>TcpClient tcp = listener.AcceptTcpClient();</a:t>
             </a:r>
           </a:p>
           <a:p>
@@ -13147,7 +12708,7 @@
               <a:t>// </a:t>
             </a:r>
             <a:r>
-              <a:rPr lang="ko-KR" altLang="en-US" sz="1600" smtClean="0"/>
+              <a:rPr lang="ko-KR" altLang="en-US" sz="1600"/>
               <a:t>수신한 데이터를 역직렬화</a:t>
             </a:r>
             <a:endParaRPr lang="ja-JP" altLang="en-US" sz="1600"/>
@@ -13169,12 +12730,8 @@
           </a:p>
           <a:p>
             <a:r>
-              <a:rPr lang="en-US" altLang="ko-KR" sz="1600" smtClean="0"/>
-              <a:t>tcp.Close</a:t>
-            </a:r>
-            <a:r>
-              <a:rPr lang="en-US" altLang="ko-KR" sz="1600"/>
-              <a:t>();</a:t>
+              <a:rPr lang="en-US" altLang="ko-KR" sz="1600"/>
+              <a:t>tcp.Close();</a:t>
             </a:r>
           </a:p>
           <a:p>
@@ -13182,12 +12739,8 @@
           </a:p>
           <a:p>
             <a:r>
-              <a:rPr lang="en-US" altLang="ko-KR" sz="1600" smtClean="0"/>
-              <a:t>listener.Stop</a:t>
-            </a:r>
-            <a:r>
-              <a:rPr lang="en-US" altLang="ko-KR" sz="1600"/>
-              <a:t>();</a:t>
+              <a:rPr lang="en-US" altLang="ko-KR" sz="1600"/>
+              <a:t>listener.Stop();</a:t>
             </a:r>
           </a:p>
           <a:p>
@@ -13199,10 +12752,9 @@
               <a:t>// </a:t>
             </a:r>
             <a:r>
-              <a:rPr lang="ko-KR" altLang="en-US" sz="1600" smtClean="0"/>
+              <a:rPr lang="ko-KR" altLang="en-US" sz="1600"/>
               <a:t>직렬화 대상 데이터 확인</a:t>
             </a:r>
-            <a:endParaRPr lang="ko-KR" altLang="en-US" sz="1600"/>
           </a:p>
           <a:p>
             <a:r>
@@ -13216,7 +12768,7 @@
               <a:t>MessageBox.Show("StrData = " + obj.StrData);            // StrData = </a:t>
             </a:r>
             <a:r>
-              <a:rPr lang="ko-KR" altLang="en-US" sz="1600" smtClean="0"/>
+              <a:rPr lang="ko-KR" altLang="en-US" sz="1600"/>
               <a:t>보냅니다</a:t>
             </a:r>
             <a:endParaRPr lang="ja-JP" altLang="en-US" sz="1600"/>
@@ -13230,14 +12782,13 @@
               <a:t>// </a:t>
             </a:r>
             <a:r>
-              <a:rPr lang="ko-KR" altLang="en-US" sz="1600" smtClean="0"/>
+              <a:rPr lang="ko-KR" altLang="en-US" sz="1600"/>
               <a:t>직렬화 미 대상（초기 설정 값도 반영 되지 않는다</a:t>
             </a:r>
             <a:r>
-              <a:rPr lang="ja-JP" altLang="en-US" sz="1600" smtClean="0"/>
+              <a:rPr lang="ja-JP" altLang="en-US" sz="1600"/>
               <a:t>）</a:t>
             </a:r>
-            <a:endParaRPr lang="ja-JP" altLang="en-US" sz="1600"/>
           </a:p>
           <a:p>
             <a:r>
@@ -13270,7 +12821,7 @@
           <a:lstStyle/>
           <a:p>
             <a:r>
-              <a:rPr lang="ko-KR" altLang="en-US" b="1" smtClean="0"/>
+              <a:rPr lang="ko-KR" altLang="en-US" b="1"/>
               <a:t>서버</a:t>
             </a:r>
             <a:endParaRPr lang="en-US" altLang="ja-JP" b="1"/>
@@ -13281,109 +12832,6 @@
     <p:extLst>
       <p:ext uri="{BB962C8B-B14F-4D97-AF65-F5344CB8AC3E}">
         <p14:creationId xmlns:p14="http://schemas.microsoft.com/office/powerpoint/2010/main" val="3136291882"/>
-      </p:ext>
-    </p:extLst>
-  </p:cSld>
-  <p:clrMapOvr>
-    <a:masterClrMapping/>
-  </p:clrMapOvr>
-</p:sld>
-</file>
-
-<file path=ppt/slides/slide46.xml><?xml version="1.0" encoding="utf-8"?>
-<p:sld xmlns:a="http://schemas.openxmlformats.org/drawingml/2006/main" xmlns:r="http://schemas.openxmlformats.org/officeDocument/2006/relationships" xmlns:p="http://schemas.openxmlformats.org/presentationml/2006/main">
-  <p:cSld>
-    <p:spTree>
-      <p:nvGrpSpPr>
-        <p:cNvPr id="1" name=""/>
-        <p:cNvGrpSpPr/>
-        <p:nvPr/>
-      </p:nvGrpSpPr>
-      <p:grpSpPr>
-        <a:xfrm>
-          <a:off x="0" y="0"/>
-          <a:ext cx="0" cy="0"/>
-          <a:chOff x="0" y="0"/>
-          <a:chExt cx="0" cy="0"/>
-        </a:xfrm>
-      </p:grpSpPr>
-      <p:sp>
-        <p:nvSpPr>
-          <p:cNvPr id="2" name="직사각형 1"/>
-          <p:cNvSpPr/>
-          <p:nvPr/>
-        </p:nvSpPr>
-        <p:spPr>
-          <a:xfrm>
-            <a:off x="466477" y="1268760"/>
-            <a:ext cx="8064896" cy="923330"/>
-          </a:xfrm>
-          <a:prstGeom prst="rect">
-            <a:avLst/>
-          </a:prstGeom>
-        </p:spPr>
-        <p:txBody>
-          <a:bodyPr wrap="square">
-            <a:spAutoFit/>
-          </a:bodyPr>
-          <a:lstStyle/>
-          <a:p>
-            <a:r>
-              <a:rPr lang="en-US" altLang="ko-KR"/>
-              <a:t>SocketAsyncEventArgs </a:t>
-            </a:r>
-            <a:r>
-              <a:rPr lang="ko-KR" altLang="en-US" smtClean="0"/>
-              <a:t>클래스</a:t>
-            </a:r>
-            <a:endParaRPr lang="en-US" altLang="ko-KR" smtClean="0"/>
-          </a:p>
-          <a:p>
-            <a:r>
-              <a:rPr lang="en-US" altLang="ko-KR" smtClean="0"/>
-              <a:t>http</a:t>
-            </a:r>
-            <a:r>
-              <a:rPr lang="en-US" altLang="ko-KR"/>
-              <a:t>://msdn.microsoft.com/ja-jp/library/vstudio/system.net.sockets.socketasynceventargs(v=vs.100).aspx</a:t>
-            </a:r>
-            <a:endParaRPr lang="ko-KR" altLang="en-US"/>
-          </a:p>
-        </p:txBody>
-      </p:sp>
-      <p:sp>
-        <p:nvSpPr>
-          <p:cNvPr id="3" name="직사각형 2"/>
-          <p:cNvSpPr/>
-          <p:nvPr/>
-        </p:nvSpPr>
-        <p:spPr>
-          <a:xfrm>
-            <a:off x="467544" y="404664"/>
-            <a:ext cx="6336704" cy="584775"/>
-          </a:xfrm>
-          <a:prstGeom prst="rect">
-            <a:avLst/>
-          </a:prstGeom>
-        </p:spPr>
-        <p:txBody>
-          <a:bodyPr wrap="square">
-            <a:spAutoFit/>
-          </a:bodyPr>
-          <a:lstStyle/>
-          <a:p>
-            <a:r>
-              <a:rPr lang="ko-KR" altLang="en-US" sz="3200" b="1" smtClean="0"/>
-              <a:t>참고</a:t>
-            </a:r>
-            <a:endParaRPr lang="ko-KR" altLang="en-US" sz="3200" b="1"/>
-          </a:p>
-        </p:txBody>
-      </p:sp>
-    </p:spTree>
-    <p:extLst>
-      <p:ext uri="{BB962C8B-B14F-4D97-AF65-F5344CB8AC3E}">
-        <p14:creationId xmlns:p14="http://schemas.microsoft.com/office/powerpoint/2010/main" val="377454598"/>
       </p:ext>
     </p:extLst>
   </p:cSld>
@@ -13432,18 +12880,17 @@
           <a:lstStyle/>
           <a:p>
             <a:r>
-              <a:rPr lang="ko-KR" altLang="en-US" sz="3200" b="1" smtClean="0"/>
+              <a:rPr lang="ko-KR" altLang="en-US" sz="3200" b="1"/>
               <a:t>예제</a:t>
             </a:r>
             <a:r>
-              <a:rPr lang="en-US" altLang="ko-KR" sz="3200" b="1" smtClean="0"/>
+              <a:rPr lang="en-US" altLang="ko-KR" sz="3200" b="1"/>
               <a:t>: </a:t>
             </a:r>
             <a:r>
-              <a:rPr lang="ko-KR" altLang="en-US" sz="3200" b="1" smtClean="0"/>
+              <a:rPr lang="ko-KR" altLang="en-US" sz="3200" b="1"/>
               <a:t>파일 전송</a:t>
             </a:r>
-            <a:endParaRPr lang="ko-KR" altLang="en-US" sz="3200" b="1"/>
           </a:p>
         </p:txBody>
       </p:sp>
@@ -14067,14 +13514,13 @@
           <a:p>
             <a:pPr algn="ctr"/>
             <a:r>
-              <a:rPr lang="en-US" altLang="ko-KR" sz="1200" smtClean="0"/>
+              <a:rPr lang="en-US" altLang="ko-KR" sz="1200"/>
               <a:t>Base64 </a:t>
             </a:r>
             <a:r>
-              <a:rPr lang="ko-KR" altLang="en-US" sz="1200" smtClean="0"/>
+              <a:rPr lang="ko-KR" altLang="en-US" sz="1200"/>
               <a:t>엔코딩</a:t>
             </a:r>
-            <a:endParaRPr lang="ko-KR" altLang="en-US" sz="1200"/>
           </a:p>
         </p:txBody>
       </p:sp>
@@ -14102,10 +13548,9 @@
           <a:p>
             <a:pPr algn="ctr"/>
             <a:r>
-              <a:rPr lang="ko-KR" altLang="en-US" sz="1200" smtClean="0"/>
+              <a:rPr lang="ko-KR" altLang="en-US" sz="1200"/>
               <a:t>파일 이름을 추가해서 전송 데이터 만들기</a:t>
             </a:r>
-            <a:endParaRPr lang="ko-KR" altLang="en-US" sz="1200"/>
           </a:p>
         </p:txBody>
       </p:sp>
@@ -14133,10 +13578,9 @@
           <a:p>
             <a:pPr algn="ctr"/>
             <a:r>
-              <a:rPr lang="ko-KR" altLang="en-US" sz="1200" smtClean="0"/>
+              <a:rPr lang="ko-KR" altLang="en-US" sz="1200"/>
               <a:t>전송</a:t>
             </a:r>
-            <a:endParaRPr lang="ko-KR" altLang="en-US" sz="1200"/>
           </a:p>
         </p:txBody>
       </p:sp>
@@ -14164,18 +13608,17 @@
           <a:p>
             <a:pPr algn="ctr"/>
             <a:r>
-              <a:rPr lang="ko-KR" altLang="en-US" sz="1200" smtClean="0"/>
+              <a:rPr lang="ko-KR" altLang="en-US" sz="1200"/>
               <a:t>파일 읽기</a:t>
             </a:r>
             <a:r>
-              <a:rPr lang="en-US" altLang="ko-KR" sz="1200" smtClean="0"/>
+              <a:rPr lang="en-US" altLang="ko-KR" sz="1200"/>
               <a:t>(</a:t>
             </a:r>
             <a:r>
-              <a:rPr lang="ko-KR" altLang="en-US" sz="1200" smtClean="0"/>
+              <a:rPr lang="ko-KR" altLang="en-US" sz="1200"/>
               <a:t>바이너리</a:t>
             </a:r>
-            <a:endParaRPr lang="ko-KR" altLang="en-US" sz="1200"/>
           </a:p>
         </p:txBody>
       </p:sp>
@@ -14202,10 +13645,9 @@
           <a:lstStyle/>
           <a:p>
             <a:r>
-              <a:rPr lang="ko-KR" altLang="en-US" sz="1200" smtClean="0"/>
+              <a:rPr lang="ko-KR" altLang="en-US" sz="1200"/>
               <a:t>파일 전송 측</a:t>
             </a:r>
-            <a:endParaRPr lang="ko-KR" altLang="en-US" sz="1200"/>
           </a:p>
         </p:txBody>
       </p:sp>
@@ -14287,10 +13729,9 @@
           <a:p>
             <a:pPr algn="ctr"/>
             <a:r>
-              <a:rPr lang="ko-KR" altLang="en-US" sz="1200" smtClean="0"/>
+              <a:rPr lang="ko-KR" altLang="en-US" sz="1200"/>
               <a:t>파일 이름</a:t>
             </a:r>
-            <a:endParaRPr lang="ko-KR" altLang="en-US" sz="1200"/>
           </a:p>
         </p:txBody>
       </p:sp>
@@ -14318,10 +13759,9 @@
           <a:p>
             <a:pPr algn="ctr"/>
             <a:r>
-              <a:rPr lang="ko-KR" altLang="en-US" sz="1200" smtClean="0"/>
+              <a:rPr lang="ko-KR" altLang="en-US" sz="1200"/>
               <a:t>수신 데이터 해석</a:t>
             </a:r>
-            <a:endParaRPr lang="ko-KR" altLang="en-US" sz="1200"/>
           </a:p>
         </p:txBody>
       </p:sp>
@@ -14349,10 +13789,9 @@
           <a:p>
             <a:pPr algn="ctr"/>
             <a:r>
-              <a:rPr lang="ko-KR" altLang="en-US" sz="1200" smtClean="0"/>
+              <a:rPr lang="ko-KR" altLang="en-US" sz="1200"/>
               <a:t>파일 수신 측</a:t>
             </a:r>
-            <a:endParaRPr lang="ko-KR" altLang="en-US" sz="1200"/>
           </a:p>
         </p:txBody>
       </p:sp>
@@ -14380,10 +13819,9 @@
           <a:p>
             <a:pPr algn="ctr"/>
             <a:r>
-              <a:rPr lang="ko-KR" altLang="en-US" sz="1200" smtClean="0"/>
+              <a:rPr lang="ko-KR" altLang="en-US" sz="1200"/>
               <a:t>수신</a:t>
             </a:r>
-            <a:endParaRPr lang="ko-KR" altLang="en-US" sz="1200"/>
           </a:p>
         </p:txBody>
       </p:sp>
@@ -14411,14 +13849,13 @@
           <a:p>
             <a:pPr algn="ctr"/>
             <a:r>
-              <a:rPr lang="en-US" altLang="ko-KR" sz="1200" smtClean="0"/>
+              <a:rPr lang="en-US" altLang="ko-KR" sz="1200"/>
               <a:t>Base64 </a:t>
             </a:r>
             <a:r>
-              <a:rPr lang="ko-KR" altLang="en-US" sz="1200" smtClean="0"/>
+              <a:rPr lang="ko-KR" altLang="en-US" sz="1200"/>
               <a:t>디코딩</a:t>
             </a:r>
-            <a:endParaRPr lang="ko-KR" altLang="en-US" sz="1200"/>
           </a:p>
         </p:txBody>
       </p:sp>
@@ -14446,10 +13883,9 @@
           <a:p>
             <a:pPr algn="ctr"/>
             <a:r>
-              <a:rPr lang="ko-KR" altLang="en-US" sz="1200" smtClean="0"/>
+              <a:rPr lang="ko-KR" altLang="en-US" sz="1200"/>
               <a:t>파일 보존</a:t>
             </a:r>
-            <a:endParaRPr lang="ko-KR" altLang="en-US" sz="1200"/>
           </a:p>
         </p:txBody>
       </p:sp>
@@ -14506,19 +13942,19 @@
           <a:lstStyle/>
           <a:p>
             <a:r>
-              <a:rPr lang="ko-KR" altLang="en-US" smtClean="0"/>
+              <a:rPr lang="ko-KR" altLang="en-US"/>
               <a:t>바이너리 데이터를 텍스트 데이터로 변환하기 위해 </a:t>
             </a:r>
             <a:r>
-              <a:rPr lang="en-US" altLang="ko-KR" smtClean="0"/>
+              <a:rPr lang="en-US" altLang="ko-KR"/>
               <a:t>Base64 </a:t>
             </a:r>
             <a:r>
-              <a:rPr lang="ko-KR" altLang="en-US" smtClean="0"/>
+              <a:rPr lang="ko-KR" altLang="en-US"/>
               <a:t>사용</a:t>
             </a:r>
             <a:r>
-              <a:rPr lang="en-US" altLang="ko-KR" smtClean="0"/>
+              <a:rPr lang="en-US" altLang="ko-KR"/>
               <a:t>.</a:t>
             </a:r>
             <a:endParaRPr lang="ko-KR" altLang="en-US"/>
@@ -14848,7 +14284,7 @@
           <a:lstStyle/>
           <a:p>
             <a:r>
-              <a:rPr lang="en-US" altLang="ko-KR" sz="1400" smtClean="0">
+              <a:rPr lang="en-US" altLang="ko-KR" sz="1400">
                 <a:solidFill>
                   <a:srgbClr val="FF0000"/>
                 </a:solidFill>
@@ -14886,7 +14322,7 @@
           <a:lstStyle/>
           <a:p>
             <a:r>
-              <a:rPr lang="en-US" altLang="ko-KR" sz="1400" smtClean="0">
+              <a:rPr lang="en-US" altLang="ko-KR" sz="1400">
                 <a:solidFill>
                   <a:srgbClr val="FF0000"/>
                 </a:solidFill>
@@ -14924,7 +14360,7 @@
           <a:lstStyle/>
           <a:p>
             <a:r>
-              <a:rPr lang="en-US" altLang="ko-KR" sz="1400" smtClean="0">
+              <a:rPr lang="en-US" altLang="ko-KR" sz="1400">
                 <a:solidFill>
                   <a:srgbClr val="FF0000"/>
                 </a:solidFill>
@@ -14962,7 +14398,7 @@
           <a:lstStyle/>
           <a:p>
             <a:r>
-              <a:rPr lang="en-US" altLang="ko-KR" sz="1400" smtClean="0">
+              <a:rPr lang="en-US" altLang="ko-KR" sz="1400">
                 <a:solidFill>
                   <a:srgbClr val="FF0000"/>
                 </a:solidFill>
@@ -14999,7 +14435,7 @@
           <a:lstStyle/>
           <a:p>
             <a:r>
-              <a:rPr lang="en-US" altLang="ko-KR" sz="3200" b="1" smtClean="0"/>
+              <a:rPr lang="en-US" altLang="ko-KR" sz="3200" b="1"/>
               <a:t>Server</a:t>
             </a:r>
             <a:endParaRPr lang="ko-KR" altLang="en-US" sz="3200" b="1"/>
@@ -15221,7 +14657,7 @@
           <a:lstStyle/>
           <a:p>
             <a:r>
-              <a:rPr lang="en-US" altLang="ko-KR" sz="1400" smtClean="0">
+              <a:rPr lang="en-US" altLang="ko-KR" sz="1400">
                 <a:solidFill>
                   <a:srgbClr val="FF0000"/>
                 </a:solidFill>
@@ -15258,7 +14694,7 @@
           <a:lstStyle/>
           <a:p>
             <a:r>
-              <a:rPr lang="en-US" altLang="ko-KR" sz="3200" b="1" smtClean="0"/>
+              <a:rPr lang="en-US" altLang="ko-KR" sz="3200" b="1"/>
               <a:t>Client</a:t>
             </a:r>
             <a:endParaRPr lang="ko-KR" altLang="en-US" sz="3200" b="1"/>
@@ -15288,7 +14724,7 @@
           <a:lstStyle/>
           <a:p>
             <a:r>
-              <a:rPr lang="en-US" altLang="ko-KR" sz="1400" smtClean="0">
+              <a:rPr lang="en-US" altLang="ko-KR" sz="1400">
                 <a:solidFill>
                   <a:srgbClr val="FF0000"/>
                 </a:solidFill>
@@ -15326,18 +14762,17 @@
           <a:lstStyle/>
           <a:p>
             <a:r>
-              <a:rPr lang="ko-KR" altLang="en-US" sz="1400" b="1" smtClean="0"/>
+              <a:rPr lang="ko-KR" altLang="en-US" sz="1400" b="1"/>
               <a:t>인스턴스 생성과 </a:t>
             </a:r>
             <a:r>
-              <a:rPr lang="en-US" altLang="ko-KR" sz="1400" b="1" smtClean="0"/>
+              <a:rPr lang="en-US" altLang="ko-KR" sz="1400" b="1"/>
               <a:t>host</a:t>
             </a:r>
             <a:r>
-              <a:rPr lang="ko-KR" altLang="en-US" sz="1400" b="1" smtClean="0"/>
+              <a:rPr lang="ko-KR" altLang="en-US" sz="1400" b="1"/>
               <a:t>에 접속</a:t>
             </a:r>
-            <a:endParaRPr lang="ko-KR" altLang="en-US" sz="1400" b="1"/>
           </a:p>
         </p:txBody>
       </p:sp>
@@ -15364,7 +14799,7 @@
           <a:lstStyle/>
           <a:p>
             <a:r>
-              <a:rPr lang="en-US" altLang="ko-KR" sz="1400" smtClean="0">
+              <a:rPr lang="en-US" altLang="ko-KR" sz="1400">
                 <a:solidFill>
                   <a:srgbClr val="FF0000"/>
                 </a:solidFill>
